--- a/Document/PR　プレゼン/pr_presen.pptx
+++ b/Document/PR　プレゼン/pr_presen.pptx
@@ -6,19 +6,20 @@
     <p:sldMasterId id="2147483680" r:id="rId2"/>
   </p:sldMasterIdLst>
   <p:notesMasterIdLst>
-    <p:notesMasterId r:id="rId10"/>
+    <p:notesMasterId r:id="rId11"/>
   </p:notesMasterIdLst>
   <p:sldIdLst>
     <p:sldId id="258" r:id="rId3"/>
     <p:sldId id="260" r:id="rId4"/>
-    <p:sldId id="289" r:id="rId5"/>
-    <p:sldId id="267" r:id="rId6"/>
-    <p:sldId id="290" r:id="rId7"/>
-    <p:sldId id="291" r:id="rId8"/>
-    <p:sldId id="293" r:id="rId9"/>
+    <p:sldId id="268" r:id="rId5"/>
+    <p:sldId id="289" r:id="rId6"/>
+    <p:sldId id="267" r:id="rId7"/>
+    <p:sldId id="290" r:id="rId8"/>
+    <p:sldId id="291" r:id="rId9"/>
+    <p:sldId id="293" r:id="rId10"/>
   </p:sldIdLst>
   <p:sldSz cx="12192000" cy="6858000"/>
-  <p:notesSz cx="6858000" cy="9144000"/>
+  <p:notesSz cx="7104063" cy="10234613"/>
   <p:defaultTextStyle>
     <a:defPPr>
       <a:defRPr lang="en-US"/>
@@ -181,17 +182,17 @@
         <p:spPr>
           <a:xfrm>
             <a:off x="0" y="0"/>
-            <a:ext cx="2971800" cy="458788"/>
+            <a:ext cx="3078427" cy="513508"/>
           </a:xfrm>
           <a:prstGeom prst="rect">
             <a:avLst/>
           </a:prstGeom>
         </p:spPr>
         <p:txBody>
-          <a:bodyPr vert="horz" lIns="91440" tIns="45720" rIns="91440" bIns="45720" rtlCol="0"/>
+          <a:bodyPr vert="horz" lIns="99075" tIns="49538" rIns="99075" bIns="49538" rtlCol="0"/>
           <a:lstStyle>
             <a:lvl1pPr algn="l">
-              <a:defRPr sz="1200"/>
+              <a:defRPr sz="1300"/>
             </a:lvl1pPr>
           </a:lstStyle>
           <a:p>
@@ -211,18 +212,18 @@
         </p:nvSpPr>
         <p:spPr>
           <a:xfrm>
-            <a:off x="3884613" y="0"/>
-            <a:ext cx="2971800" cy="458788"/>
+            <a:off x="4023992" y="0"/>
+            <a:ext cx="3078427" cy="513508"/>
           </a:xfrm>
           <a:prstGeom prst="rect">
             <a:avLst/>
           </a:prstGeom>
         </p:spPr>
         <p:txBody>
-          <a:bodyPr vert="horz" lIns="91440" tIns="45720" rIns="91440" bIns="45720" rtlCol="0"/>
+          <a:bodyPr vert="horz" lIns="99075" tIns="49538" rIns="99075" bIns="49538" rtlCol="0"/>
           <a:lstStyle>
             <a:lvl1pPr algn="r">
-              <a:defRPr sz="1200"/>
+              <a:defRPr sz="1300"/>
             </a:lvl1pPr>
           </a:lstStyle>
           <a:p>
@@ -246,8 +247,8 @@
         </p:nvSpPr>
         <p:spPr>
           <a:xfrm>
-            <a:off x="685800" y="1143000"/>
-            <a:ext cx="5486400" cy="3086100"/>
+            <a:off x="482600" y="1279525"/>
+            <a:ext cx="6140450" cy="3454400"/>
           </a:xfrm>
           <a:prstGeom prst="rect">
             <a:avLst/>
@@ -260,7 +261,7 @@
           </a:ln>
         </p:spPr>
         <p:txBody>
-          <a:bodyPr vert="horz" lIns="91440" tIns="45720" rIns="91440" bIns="45720" rtlCol="0" anchor="ctr"/>
+          <a:bodyPr vert="horz" lIns="99075" tIns="49538" rIns="99075" bIns="49538" rtlCol="0" anchor="ctr"/>
           <a:lstStyle/>
           <a:p>
             <a:endParaRPr lang="ja-JP" altLang="en-US"/>
@@ -279,15 +280,15 @@
         </p:nvSpPr>
         <p:spPr>
           <a:xfrm>
-            <a:off x="685800" y="4400550"/>
-            <a:ext cx="5486400" cy="3600450"/>
+            <a:off x="710407" y="4925407"/>
+            <a:ext cx="5683250" cy="4029879"/>
           </a:xfrm>
           <a:prstGeom prst="rect">
             <a:avLst/>
           </a:prstGeom>
         </p:spPr>
         <p:txBody>
-          <a:bodyPr vert="horz" lIns="91440" tIns="45720" rIns="91440" bIns="45720" rtlCol="0"/>
+          <a:bodyPr vert="horz" lIns="99075" tIns="49538" rIns="99075" bIns="49538" rtlCol="0"/>
           <a:lstStyle/>
           <a:p>
             <a:pPr lvl="0"/>
@@ -370,18 +371,18 @@
         </p:nvSpPr>
         <p:spPr>
           <a:xfrm>
-            <a:off x="0" y="8685213"/>
-            <a:ext cx="2971800" cy="458787"/>
+            <a:off x="0" y="9721107"/>
+            <a:ext cx="3078427" cy="513507"/>
           </a:xfrm>
           <a:prstGeom prst="rect">
             <a:avLst/>
           </a:prstGeom>
         </p:spPr>
         <p:txBody>
-          <a:bodyPr vert="horz" lIns="91440" tIns="45720" rIns="91440" bIns="45720" rtlCol="0" anchor="b"/>
+          <a:bodyPr vert="horz" lIns="99075" tIns="49538" rIns="99075" bIns="49538" rtlCol="0" anchor="b"/>
           <a:lstStyle>
             <a:lvl1pPr algn="l">
-              <a:defRPr sz="1200"/>
+              <a:defRPr sz="1300"/>
             </a:lvl1pPr>
           </a:lstStyle>
           <a:p>
@@ -401,18 +402,18 @@
         </p:nvSpPr>
         <p:spPr>
           <a:xfrm>
-            <a:off x="3884613" y="8685213"/>
-            <a:ext cx="2971800" cy="458787"/>
+            <a:off x="4023992" y="9721107"/>
+            <a:ext cx="3078427" cy="513507"/>
           </a:xfrm>
           <a:prstGeom prst="rect">
             <a:avLst/>
           </a:prstGeom>
         </p:spPr>
         <p:txBody>
-          <a:bodyPr vert="horz" lIns="91440" tIns="45720" rIns="91440" bIns="45720" rtlCol="0" anchor="b"/>
+          <a:bodyPr vert="horz" lIns="99075" tIns="49538" rIns="99075" bIns="49538" rtlCol="0" anchor="b"/>
           <a:lstStyle>
             <a:lvl1pPr algn="r">
-              <a:defRPr sz="1200"/>
+              <a:defRPr sz="1300"/>
             </a:lvl1pPr>
           </a:lstStyle>
           <a:p>
@@ -525,6 +526,273 @@
     </a:lvl9pPr>
   </p:notesStyle>
 </p:notesMaster>
+</file>
+
+<file path=ppt/notesSlides/notesSlide1.xml><?xml version="1.0" encoding="utf-8"?>
+<p:notes xmlns:a="http://schemas.openxmlformats.org/drawingml/2006/main" xmlns:r="http://schemas.openxmlformats.org/officeDocument/2006/relationships" xmlns:p="http://schemas.openxmlformats.org/presentationml/2006/main">
+  <p:cSld>
+    <p:spTree>
+      <p:nvGrpSpPr>
+        <p:cNvPr id="1" name=""/>
+        <p:cNvGrpSpPr/>
+        <p:nvPr/>
+      </p:nvGrpSpPr>
+      <p:grpSpPr>
+        <a:xfrm>
+          <a:off x="0" y="0"/>
+          <a:ext cx="0" cy="0"/>
+          <a:chOff x="0" y="0"/>
+          <a:chExt cx="0" cy="0"/>
+        </a:xfrm>
+      </p:grpSpPr>
+      <p:sp>
+        <p:nvSpPr>
+          <p:cNvPr id="2" name="スライド イメージ プレースホルダー 1"/>
+          <p:cNvSpPr>
+            <a:spLocks noGrp="1" noRot="1" noChangeAspect="1"/>
+          </p:cNvSpPr>
+          <p:nvPr>
+            <p:ph type="sldImg"/>
+          </p:nvPr>
+        </p:nvSpPr>
+        <p:spPr/>
+      </p:sp>
+      <p:sp>
+        <p:nvSpPr>
+          <p:cNvPr id="3" name="ノート プレースホルダー 2"/>
+          <p:cNvSpPr>
+            <a:spLocks noGrp="1"/>
+          </p:cNvSpPr>
+          <p:nvPr>
+            <p:ph type="body" idx="1"/>
+          </p:nvPr>
+        </p:nvSpPr>
+        <p:spPr/>
+        <p:txBody>
+          <a:bodyPr/>
+          <a:lstStyle/>
+          <a:p>
+            <a:r>
+              <a:rPr kumimoji="1" lang="ja-JP" altLang="en-US" dirty="0"/>
+              <a:t>次にルールとゲームの流れについてです．</a:t>
+            </a:r>
+            <a:endParaRPr kumimoji="1" lang="en-US" altLang="ja-JP" dirty="0"/>
+          </a:p>
+          <a:p>
+            <a:r>
+              <a:rPr kumimoji="1" lang="ja-JP" altLang="en-US" dirty="0"/>
+              <a:t>このゲームは，</a:t>
+            </a:r>
+            <a:r>
+              <a:rPr kumimoji="1" lang="en-US" altLang="ja-JP" dirty="0"/>
+              <a:t>3</a:t>
+            </a:r>
+            <a:r>
+              <a:rPr kumimoji="1" lang="ja-JP" altLang="en-US" dirty="0"/>
+              <a:t>人のプレイヤーで行うゲームです．</a:t>
+            </a:r>
+            <a:endParaRPr kumimoji="1" lang="en-US" altLang="ja-JP" dirty="0"/>
+          </a:p>
+          <a:p>
+            <a:r>
+              <a:rPr kumimoji="1" lang="ja-JP" altLang="en-US" dirty="0"/>
+              <a:t>始めに，プレイヤー</a:t>
+            </a:r>
+            <a:r>
+              <a:rPr kumimoji="1" lang="en-US" altLang="ja-JP" dirty="0"/>
+              <a:t>3</a:t>
+            </a:r>
+            <a:r>
+              <a:rPr kumimoji="1" lang="ja-JP" altLang="en-US" dirty="0"/>
+              <a:t>人が入口から出発し，</a:t>
+            </a:r>
+            <a:endParaRPr kumimoji="1" lang="en-US" altLang="ja-JP" dirty="0"/>
+          </a:p>
+          <a:p>
+            <a:r>
+              <a:rPr kumimoji="1" lang="ja-JP" altLang="en-US" dirty="0"/>
+              <a:t>次に，プレイヤー</a:t>
+            </a:r>
+            <a:r>
+              <a:rPr kumimoji="1" lang="en-US" altLang="ja-JP" dirty="0"/>
+              <a:t>3</a:t>
+            </a:r>
+            <a:r>
+              <a:rPr kumimoji="1" lang="ja-JP" altLang="en-US" dirty="0"/>
+              <a:t>人は，ステージに配置されている金塊を奪い返します</a:t>
+            </a:r>
+            <a:endParaRPr kumimoji="1" lang="en-US" altLang="ja-JP" dirty="0"/>
+          </a:p>
+          <a:p>
+            <a:r>
+              <a:rPr kumimoji="1" lang="ja-JP" altLang="en-US" dirty="0"/>
+              <a:t>そして，ステージに配置されている</a:t>
+            </a:r>
+            <a:r>
+              <a:rPr kumimoji="1" lang="en-US" altLang="ja-JP" dirty="0"/>
+              <a:t>NPC</a:t>
+            </a:r>
+            <a:r>
+              <a:rPr kumimoji="1" lang="ja-JP" altLang="en-US" dirty="0"/>
+              <a:t>・監視カメラに見つからないように出口から脱出する</a:t>
+            </a:r>
+            <a:endParaRPr kumimoji="1" lang="en-US" altLang="ja-JP" dirty="0"/>
+          </a:p>
+          <a:p>
+            <a:r>
+              <a:rPr kumimoji="1" lang="ja-JP" altLang="en-US" dirty="0"/>
+              <a:t>という流れになっています．</a:t>
+            </a:r>
+            <a:endParaRPr kumimoji="1" lang="en-US" altLang="ja-JP" dirty="0"/>
+          </a:p>
+          <a:p>
+            <a:r>
+              <a:rPr kumimoji="1" lang="ja-JP" altLang="en-US" dirty="0"/>
+              <a:t>ここでのポイントは，</a:t>
+            </a:r>
+            <a:r>
+              <a:rPr kumimoji="1" lang="en-US" altLang="ja-JP" dirty="0"/>
+              <a:t>2</a:t>
+            </a:r>
+            <a:r>
+              <a:rPr kumimoji="1" lang="ja-JP" altLang="en-US" dirty="0"/>
+              <a:t>つあり，</a:t>
+            </a:r>
+            <a:endParaRPr kumimoji="1" lang="en-US" altLang="ja-JP" dirty="0"/>
+          </a:p>
+          <a:p>
+            <a:r>
+              <a:rPr kumimoji="1" lang="en-US" altLang="ja-JP" dirty="0"/>
+              <a:t>1</a:t>
+            </a:r>
+            <a:r>
+              <a:rPr kumimoji="1" lang="ja-JP" altLang="en-US" dirty="0"/>
+              <a:t>つ目は，</a:t>
+            </a:r>
+            <a:r>
+              <a:rPr kumimoji="1" lang="en-US" altLang="ja-JP" dirty="0"/>
+              <a:t>NPC</a:t>
+            </a:r>
+            <a:r>
+              <a:rPr kumimoji="1" lang="ja-JP" altLang="en-US" dirty="0"/>
+              <a:t>・監視カメラは，複数配置されており，ステージの難度を</a:t>
+            </a:r>
+            <a:r>
+              <a:rPr kumimoji="1" lang="en-US" altLang="ja-JP" dirty="0"/>
+              <a:t>1</a:t>
+            </a:r>
+            <a:r>
+              <a:rPr kumimoji="1" lang="ja-JP" altLang="en-US" dirty="0"/>
+              <a:t>人では，脱出できない難度に調整されているという点です．</a:t>
+            </a:r>
+            <a:endParaRPr kumimoji="1" lang="en-US" altLang="ja-JP" dirty="0"/>
+          </a:p>
+          <a:p>
+            <a:r>
+              <a:rPr kumimoji="1" lang="ja-JP" altLang="en-US" dirty="0"/>
+              <a:t>これにより，</a:t>
+            </a:r>
+            <a:r>
+              <a:rPr kumimoji="1" lang="en-US" altLang="ja-JP" dirty="0"/>
+              <a:t>3</a:t>
+            </a:r>
+            <a:r>
+              <a:rPr kumimoji="1" lang="ja-JP" altLang="en-US" dirty="0"/>
+              <a:t>人で協力し合わないと，脱出不可能となっています．</a:t>
+            </a:r>
+            <a:endParaRPr kumimoji="1" lang="en-US" altLang="ja-JP" dirty="0"/>
+          </a:p>
+          <a:p>
+            <a:r>
+              <a:rPr kumimoji="1" lang="en-US" altLang="ja-JP" dirty="0"/>
+              <a:t>2</a:t>
+            </a:r>
+            <a:r>
+              <a:rPr kumimoji="1" lang="ja-JP" altLang="en-US" dirty="0"/>
+              <a:t>つ目は，</a:t>
+            </a:r>
+            <a:r>
+              <a:rPr lang="ja-JP" altLang="en-US" sz="1300" dirty="0"/>
+              <a:t>使用可能な</a:t>
+            </a:r>
+            <a:r>
+              <a:rPr lang="en-US" altLang="ja-JP" sz="1300" dirty="0"/>
+              <a:t>3</a:t>
+            </a:r>
+            <a:r>
+              <a:rPr lang="ja-JP" altLang="en-US" sz="1300" dirty="0"/>
+              <a:t>つのツールによって，脱出をサポートする点です．</a:t>
+            </a:r>
+            <a:endParaRPr lang="en-US" altLang="ja-JP" sz="1300" dirty="0"/>
+          </a:p>
+          <a:p>
+            <a:r>
+              <a:rPr kumimoji="1" lang="ja-JP" altLang="en-US" u="none" dirty="0"/>
+              <a:t>プレイヤーは，この</a:t>
+            </a:r>
+            <a:r>
+              <a:rPr kumimoji="1" lang="en-US" altLang="ja-JP" u="none" dirty="0"/>
+              <a:t>3</a:t>
+            </a:r>
+            <a:r>
+              <a:rPr kumimoji="1" lang="ja-JP" altLang="en-US" u="none" dirty="0"/>
+              <a:t>つのツールを使って脱出を試みます．</a:t>
+            </a:r>
+            <a:endParaRPr kumimoji="1" lang="en-US" altLang="ja-JP" u="none" dirty="0"/>
+          </a:p>
+          <a:p>
+            <a:endParaRPr kumimoji="1" lang="en-US" altLang="ja-JP" dirty="0"/>
+          </a:p>
+        </p:txBody>
+      </p:sp>
+      <p:sp>
+        <p:nvSpPr>
+          <p:cNvPr id="4" name="スライド番号プレースホルダー 3"/>
+          <p:cNvSpPr>
+            <a:spLocks noGrp="1"/>
+          </p:cNvSpPr>
+          <p:nvPr>
+            <p:ph type="sldNum" sz="quarter" idx="5"/>
+          </p:nvPr>
+        </p:nvSpPr>
+        <p:spPr/>
+        <p:txBody>
+          <a:bodyPr/>
+          <a:lstStyle/>
+          <a:p>
+            <a:pPr defTabSz="990752"/>
+            <a:fld id="{600FFE6D-0A03-46CA-A7E8-EA02F5C957CA}" type="slidenum">
+              <a:rPr kumimoji="1" lang="ja-JP" altLang="en-US">
+                <a:solidFill>
+                  <a:prstClr val="black"/>
+                </a:solidFill>
+                <a:latin typeface="游ゴシック" panose="020F0502020204030204"/>
+                <a:ea typeface="游ゴシック" panose="020B0400000000000000" pitchFamily="50" charset="-128"/>
+              </a:rPr>
+              <a:pPr defTabSz="990752"/>
+              <a:t>3</a:t>
+            </a:fld>
+            <a:endParaRPr kumimoji="1" lang="ja-JP" altLang="en-US">
+              <a:solidFill>
+                <a:prstClr val="black"/>
+              </a:solidFill>
+              <a:latin typeface="游ゴシック" panose="020F0502020204030204"/>
+              <a:ea typeface="游ゴシック" panose="020B0400000000000000" pitchFamily="50" charset="-128"/>
+            </a:endParaRPr>
+          </a:p>
+        </p:txBody>
+      </p:sp>
+    </p:spTree>
+    <p:extLst>
+      <p:ext uri="{BB962C8B-B14F-4D97-AF65-F5344CB8AC3E}">
+        <p14:creationId xmlns:p14="http://schemas.microsoft.com/office/powerpoint/2010/main" val="1041777633"/>
+      </p:ext>
+    </p:extLst>
+  </p:cSld>
+  <p:clrMapOvr>
+    <a:masterClrMapping/>
+  </p:clrMapOvr>
+</p:notes>
 </file>
 
 <file path=ppt/slideLayouts/slideLayout1.xml><?xml version="1.0" encoding="utf-8"?>
@@ -23399,8 +23667,8 @@
         </p:nvSpPr>
         <p:spPr>
           <a:xfrm>
-            <a:off x="6305050" y="170546"/>
-            <a:ext cx="4814299" cy="707886"/>
+            <a:off x="5571068" y="157846"/>
+            <a:ext cx="5548282" cy="707886"/>
           </a:xfrm>
           <a:prstGeom prst="rect">
             <a:avLst/>
@@ -23413,17 +23681,52 @@
           </a:bodyPr>
           <a:lstStyle/>
           <a:p>
-            <a:pPr algn="r"/>
+            <a:pPr marL="0" marR="0" lvl="0" indent="0" algn="r" defTabSz="914400" rtl="0" eaLnBrk="1" fontAlgn="auto" latinLnBrk="0" hangingPunct="1">
+              <a:lnSpc>
+                <a:spcPct val="100000"/>
+              </a:lnSpc>
+              <a:spcBef>
+                <a:spcPts val="0"/>
+              </a:spcBef>
+              <a:spcAft>
+                <a:spcPts val="0"/>
+              </a:spcAft>
+              <a:buClrTx/>
+              <a:buSzTx/>
+              <a:buFontTx/>
+              <a:buNone/>
+              <a:tabLst/>
+              <a:defRPr/>
+            </a:pPr>
             <a:r>
-              <a:rPr lang="ja-JP" altLang="en-US" sz="4000" b="1">
+              <a:rPr kumimoji="0" lang="ja-JP" altLang="en-US" sz="4000" b="1" i="0" u="none" strike="noStrike" kern="1200" cap="none" spc="0" normalizeH="0" baseline="0" noProof="0" dirty="0">
+                <a:ln>
+                  <a:noFill/>
+                </a:ln>
                 <a:solidFill>
                   <a:srgbClr val="ED245C"/>
                 </a:solidFill>
-                <a:latin typeface="MS Gothic"/>
-                <a:ea typeface="MS Gothic"/>
+                <a:effectLst/>
+                <a:uLnTx/>
+                <a:uFillTx/>
+                <a:latin typeface="ＭＳ ゴシック" panose="020B0609070205080204" pitchFamily="49" charset="-128"/>
+                <a:ea typeface="ＭＳ ゴシック" panose="020B0609070205080204" pitchFamily="49" charset="-128"/>
               </a:rPr>
-              <a:t>操作方法</a:t>
+              <a:t>ルールとゲームの流れ</a:t>
             </a:r>
+            <a:endParaRPr kumimoji="0" lang="en-US" sz="4000" b="1" i="0" u="none" strike="noStrike" kern="1200" cap="none" spc="0" normalizeH="0" baseline="0" noProof="0" dirty="0">
+              <a:ln>
+                <a:noFill/>
+              </a:ln>
+              <a:solidFill>
+                <a:srgbClr val="ED245C"/>
+              </a:solidFill>
+              <a:effectLst/>
+              <a:uLnTx/>
+              <a:uFillTx/>
+              <a:latin typeface="ＭＳ ゴシック" panose="020B0609070205080204" pitchFamily="49" charset="-128"/>
+              <a:ea typeface="ＭＳ ゴシック" panose="020B0609070205080204" pitchFamily="49" charset="-128"/>
+            </a:endParaRPr>
           </a:p>
         </p:txBody>
       </p:sp>
@@ -23576,7 +23879,36 @@
             </a:bodyPr>
             <a:lstStyle/>
             <a:p>
-              <a:endParaRPr lang="en-US"/>
+              <a:pPr marL="0" marR="0" lvl="0" indent="0" algn="l" defTabSz="914400" rtl="0" eaLnBrk="1" fontAlgn="auto" latinLnBrk="0" hangingPunct="1">
+                <a:lnSpc>
+                  <a:spcPct val="100000"/>
+                </a:lnSpc>
+                <a:spcBef>
+                  <a:spcPts val="0"/>
+                </a:spcBef>
+                <a:spcAft>
+                  <a:spcPts val="0"/>
+                </a:spcAft>
+                <a:buClrTx/>
+                <a:buSzTx/>
+                <a:buFontTx/>
+                <a:buNone/>
+                <a:tabLst/>
+                <a:defRPr/>
+              </a:pPr>
+              <a:endParaRPr kumimoji="0" lang="en-US" sz="1800" b="0" i="0" u="none" strike="noStrike" kern="1200" cap="none" spc="0" normalizeH="0" baseline="0" noProof="0">
+                <a:ln>
+                  <a:noFill/>
+                </a:ln>
+                <a:solidFill>
+                  <a:prstClr val="black"/>
+                </a:solidFill>
+                <a:effectLst/>
+                <a:uLnTx/>
+                <a:uFillTx/>
+                <a:latin typeface="ＭＳ ゴシック" panose="020B0609070205080204" pitchFamily="49" charset="-128"/>
+                <a:ea typeface="ＭＳ ゴシック" panose="020B0609070205080204" pitchFamily="49" charset="-128"/>
+              </a:endParaRPr>
             </a:p>
           </p:txBody>
         </p:sp>
@@ -24021,7 +24353,36 @@
             </a:bodyPr>
             <a:lstStyle/>
             <a:p>
-              <a:endParaRPr lang="en-US"/>
+              <a:pPr marL="0" marR="0" lvl="0" indent="0" algn="l" defTabSz="914400" rtl="0" eaLnBrk="1" fontAlgn="auto" latinLnBrk="0" hangingPunct="1">
+                <a:lnSpc>
+                  <a:spcPct val="100000"/>
+                </a:lnSpc>
+                <a:spcBef>
+                  <a:spcPts val="0"/>
+                </a:spcBef>
+                <a:spcAft>
+                  <a:spcPts val="0"/>
+                </a:spcAft>
+                <a:buClrTx/>
+                <a:buSzTx/>
+                <a:buFontTx/>
+                <a:buNone/>
+                <a:tabLst/>
+                <a:defRPr/>
+              </a:pPr>
+              <a:endParaRPr kumimoji="0" lang="en-US" sz="1800" b="0" i="0" u="none" strike="noStrike" kern="1200" cap="none" spc="0" normalizeH="0" baseline="0" noProof="0">
+                <a:ln>
+                  <a:noFill/>
+                </a:ln>
+                <a:solidFill>
+                  <a:prstClr val="black"/>
+                </a:solidFill>
+                <a:effectLst/>
+                <a:uLnTx/>
+                <a:uFillTx/>
+                <a:latin typeface="ＭＳ ゴシック" panose="020B0609070205080204" pitchFamily="49" charset="-128"/>
+                <a:ea typeface="ＭＳ ゴシック" panose="020B0609070205080204" pitchFamily="49" charset="-128"/>
+              </a:endParaRPr>
             </a:p>
           </p:txBody>
         </p:sp>
@@ -24072,7 +24433,36 @@
             </a:bodyPr>
             <a:lstStyle/>
             <a:p>
-              <a:endParaRPr lang="en-US"/>
+              <a:pPr marL="0" marR="0" lvl="0" indent="0" algn="l" defTabSz="914400" rtl="0" eaLnBrk="1" fontAlgn="auto" latinLnBrk="0" hangingPunct="1">
+                <a:lnSpc>
+                  <a:spcPct val="100000"/>
+                </a:lnSpc>
+                <a:spcBef>
+                  <a:spcPts val="0"/>
+                </a:spcBef>
+                <a:spcAft>
+                  <a:spcPts val="0"/>
+                </a:spcAft>
+                <a:buClrTx/>
+                <a:buSzTx/>
+                <a:buFontTx/>
+                <a:buNone/>
+                <a:tabLst/>
+                <a:defRPr/>
+              </a:pPr>
+              <a:endParaRPr kumimoji="0" lang="en-US" sz="1800" b="0" i="0" u="none" strike="noStrike" kern="1200" cap="none" spc="0" normalizeH="0" baseline="0" noProof="0">
+                <a:ln>
+                  <a:noFill/>
+                </a:ln>
+                <a:solidFill>
+                  <a:prstClr val="black"/>
+                </a:solidFill>
+                <a:effectLst/>
+                <a:uLnTx/>
+                <a:uFillTx/>
+                <a:latin typeface="ＭＳ ゴシック" panose="020B0609070205080204" pitchFamily="49" charset="-128"/>
+                <a:ea typeface="ＭＳ ゴシック" panose="020B0609070205080204" pitchFamily="49" charset="-128"/>
+              </a:endParaRPr>
             </a:p>
           </p:txBody>
         </p:sp>
@@ -24123,2498 +24513,36 @@
             </a:bodyPr>
             <a:lstStyle/>
             <a:p>
-              <a:endParaRPr lang="en-US"/>
-            </a:p>
-          </p:txBody>
-        </p:sp>
-      </p:grpSp>
-      <p:grpSp>
-        <p:nvGrpSpPr>
-          <p:cNvPr id="32" name="Group 31">
-            <a:extLst>
-              <a:ext uri="{FF2B5EF4-FFF2-40B4-BE49-F238E27FC236}">
-                <a16:creationId xmlns:a16="http://schemas.microsoft.com/office/drawing/2014/main" id="{730D9532-B6C9-4F23-90E7-EBB9BCE3517B}"/>
-              </a:ext>
-            </a:extLst>
-          </p:cNvPr>
-          <p:cNvGrpSpPr/>
-          <p:nvPr/>
-        </p:nvGrpSpPr>
-        <p:grpSpPr>
-          <a:xfrm>
-            <a:off x="9108641" y="1994818"/>
-            <a:ext cx="378427" cy="648637"/>
-            <a:chOff x="3065463" y="3736975"/>
-            <a:chExt cx="1820863" cy="3121025"/>
-          </a:xfrm>
-          <a:solidFill>
-            <a:schemeClr val="bg1"/>
-          </a:solidFill>
-        </p:grpSpPr>
-        <p:sp>
-          <p:nvSpPr>
-            <p:cNvPr id="23" name="Rectangle 19">
-              <a:extLst>
-                <a:ext uri="{FF2B5EF4-FFF2-40B4-BE49-F238E27FC236}">
-                  <a16:creationId xmlns:a16="http://schemas.microsoft.com/office/drawing/2014/main" id="{68FA955D-6386-4516-89B4-AF043D65454A}"/>
-                </a:ext>
-              </a:extLst>
-            </p:cNvPr>
-            <p:cNvSpPr>
-              <a:spLocks noChangeArrowheads="1"/>
-            </p:cNvSpPr>
-            <p:nvPr/>
-          </p:nvSpPr>
-          <p:spPr bwMode="auto">
-            <a:xfrm>
-              <a:off x="3357563" y="4826000"/>
-              <a:ext cx="1238250" cy="144463"/>
-            </a:xfrm>
-            <a:prstGeom prst="rect">
-              <a:avLst/>
-            </a:prstGeom>
-            <a:grpFill/>
-            <a:ln>
-              <a:noFill/>
-            </a:ln>
-            <a:extLst>
-              <a:ext uri="{91240B29-F687-4F45-9708-019B960494DF}">
-                <a14:hiddenLine xmlns:a14="http://schemas.microsoft.com/office/drawing/2010/main" w="9525">
-                  <a:solidFill>
-                    <a:srgbClr val="000000"/>
-                  </a:solidFill>
-                  <a:miter lim="800000"/>
-                  <a:headEnd/>
-                  <a:tailEnd/>
-                </a14:hiddenLine>
-              </a:ext>
-            </a:extLst>
-          </p:spPr>
-          <p:txBody>
-            <a:bodyPr vert="horz" wrap="square" lIns="91440" tIns="45720" rIns="91440" bIns="45720" numCol="1" anchor="t" anchorCtr="0" compatLnSpc="1">
-              <a:prstTxWarp prst="textNoShape">
-                <a:avLst/>
-              </a:prstTxWarp>
-            </a:bodyPr>
-            <a:lstStyle/>
-            <a:p>
-              <a:endParaRPr lang="en-US"/>
-            </a:p>
-          </p:txBody>
-        </p:sp>
-        <p:sp>
-          <p:nvSpPr>
-            <p:cNvPr id="24" name="Rectangle 20">
-              <a:extLst>
-                <a:ext uri="{FF2B5EF4-FFF2-40B4-BE49-F238E27FC236}">
-                  <a16:creationId xmlns:a16="http://schemas.microsoft.com/office/drawing/2014/main" id="{D54EAE6C-4780-44D9-8EF0-7C033E8B553F}"/>
-                </a:ext>
-              </a:extLst>
-            </p:cNvPr>
-            <p:cNvSpPr>
-              <a:spLocks noChangeArrowheads="1"/>
-            </p:cNvSpPr>
-            <p:nvPr/>
-          </p:nvSpPr>
-          <p:spPr bwMode="auto">
-            <a:xfrm>
-              <a:off x="3648075" y="4535488"/>
-              <a:ext cx="947738" cy="146050"/>
-            </a:xfrm>
-            <a:prstGeom prst="rect">
-              <a:avLst/>
-            </a:prstGeom>
-            <a:grpFill/>
-            <a:ln>
-              <a:noFill/>
-            </a:ln>
-            <a:extLst>
-              <a:ext uri="{91240B29-F687-4F45-9708-019B960494DF}">
-                <a14:hiddenLine xmlns:a14="http://schemas.microsoft.com/office/drawing/2010/main" w="9525">
-                  <a:solidFill>
-                    <a:srgbClr val="000000"/>
-                  </a:solidFill>
-                  <a:miter lim="800000"/>
-                  <a:headEnd/>
-                  <a:tailEnd/>
-                </a14:hiddenLine>
-              </a:ext>
-            </a:extLst>
-          </p:spPr>
-          <p:txBody>
-            <a:bodyPr vert="horz" wrap="square" lIns="91440" tIns="45720" rIns="91440" bIns="45720" numCol="1" anchor="t" anchorCtr="0" compatLnSpc="1">
-              <a:prstTxWarp prst="textNoShape">
-                <a:avLst/>
-              </a:prstTxWarp>
-            </a:bodyPr>
-            <a:lstStyle/>
-            <a:p>
-              <a:endParaRPr lang="en-US"/>
-            </a:p>
-          </p:txBody>
-        </p:sp>
-        <p:sp>
-          <p:nvSpPr>
-            <p:cNvPr id="25" name="Rectangle 21">
-              <a:extLst>
-                <a:ext uri="{FF2B5EF4-FFF2-40B4-BE49-F238E27FC236}">
-                  <a16:creationId xmlns:a16="http://schemas.microsoft.com/office/drawing/2014/main" id="{A265370A-84F7-48ED-AC5C-9B97E8D19D3E}"/>
-                </a:ext>
-              </a:extLst>
-            </p:cNvPr>
-            <p:cNvSpPr>
-              <a:spLocks noChangeArrowheads="1"/>
-            </p:cNvSpPr>
-            <p:nvPr/>
-          </p:nvSpPr>
-          <p:spPr bwMode="auto">
-            <a:xfrm>
-              <a:off x="3648075" y="4318000"/>
-              <a:ext cx="947738" cy="144463"/>
-            </a:xfrm>
-            <a:prstGeom prst="rect">
-              <a:avLst/>
-            </a:prstGeom>
-            <a:grpFill/>
-            <a:ln>
-              <a:noFill/>
-            </a:ln>
-            <a:extLst>
-              <a:ext uri="{91240B29-F687-4F45-9708-019B960494DF}">
-                <a14:hiddenLine xmlns:a14="http://schemas.microsoft.com/office/drawing/2010/main" w="9525">
-                  <a:solidFill>
-                    <a:srgbClr val="000000"/>
-                  </a:solidFill>
-                  <a:miter lim="800000"/>
-                  <a:headEnd/>
-                  <a:tailEnd/>
-                </a14:hiddenLine>
-              </a:ext>
-            </a:extLst>
-          </p:spPr>
-          <p:txBody>
-            <a:bodyPr vert="horz" wrap="square" lIns="91440" tIns="45720" rIns="91440" bIns="45720" numCol="1" anchor="t" anchorCtr="0" compatLnSpc="1">
-              <a:prstTxWarp prst="textNoShape">
-                <a:avLst/>
-              </a:prstTxWarp>
-            </a:bodyPr>
-            <a:lstStyle/>
-            <a:p>
-              <a:endParaRPr lang="en-US"/>
-            </a:p>
-          </p:txBody>
-        </p:sp>
-        <p:sp>
-          <p:nvSpPr>
-            <p:cNvPr id="26" name="Rectangle 22">
-              <a:extLst>
-                <a:ext uri="{FF2B5EF4-FFF2-40B4-BE49-F238E27FC236}">
-                  <a16:creationId xmlns:a16="http://schemas.microsoft.com/office/drawing/2014/main" id="{C8DEE9E5-CD8D-4284-B7F4-E9270DE4CBB2}"/>
-                </a:ext>
-              </a:extLst>
-            </p:cNvPr>
-            <p:cNvSpPr>
-              <a:spLocks noChangeArrowheads="1"/>
-            </p:cNvSpPr>
-            <p:nvPr/>
-          </p:nvSpPr>
-          <p:spPr bwMode="auto">
-            <a:xfrm>
-              <a:off x="3648075" y="4027488"/>
-              <a:ext cx="947738" cy="146050"/>
-            </a:xfrm>
-            <a:prstGeom prst="rect">
-              <a:avLst/>
-            </a:prstGeom>
-            <a:grpFill/>
-            <a:ln>
-              <a:noFill/>
-            </a:ln>
-            <a:extLst>
-              <a:ext uri="{91240B29-F687-4F45-9708-019B960494DF}">
-                <a14:hiddenLine xmlns:a14="http://schemas.microsoft.com/office/drawing/2010/main" w="9525">
-                  <a:solidFill>
-                    <a:srgbClr val="000000"/>
-                  </a:solidFill>
-                  <a:miter lim="800000"/>
-                  <a:headEnd/>
-                  <a:tailEnd/>
-                </a14:hiddenLine>
-              </a:ext>
-            </a:extLst>
-          </p:spPr>
-          <p:txBody>
-            <a:bodyPr vert="horz" wrap="square" lIns="91440" tIns="45720" rIns="91440" bIns="45720" numCol="1" anchor="t" anchorCtr="0" compatLnSpc="1">
-              <a:prstTxWarp prst="textNoShape">
-                <a:avLst/>
-              </a:prstTxWarp>
-            </a:bodyPr>
-            <a:lstStyle/>
-            <a:p>
-              <a:endParaRPr lang="en-US"/>
-            </a:p>
-          </p:txBody>
-        </p:sp>
-        <p:sp>
-          <p:nvSpPr>
-            <p:cNvPr id="27" name="Rectangle 23">
-              <a:extLst>
-                <a:ext uri="{FF2B5EF4-FFF2-40B4-BE49-F238E27FC236}">
-                  <a16:creationId xmlns:a16="http://schemas.microsoft.com/office/drawing/2014/main" id="{C2CEA0E1-C78F-4CD0-8315-A69384BCB44F}"/>
-                </a:ext>
-              </a:extLst>
-            </p:cNvPr>
-            <p:cNvSpPr>
-              <a:spLocks noChangeArrowheads="1"/>
-            </p:cNvSpPr>
-            <p:nvPr/>
-          </p:nvSpPr>
-          <p:spPr bwMode="auto">
-            <a:xfrm>
-              <a:off x="3357563" y="3736975"/>
-              <a:ext cx="655638" cy="146050"/>
-            </a:xfrm>
-            <a:prstGeom prst="rect">
-              <a:avLst/>
-            </a:prstGeom>
-            <a:grpFill/>
-            <a:ln>
-              <a:noFill/>
-            </a:ln>
-            <a:extLst>
-              <a:ext uri="{91240B29-F687-4F45-9708-019B960494DF}">
-                <a14:hiddenLine xmlns:a14="http://schemas.microsoft.com/office/drawing/2010/main" w="9525">
-                  <a:solidFill>
-                    <a:srgbClr val="000000"/>
-                  </a:solidFill>
-                  <a:miter lim="800000"/>
-                  <a:headEnd/>
-                  <a:tailEnd/>
-                </a14:hiddenLine>
-              </a:ext>
-            </a:extLst>
-          </p:spPr>
-          <p:txBody>
-            <a:bodyPr vert="horz" wrap="square" lIns="91440" tIns="45720" rIns="91440" bIns="45720" numCol="1" anchor="t" anchorCtr="0" compatLnSpc="1">
-              <a:prstTxWarp prst="textNoShape">
-                <a:avLst/>
-              </a:prstTxWarp>
-            </a:bodyPr>
-            <a:lstStyle/>
-            <a:p>
-              <a:endParaRPr lang="en-US"/>
-            </a:p>
-          </p:txBody>
-        </p:sp>
-        <p:sp>
-          <p:nvSpPr>
-            <p:cNvPr id="29" name="Freeform 25">
-              <a:extLst>
-                <a:ext uri="{FF2B5EF4-FFF2-40B4-BE49-F238E27FC236}">
-                  <a16:creationId xmlns:a16="http://schemas.microsoft.com/office/drawing/2014/main" id="{53C44BA9-CF2E-4389-A272-8E5DD62B3F4B}"/>
-                </a:ext>
-              </a:extLst>
-            </p:cNvPr>
-            <p:cNvSpPr>
-              <a:spLocks noEditPoints="1"/>
-            </p:cNvSpPr>
-            <p:nvPr/>
-          </p:nvSpPr>
-          <p:spPr bwMode="auto">
-            <a:xfrm>
-              <a:off x="3065463" y="6276975"/>
-              <a:ext cx="1820863" cy="581025"/>
-            </a:xfrm>
-            <a:custGeom>
-              <a:avLst/>
-              <a:gdLst>
-                <a:gd name="T0" fmla="*/ 0 w 1147"/>
-                <a:gd name="T1" fmla="*/ 366 h 366"/>
-                <a:gd name="T2" fmla="*/ 1147 w 1147"/>
-                <a:gd name="T3" fmla="*/ 366 h 366"/>
-                <a:gd name="T4" fmla="*/ 1147 w 1147"/>
-                <a:gd name="T5" fmla="*/ 0 h 366"/>
-                <a:gd name="T6" fmla="*/ 0 w 1147"/>
-                <a:gd name="T7" fmla="*/ 0 h 366"/>
-                <a:gd name="T8" fmla="*/ 0 w 1147"/>
-                <a:gd name="T9" fmla="*/ 366 h 366"/>
-                <a:gd name="T10" fmla="*/ 92 w 1147"/>
-                <a:gd name="T11" fmla="*/ 92 h 366"/>
-                <a:gd name="T12" fmla="*/ 1056 w 1147"/>
-                <a:gd name="T13" fmla="*/ 92 h 366"/>
-                <a:gd name="T14" fmla="*/ 1056 w 1147"/>
-                <a:gd name="T15" fmla="*/ 275 h 366"/>
-                <a:gd name="T16" fmla="*/ 92 w 1147"/>
-                <a:gd name="T17" fmla="*/ 275 h 366"/>
-                <a:gd name="T18" fmla="*/ 92 w 1147"/>
-                <a:gd name="T19" fmla="*/ 92 h 366"/>
-              </a:gdLst>
-              <a:ahLst/>
-              <a:cxnLst>
-                <a:cxn ang="0">
-                  <a:pos x="T0" y="T1"/>
-                </a:cxn>
-                <a:cxn ang="0">
-                  <a:pos x="T2" y="T3"/>
-                </a:cxn>
-                <a:cxn ang="0">
-                  <a:pos x="T4" y="T5"/>
-                </a:cxn>
-                <a:cxn ang="0">
-                  <a:pos x="T6" y="T7"/>
-                </a:cxn>
-                <a:cxn ang="0">
-                  <a:pos x="T8" y="T9"/>
-                </a:cxn>
-                <a:cxn ang="0">
-                  <a:pos x="T10" y="T11"/>
-                </a:cxn>
-                <a:cxn ang="0">
-                  <a:pos x="T12" y="T13"/>
-                </a:cxn>
-                <a:cxn ang="0">
-                  <a:pos x="T14" y="T15"/>
-                </a:cxn>
-                <a:cxn ang="0">
-                  <a:pos x="T16" y="T17"/>
-                </a:cxn>
-                <a:cxn ang="0">
-                  <a:pos x="T18" y="T19"/>
-                </a:cxn>
-              </a:cxnLst>
-              <a:rect l="0" t="0" r="r" b="b"/>
-              <a:pathLst>
-                <a:path w="1147" h="366">
-                  <a:moveTo>
-                    <a:pt x="0" y="366"/>
-                  </a:moveTo>
-                  <a:lnTo>
-                    <a:pt x="1147" y="366"/>
-                  </a:lnTo>
-                  <a:lnTo>
-                    <a:pt x="1147" y="0"/>
-                  </a:lnTo>
-                  <a:lnTo>
-                    <a:pt x="0" y="0"/>
-                  </a:lnTo>
-                  <a:lnTo>
-                    <a:pt x="0" y="366"/>
-                  </a:lnTo>
-                  <a:close/>
-                  <a:moveTo>
-                    <a:pt x="92" y="92"/>
-                  </a:moveTo>
-                  <a:lnTo>
-                    <a:pt x="1056" y="92"/>
-                  </a:lnTo>
-                  <a:lnTo>
-                    <a:pt x="1056" y="275"/>
-                  </a:lnTo>
-                  <a:lnTo>
-                    <a:pt x="92" y="275"/>
-                  </a:lnTo>
-                  <a:lnTo>
-                    <a:pt x="92" y="92"/>
-                  </a:lnTo>
-                  <a:close/>
-                </a:path>
-              </a:pathLst>
-            </a:custGeom>
-            <a:grpFill/>
-            <a:ln>
-              <a:noFill/>
-            </a:ln>
-            <a:extLst>
-              <a:ext uri="{91240B29-F687-4F45-9708-019B960494DF}">
-                <a14:hiddenLine xmlns:a14="http://schemas.microsoft.com/office/drawing/2010/main" w="9525">
-                  <a:solidFill>
-                    <a:srgbClr val="000000"/>
-                  </a:solidFill>
-                  <a:round/>
-                  <a:headEnd/>
-                  <a:tailEnd/>
-                </a14:hiddenLine>
-              </a:ext>
-            </a:extLst>
-          </p:spPr>
-          <p:txBody>
-            <a:bodyPr vert="horz" wrap="square" lIns="91440" tIns="45720" rIns="91440" bIns="45720" numCol="1" anchor="t" anchorCtr="0" compatLnSpc="1">
-              <a:prstTxWarp prst="textNoShape">
-                <a:avLst/>
-              </a:prstTxWarp>
-            </a:bodyPr>
-            <a:lstStyle/>
-            <a:p>
-              <a:endParaRPr lang="en-US"/>
-            </a:p>
-          </p:txBody>
-        </p:sp>
-      </p:grpSp>
-      <p:sp>
-        <p:nvSpPr>
-          <p:cNvPr id="2" name="スライド番号プレースホルダー 1">
-            <a:extLst>
-              <a:ext uri="{FF2B5EF4-FFF2-40B4-BE49-F238E27FC236}">
-                <a16:creationId xmlns:a16="http://schemas.microsoft.com/office/drawing/2014/main" id="{005D2412-8FF1-4D31-80E0-EF3F141A854D}"/>
-              </a:ext>
-            </a:extLst>
-          </p:cNvPr>
-          <p:cNvSpPr>
-            <a:spLocks noGrp="1"/>
-          </p:cNvSpPr>
-          <p:nvPr>
-            <p:ph type="sldNum" sz="quarter" idx="12"/>
-          </p:nvPr>
-        </p:nvSpPr>
-        <p:spPr/>
-        <p:txBody>
-          <a:bodyPr/>
-          <a:lstStyle/>
-          <a:p>
-            <a:fld id="{A4CA1C59-5788-4CA8-919D-639ED9581D45}" type="slidenum">
-              <a:rPr lang="en-US" smtClean="0"/>
-              <a:t>3</a:t>
-            </a:fld>
-            <a:endParaRPr lang="en-US"/>
-          </a:p>
-        </p:txBody>
-      </p:sp>
-      <p:pic>
-        <p:nvPicPr>
-          <p:cNvPr id="4" name="図 4" descr="ブラック が含まれている画像&#10;&#10;非常に高い精度で生成された説明">
-            <a:extLst>
-              <a:ext uri="{FF2B5EF4-FFF2-40B4-BE49-F238E27FC236}">
-                <a16:creationId xmlns:a16="http://schemas.microsoft.com/office/drawing/2014/main" id="{5979A7E7-CFC9-47C8-8F94-72171FE733B4}"/>
-              </a:ext>
-            </a:extLst>
-          </p:cNvPr>
-          <p:cNvPicPr>
-            <a:picLocks noChangeAspect="1"/>
-          </p:cNvPicPr>
-          <p:nvPr/>
-        </p:nvPicPr>
-        <p:blipFill>
-          <a:blip r:embed="rId2"/>
-          <a:stretch>
-            <a:fillRect/>
-          </a:stretch>
-        </p:blipFill>
-        <p:spPr>
-          <a:xfrm>
-            <a:off x="931333" y="1172926"/>
-            <a:ext cx="10507132" cy="4740748"/>
-          </a:xfrm>
-          <a:prstGeom prst="rect">
-            <a:avLst/>
-          </a:prstGeom>
-        </p:spPr>
-      </p:pic>
-    </p:spTree>
-    <p:extLst>
-      <p:ext uri="{BB962C8B-B14F-4D97-AF65-F5344CB8AC3E}">
-        <p14:creationId xmlns:p14="http://schemas.microsoft.com/office/powerpoint/2010/main" val="3647709395"/>
-      </p:ext>
-    </p:extLst>
-  </p:cSld>
-  <p:clrMapOvr>
-    <a:masterClrMapping/>
-  </p:clrMapOvr>
-</p:sld>
-</file>
-
-<file path=ppt/slides/slide4.xml><?xml version="1.0" encoding="utf-8"?>
-<p:sld xmlns:a="http://schemas.openxmlformats.org/drawingml/2006/main" xmlns:r="http://schemas.openxmlformats.org/officeDocument/2006/relationships" xmlns:p="http://schemas.openxmlformats.org/presentationml/2006/main">
-  <p:cSld>
-    <p:spTree>
-      <p:nvGrpSpPr>
-        <p:cNvPr id="1" name=""/>
-        <p:cNvGrpSpPr/>
-        <p:nvPr/>
-      </p:nvGrpSpPr>
-      <p:grpSpPr>
-        <a:xfrm>
-          <a:off x="0" y="0"/>
-          <a:ext cx="0" cy="0"/>
-          <a:chOff x="0" y="0"/>
-          <a:chExt cx="0" cy="0"/>
-        </a:xfrm>
-      </p:grpSpPr>
-      <p:pic>
-        <p:nvPicPr>
-          <p:cNvPr id="2" name="図 2">
-            <a:extLst>
-              <a:ext uri="{FF2B5EF4-FFF2-40B4-BE49-F238E27FC236}">
-                <a16:creationId xmlns:a16="http://schemas.microsoft.com/office/drawing/2014/main" id="{627A15AF-46D0-4A9A-A6AE-35E8E1FC8114}"/>
-              </a:ext>
-            </a:extLst>
-          </p:cNvPr>
-          <p:cNvPicPr>
-            <a:picLocks noChangeAspect="1"/>
-          </p:cNvPicPr>
-          <p:nvPr/>
-        </p:nvPicPr>
-        <p:blipFill>
-          <a:blip r:embed="rId2"/>
-          <a:stretch>
-            <a:fillRect/>
-          </a:stretch>
-        </p:blipFill>
-        <p:spPr>
-          <a:xfrm>
-            <a:off x="1134533" y="668866"/>
-            <a:ext cx="4309534" cy="4334933"/>
-          </a:xfrm>
-          <a:prstGeom prst="rect">
-            <a:avLst/>
-          </a:prstGeom>
-        </p:spPr>
-      </p:pic>
-      <p:sp>
-        <p:nvSpPr>
-          <p:cNvPr id="6" name="Freeform 5">
-            <a:extLst>
-              <a:ext uri="{FF2B5EF4-FFF2-40B4-BE49-F238E27FC236}">
-                <a16:creationId xmlns:a16="http://schemas.microsoft.com/office/drawing/2014/main" id="{F2C5667B-CF2F-4E1C-A6FA-A43B0BA7491E}"/>
-              </a:ext>
-            </a:extLst>
-          </p:cNvPr>
-          <p:cNvSpPr>
-            <a:spLocks noEditPoints="1"/>
-          </p:cNvSpPr>
-          <p:nvPr/>
-        </p:nvSpPr>
-        <p:spPr bwMode="auto">
-          <a:xfrm>
-            <a:off x="848617" y="767166"/>
-            <a:ext cx="5055006" cy="5034745"/>
-          </a:xfrm>
-          <a:custGeom>
-            <a:avLst/>
-            <a:gdLst>
-              <a:gd name="T0" fmla="*/ 1020 w 2040"/>
-              <a:gd name="T1" fmla="*/ 2040 h 2040"/>
-              <a:gd name="T2" fmla="*/ 0 w 2040"/>
-              <a:gd name="T3" fmla="*/ 1020 h 2040"/>
-              <a:gd name="T4" fmla="*/ 1020 w 2040"/>
-              <a:gd name="T5" fmla="*/ 0 h 2040"/>
-              <a:gd name="T6" fmla="*/ 2040 w 2040"/>
-              <a:gd name="T7" fmla="*/ 1020 h 2040"/>
-              <a:gd name="T8" fmla="*/ 1020 w 2040"/>
-              <a:gd name="T9" fmla="*/ 2040 h 2040"/>
-              <a:gd name="T10" fmla="*/ 1020 w 2040"/>
-              <a:gd name="T11" fmla="*/ 40 h 2040"/>
-              <a:gd name="T12" fmla="*/ 40 w 2040"/>
-              <a:gd name="T13" fmla="*/ 1020 h 2040"/>
-              <a:gd name="T14" fmla="*/ 1020 w 2040"/>
-              <a:gd name="T15" fmla="*/ 2000 h 2040"/>
-              <a:gd name="T16" fmla="*/ 2000 w 2040"/>
-              <a:gd name="T17" fmla="*/ 1020 h 2040"/>
-              <a:gd name="T18" fmla="*/ 1020 w 2040"/>
-              <a:gd name="T19" fmla="*/ 40 h 2040"/>
-            </a:gdLst>
-            <a:ahLst/>
-            <a:cxnLst>
-              <a:cxn ang="0">
-                <a:pos x="T0" y="T1"/>
-              </a:cxn>
-              <a:cxn ang="0">
-                <a:pos x="T2" y="T3"/>
-              </a:cxn>
-              <a:cxn ang="0">
-                <a:pos x="T4" y="T5"/>
-              </a:cxn>
-              <a:cxn ang="0">
-                <a:pos x="T6" y="T7"/>
-              </a:cxn>
-              <a:cxn ang="0">
-                <a:pos x="T8" y="T9"/>
-              </a:cxn>
-              <a:cxn ang="0">
-                <a:pos x="T10" y="T11"/>
-              </a:cxn>
-              <a:cxn ang="0">
-                <a:pos x="T12" y="T13"/>
-              </a:cxn>
-              <a:cxn ang="0">
-                <a:pos x="T14" y="T15"/>
-              </a:cxn>
-              <a:cxn ang="0">
-                <a:pos x="T16" y="T17"/>
-              </a:cxn>
-              <a:cxn ang="0">
-                <a:pos x="T18" y="T19"/>
-              </a:cxn>
-            </a:cxnLst>
-            <a:rect l="0" t="0" r="r" b="b"/>
-            <a:pathLst>
-              <a:path w="2040" h="2040">
-                <a:moveTo>
-                  <a:pt x="1020" y="2040"/>
-                </a:moveTo>
-                <a:cubicBezTo>
-                  <a:pt x="456" y="2040"/>
-                  <a:pt x="0" y="1584"/>
-                  <a:pt x="0" y="1020"/>
-                </a:cubicBezTo>
-                <a:cubicBezTo>
-                  <a:pt x="0" y="457"/>
-                  <a:pt x="456" y="0"/>
-                  <a:pt x="1020" y="0"/>
-                </a:cubicBezTo>
-                <a:cubicBezTo>
-                  <a:pt x="1584" y="0"/>
-                  <a:pt x="2040" y="456"/>
-                  <a:pt x="2040" y="1020"/>
-                </a:cubicBezTo>
-                <a:cubicBezTo>
-                  <a:pt x="2040" y="1584"/>
-                  <a:pt x="1584" y="2040"/>
-                  <a:pt x="1020" y="2040"/>
-                </a:cubicBezTo>
-                <a:close/>
-                <a:moveTo>
-                  <a:pt x="1020" y="40"/>
-                </a:moveTo>
-                <a:cubicBezTo>
-                  <a:pt x="480" y="40"/>
-                  <a:pt x="40" y="480"/>
-                  <a:pt x="40" y="1020"/>
-                </a:cubicBezTo>
-                <a:cubicBezTo>
-                  <a:pt x="40" y="1561"/>
-                  <a:pt x="480" y="2000"/>
-                  <a:pt x="1020" y="2000"/>
-                </a:cubicBezTo>
-                <a:cubicBezTo>
-                  <a:pt x="1561" y="2000"/>
-                  <a:pt x="2000" y="1561"/>
-                  <a:pt x="2000" y="1020"/>
-                </a:cubicBezTo>
-                <a:cubicBezTo>
-                  <a:pt x="2000" y="480"/>
-                  <a:pt x="1561" y="40"/>
-                  <a:pt x="1020" y="40"/>
-                </a:cubicBezTo>
-                <a:close/>
-              </a:path>
-            </a:pathLst>
-          </a:custGeom>
-          <a:gradFill>
-            <a:gsLst>
-              <a:gs pos="65000">
-                <a:srgbClr val="ED245C"/>
-              </a:gs>
-              <a:gs pos="35000">
-                <a:srgbClr val="ED245C">
-                  <a:alpha val="0"/>
-                </a:srgbClr>
-              </a:gs>
-              <a:gs pos="96000">
-                <a:srgbClr val="ED245C"/>
-              </a:gs>
-              <a:gs pos="0">
-                <a:srgbClr val="ED245C">
-                  <a:alpha val="0"/>
-                </a:srgbClr>
-              </a:gs>
-            </a:gsLst>
-            <a:lin ang="20400000" scaled="0"/>
-          </a:gradFill>
-          <a:ln>
-            <a:noFill/>
-          </a:ln>
-        </p:spPr>
-        <p:txBody>
-          <a:bodyPr vert="horz" wrap="square" lIns="91440" tIns="45720" rIns="91440" bIns="45720" numCol="1" anchor="t" anchorCtr="0" compatLnSpc="1">
-            <a:prstTxWarp prst="textNoShape">
-              <a:avLst/>
-            </a:prstTxWarp>
-          </a:bodyPr>
-          <a:lstStyle/>
-          <a:p>
-            <a:endParaRPr lang="en-US" dirty="0"/>
-          </a:p>
-        </p:txBody>
-      </p:sp>
-      <p:sp>
-        <p:nvSpPr>
-          <p:cNvPr id="11" name="Oval 10">
-            <a:extLst>
-              <a:ext uri="{FF2B5EF4-FFF2-40B4-BE49-F238E27FC236}">
-                <a16:creationId xmlns:a16="http://schemas.microsoft.com/office/drawing/2014/main" id="{2493D8E8-A8E8-4756-8B3E-49DF9B146BD4}"/>
-              </a:ext>
-            </a:extLst>
-          </p:cNvPr>
-          <p:cNvSpPr/>
-          <p:nvPr/>
-        </p:nvSpPr>
-        <p:spPr>
-          <a:xfrm>
-            <a:off x="5334739" y="1841665"/>
-            <a:ext cx="275772" cy="275772"/>
-          </a:xfrm>
-          <a:prstGeom prst="ellipse">
-            <a:avLst/>
-          </a:prstGeom>
-          <a:solidFill>
-            <a:srgbClr val="ED245C"/>
-          </a:solidFill>
-          <a:ln>
-            <a:noFill/>
-          </a:ln>
-        </p:spPr>
-        <p:style>
-          <a:lnRef idx="2">
-            <a:schemeClr val="accent1">
-              <a:shade val="50000"/>
-            </a:schemeClr>
-          </a:lnRef>
-          <a:fillRef idx="1">
-            <a:schemeClr val="accent1"/>
-          </a:fillRef>
-          <a:effectRef idx="0">
-            <a:schemeClr val="accent1"/>
-          </a:effectRef>
-          <a:fontRef idx="minor">
-            <a:schemeClr val="lt1"/>
-          </a:fontRef>
-        </p:style>
-        <p:txBody>
-          <a:bodyPr rtlCol="0" anchor="ctr"/>
-          <a:lstStyle/>
-          <a:p>
-            <a:pPr algn="ctr"/>
-            <a:endParaRPr lang="en-US"/>
-          </a:p>
-        </p:txBody>
-      </p:sp>
-      <p:sp>
-        <p:nvSpPr>
-          <p:cNvPr id="12" name="Oval 11">
-            <a:extLst>
-              <a:ext uri="{FF2B5EF4-FFF2-40B4-BE49-F238E27FC236}">
-                <a16:creationId xmlns:a16="http://schemas.microsoft.com/office/drawing/2014/main" id="{5B2DC76E-061A-40F9-A748-50F7464FB4AE}"/>
-              </a:ext>
-            </a:extLst>
-          </p:cNvPr>
-          <p:cNvSpPr/>
-          <p:nvPr/>
-        </p:nvSpPr>
-        <p:spPr>
-          <a:xfrm>
-            <a:off x="5714993" y="3069823"/>
-            <a:ext cx="275772" cy="275772"/>
-          </a:xfrm>
-          <a:prstGeom prst="ellipse">
-            <a:avLst/>
-          </a:prstGeom>
-          <a:solidFill>
-            <a:srgbClr val="ED245C"/>
-          </a:solidFill>
-          <a:ln>
-            <a:noFill/>
-          </a:ln>
-        </p:spPr>
-        <p:style>
-          <a:lnRef idx="2">
-            <a:schemeClr val="accent1">
-              <a:shade val="50000"/>
-            </a:schemeClr>
-          </a:lnRef>
-          <a:fillRef idx="1">
-            <a:schemeClr val="accent1"/>
-          </a:fillRef>
-          <a:effectRef idx="0">
-            <a:schemeClr val="accent1"/>
-          </a:effectRef>
-          <a:fontRef idx="minor">
-            <a:schemeClr val="lt1"/>
-          </a:fontRef>
-        </p:style>
-        <p:txBody>
-          <a:bodyPr rtlCol="0" anchor="ctr"/>
-          <a:lstStyle/>
-          <a:p>
-            <a:pPr algn="ctr"/>
-            <a:endParaRPr lang="en-US"/>
-          </a:p>
-        </p:txBody>
-      </p:sp>
-      <p:sp>
-        <p:nvSpPr>
-          <p:cNvPr id="13" name="Oval 12">
-            <a:extLst>
-              <a:ext uri="{FF2B5EF4-FFF2-40B4-BE49-F238E27FC236}">
-                <a16:creationId xmlns:a16="http://schemas.microsoft.com/office/drawing/2014/main" id="{F8BEA3CB-4082-43AF-B340-29BC94E02091}"/>
-              </a:ext>
-            </a:extLst>
-          </p:cNvPr>
-          <p:cNvSpPr/>
-          <p:nvPr/>
-        </p:nvSpPr>
-        <p:spPr>
-          <a:xfrm>
-            <a:off x="5442855" y="4297981"/>
-            <a:ext cx="275772" cy="275772"/>
-          </a:xfrm>
-          <a:prstGeom prst="ellipse">
-            <a:avLst/>
-          </a:prstGeom>
-          <a:solidFill>
-            <a:srgbClr val="ED245C"/>
-          </a:solidFill>
-          <a:ln>
-            <a:noFill/>
-          </a:ln>
-        </p:spPr>
-        <p:style>
-          <a:lnRef idx="2">
-            <a:schemeClr val="accent1">
-              <a:shade val="50000"/>
-            </a:schemeClr>
-          </a:lnRef>
-          <a:fillRef idx="1">
-            <a:schemeClr val="accent1"/>
-          </a:fillRef>
-          <a:effectRef idx="0">
-            <a:schemeClr val="accent1"/>
-          </a:effectRef>
-          <a:fontRef idx="minor">
-            <a:schemeClr val="lt1"/>
-          </a:fontRef>
-        </p:style>
-        <p:txBody>
-          <a:bodyPr rtlCol="0" anchor="ctr"/>
-          <a:lstStyle/>
-          <a:p>
-            <a:pPr algn="ctr"/>
-            <a:endParaRPr lang="en-US"/>
-          </a:p>
-        </p:txBody>
-      </p:sp>
-      <p:sp>
-        <p:nvSpPr>
-          <p:cNvPr id="15" name="Oval 14">
-            <a:extLst>
-              <a:ext uri="{FF2B5EF4-FFF2-40B4-BE49-F238E27FC236}">
-                <a16:creationId xmlns:a16="http://schemas.microsoft.com/office/drawing/2014/main" id="{09907629-90EA-4E08-8C07-BD1184FB9A4D}"/>
-              </a:ext>
-            </a:extLst>
-          </p:cNvPr>
-          <p:cNvSpPr/>
-          <p:nvPr/>
-        </p:nvSpPr>
-        <p:spPr>
-          <a:xfrm>
-            <a:off x="3947829" y="5526139"/>
-            <a:ext cx="275772" cy="275772"/>
-          </a:xfrm>
-          <a:prstGeom prst="ellipse">
-            <a:avLst/>
-          </a:prstGeom>
-          <a:solidFill>
-            <a:srgbClr val="ED245C"/>
-          </a:solidFill>
-          <a:ln>
-            <a:noFill/>
-          </a:ln>
-        </p:spPr>
-        <p:style>
-          <a:lnRef idx="2">
-            <a:schemeClr val="accent1">
-              <a:shade val="50000"/>
-            </a:schemeClr>
-          </a:lnRef>
-          <a:fillRef idx="1">
-            <a:schemeClr val="accent1"/>
-          </a:fillRef>
-          <a:effectRef idx="0">
-            <a:schemeClr val="accent1"/>
-          </a:effectRef>
-          <a:fontRef idx="minor">
-            <a:schemeClr val="lt1"/>
-          </a:fontRef>
-        </p:style>
-        <p:txBody>
-          <a:bodyPr rtlCol="0" anchor="ctr"/>
-          <a:lstStyle/>
-          <a:p>
-            <a:pPr algn="ctr"/>
-            <a:endParaRPr lang="en-US"/>
-          </a:p>
-        </p:txBody>
-      </p:sp>
-      <p:sp>
-        <p:nvSpPr>
-          <p:cNvPr id="23" name="TextBox 22">
-            <a:extLst>
-              <a:ext uri="{FF2B5EF4-FFF2-40B4-BE49-F238E27FC236}">
-                <a16:creationId xmlns:a16="http://schemas.microsoft.com/office/drawing/2014/main" id="{010D8CB8-942C-4F48-AB7C-2D3C308CDC29}"/>
-              </a:ext>
-            </a:extLst>
-          </p:cNvPr>
-          <p:cNvSpPr txBox="1"/>
-          <p:nvPr/>
-        </p:nvSpPr>
-        <p:spPr>
-          <a:xfrm>
-            <a:off x="6093187" y="195946"/>
-            <a:ext cx="4814299" cy="707886"/>
-          </a:xfrm>
-          <a:prstGeom prst="rect">
-            <a:avLst/>
-          </a:prstGeom>
-          <a:noFill/>
-        </p:spPr>
-        <p:txBody>
-          <a:bodyPr wrap="square" rtlCol="0" anchor="t">
-            <a:spAutoFit/>
-          </a:bodyPr>
-          <a:lstStyle/>
-          <a:p>
-            <a:pPr algn="r"/>
-            <a:r>
-              <a:rPr lang="ja-JP" altLang="en-US" sz="4000" b="1">
+              <a:pPr marL="0" marR="0" lvl="0" indent="0" algn="l" defTabSz="914400" rtl="0" eaLnBrk="1" fontAlgn="auto" latinLnBrk="0" hangingPunct="1">
+                <a:lnSpc>
+                  <a:spcPct val="100000"/>
+                </a:lnSpc>
+                <a:spcBef>
+                  <a:spcPts val="0"/>
+                </a:spcBef>
+                <a:spcAft>
+                  <a:spcPts val="0"/>
+                </a:spcAft>
+                <a:buClrTx/>
+                <a:buSzTx/>
+                <a:buFontTx/>
+                <a:buNone/>
+                <a:tabLst/>
+                <a:defRPr/>
+              </a:pPr>
+              <a:endParaRPr kumimoji="0" lang="en-US" sz="1800" b="0" i="0" u="none" strike="noStrike" kern="1200" cap="none" spc="0" normalizeH="0" baseline="0" noProof="0">
+                <a:ln>
+                  <a:noFill/>
+                </a:ln>
                 <a:solidFill>
-                  <a:srgbClr val="ED245C"/>
+                  <a:prstClr val="black"/>
                 </a:solidFill>
-                <a:latin typeface="MS Gothic"/>
-                <a:ea typeface="MS Gothic"/>
-              </a:rPr>
-              <a:t>コマンド一覧</a:t>
-            </a:r>
-            <a:endParaRPr lang="en-US" altLang="ja-JP" sz="4000" b="1">
-              <a:solidFill>
-                <a:srgbClr val="ED245C"/>
-              </a:solidFill>
-              <a:latin typeface="MS Gothic"/>
-              <a:ea typeface="MS Gothic"/>
-            </a:endParaRPr>
-          </a:p>
-        </p:txBody>
-      </p:sp>
-      <p:sp>
-        <p:nvSpPr>
-          <p:cNvPr id="24" name="Rectangle 23">
-            <a:extLst>
-              <a:ext uri="{FF2B5EF4-FFF2-40B4-BE49-F238E27FC236}">
-                <a16:creationId xmlns:a16="http://schemas.microsoft.com/office/drawing/2014/main" id="{46814245-0555-4B01-813C-E83C5375D61D}"/>
-              </a:ext>
-            </a:extLst>
-          </p:cNvPr>
-          <p:cNvSpPr/>
-          <p:nvPr/>
-        </p:nvSpPr>
-        <p:spPr>
-          <a:xfrm>
-            <a:off x="6842487" y="2144363"/>
-            <a:ext cx="4748984" cy="830997"/>
-          </a:xfrm>
-          <a:prstGeom prst="rect">
-            <a:avLst/>
-          </a:prstGeom>
-        </p:spPr>
-        <p:txBody>
-          <a:bodyPr wrap="square" anchor="t">
-            <a:spAutoFit/>
-          </a:bodyPr>
-          <a:lstStyle/>
-          <a:p>
-            <a:r>
-              <a:rPr lang="ja-JP" altLang="en-US" sz="2400">
-                <a:solidFill>
-                  <a:srgbClr val="1A191E"/>
-                </a:solidFill>
-                <a:latin typeface="MS Gothic"/>
-                <a:ea typeface="MS Gothic"/>
-                <a:cs typeface="Times New Roman"/>
-              </a:rPr>
-              <a:t>カメラの動きを停止できる</a:t>
-            </a:r>
-            <a:endParaRPr lang="ja-JP" sz="2400">
-              <a:latin typeface="MS Gothic"/>
-              <a:ea typeface="MS Gothic"/>
-            </a:endParaRPr>
-          </a:p>
-          <a:p>
-            <a:r>
-              <a:rPr lang="ja-JP" altLang="en-US" sz="2400">
-                <a:solidFill>
-                  <a:srgbClr val="1A191E"/>
-                </a:solidFill>
-                <a:latin typeface="MS Gothic"/>
-                <a:ea typeface="MS Gothic"/>
-                <a:cs typeface="Times New Roman"/>
-              </a:rPr>
-              <a:t>一回しか使えないが強力</a:t>
-            </a:r>
-            <a:endParaRPr lang="ja-JP" sz="2400"/>
-          </a:p>
-        </p:txBody>
-      </p:sp>
-      <p:sp>
-        <p:nvSpPr>
-          <p:cNvPr id="28" name="TextBox 27">
-            <a:extLst>
-              <a:ext uri="{FF2B5EF4-FFF2-40B4-BE49-F238E27FC236}">
-                <a16:creationId xmlns:a16="http://schemas.microsoft.com/office/drawing/2014/main" id="{59C015EA-7E4B-4E83-A550-3465349C9171}"/>
-              </a:ext>
-            </a:extLst>
-          </p:cNvPr>
-          <p:cNvSpPr txBox="1"/>
-          <p:nvPr/>
-        </p:nvSpPr>
-        <p:spPr>
-          <a:xfrm>
-            <a:off x="6777777" y="1558478"/>
-            <a:ext cx="2272600" cy="584775"/>
-          </a:xfrm>
-          <a:prstGeom prst="rect">
-            <a:avLst/>
-          </a:prstGeom>
-          <a:noFill/>
-        </p:spPr>
-        <p:txBody>
-          <a:bodyPr wrap="square" rtlCol="0" anchor="t">
-            <a:spAutoFit/>
-          </a:bodyPr>
-          <a:lstStyle/>
-          <a:p>
-            <a:r>
-              <a:rPr lang="ja-JP" altLang="en-US" sz="3200">
-                <a:solidFill>
-                  <a:srgbClr val="ED245C"/>
-                </a:solidFill>
-                <a:latin typeface="MS Gothic"/>
-                <a:ea typeface="MS Gothic"/>
-              </a:rPr>
-              <a:t>ハッキング</a:t>
-            </a:r>
-            <a:endParaRPr lang="en-US" sz="3200">
-              <a:solidFill>
-                <a:srgbClr val="ED245C"/>
-              </a:solidFill>
-              <a:latin typeface="MS Gothic"/>
-              <a:ea typeface="MS Gothic"/>
-            </a:endParaRPr>
-          </a:p>
-        </p:txBody>
-      </p:sp>
-      <p:sp>
-        <p:nvSpPr>
-          <p:cNvPr id="29" name="TextBox 28">
-            <a:extLst>
-              <a:ext uri="{FF2B5EF4-FFF2-40B4-BE49-F238E27FC236}">
-                <a16:creationId xmlns:a16="http://schemas.microsoft.com/office/drawing/2014/main" id="{4473D626-7138-4D8E-8FB8-CB389E388728}"/>
-              </a:ext>
-            </a:extLst>
-          </p:cNvPr>
-          <p:cNvSpPr txBox="1"/>
-          <p:nvPr/>
-        </p:nvSpPr>
-        <p:spPr>
-          <a:xfrm>
-            <a:off x="6779279" y="2921367"/>
-            <a:ext cx="2742500" cy="584775"/>
-          </a:xfrm>
-          <a:prstGeom prst="rect">
-            <a:avLst/>
-          </a:prstGeom>
-          <a:noFill/>
-        </p:spPr>
-        <p:txBody>
-          <a:bodyPr wrap="square" rtlCol="0" anchor="t">
-            <a:spAutoFit/>
-          </a:bodyPr>
-          <a:lstStyle/>
-          <a:p>
-            <a:r>
-              <a:rPr lang="ja-JP" altLang="en-US" sz="3200">
-                <a:solidFill>
-                  <a:srgbClr val="ED245C"/>
-                </a:solidFill>
-                <a:latin typeface="MS Gothic"/>
-                <a:ea typeface="MS Gothic"/>
-              </a:rPr>
-              <a:t>催涙スプレー</a:t>
-            </a:r>
-            <a:endParaRPr lang="en-US" sz="3200" dirty="0">
-              <a:solidFill>
-                <a:srgbClr val="ED245C"/>
-              </a:solidFill>
-              <a:latin typeface="MS Gothic"/>
-              <a:ea typeface="MS Gothic"/>
-            </a:endParaRPr>
-          </a:p>
-        </p:txBody>
-      </p:sp>
-      <p:sp>
-        <p:nvSpPr>
-          <p:cNvPr id="32" name="Rectangle 23">
-            <a:extLst>
-              <a:ext uri="{FF2B5EF4-FFF2-40B4-BE49-F238E27FC236}">
-                <a16:creationId xmlns:a16="http://schemas.microsoft.com/office/drawing/2014/main" id="{710D26E1-999A-42CA-BE70-AB09AA45BAAE}"/>
-              </a:ext>
-            </a:extLst>
-          </p:cNvPr>
-          <p:cNvSpPr/>
-          <p:nvPr/>
-        </p:nvSpPr>
-        <p:spPr>
-          <a:xfrm>
-            <a:off x="6838254" y="3524429"/>
-            <a:ext cx="4748984" cy="830997"/>
-          </a:xfrm>
-          <a:prstGeom prst="rect">
-            <a:avLst/>
-          </a:prstGeom>
-        </p:spPr>
-        <p:txBody>
-          <a:bodyPr wrap="square" anchor="t">
-            <a:spAutoFit/>
-          </a:bodyPr>
-          <a:lstStyle/>
-          <a:p>
-            <a:r>
-              <a:rPr lang="ja-JP" altLang="en-US" sz="2400">
-                <a:solidFill>
-                  <a:srgbClr val="1A191E"/>
-                </a:solidFill>
-                <a:latin typeface="MS Gothic"/>
-                <a:ea typeface="MS Gothic"/>
-                <a:cs typeface="Times New Roman"/>
-              </a:rPr>
-              <a:t>敵の視界を奪い,動きを止めることができる</a:t>
-            </a:r>
-          </a:p>
-        </p:txBody>
-      </p:sp>
-      <p:sp>
-        <p:nvSpPr>
-          <p:cNvPr id="33" name="TextBox 28">
-            <a:extLst>
-              <a:ext uri="{FF2B5EF4-FFF2-40B4-BE49-F238E27FC236}">
-                <a16:creationId xmlns:a16="http://schemas.microsoft.com/office/drawing/2014/main" id="{9F0A8CDC-AA77-440F-BA75-CE95F72A3B66}"/>
-              </a:ext>
-            </a:extLst>
-          </p:cNvPr>
-          <p:cNvSpPr txBox="1"/>
-          <p:nvPr/>
-        </p:nvSpPr>
-        <p:spPr>
-          <a:xfrm>
-            <a:off x="6842779" y="4353644"/>
-            <a:ext cx="2272600" cy="584775"/>
-          </a:xfrm>
-          <a:prstGeom prst="rect">
-            <a:avLst/>
-          </a:prstGeom>
-          <a:noFill/>
-        </p:spPr>
-        <p:txBody>
-          <a:bodyPr wrap="square" rtlCol="0" anchor="t">
-            <a:spAutoFit/>
-          </a:bodyPr>
-          <a:lstStyle/>
-          <a:p>
-            <a:r>
-              <a:rPr lang="ja-JP" altLang="en-US" sz="3200">
-                <a:solidFill>
-                  <a:srgbClr val="ED245C"/>
-                </a:solidFill>
-                <a:latin typeface="MS Gothic"/>
-                <a:ea typeface="MS Gothic"/>
-              </a:rPr>
-              <a:t>会話</a:t>
-            </a:r>
-            <a:endParaRPr lang="ja-JP" altLang="en-US" sz="3200" dirty="0">
-              <a:solidFill>
-                <a:srgbClr val="ED245C"/>
-              </a:solidFill>
-              <a:latin typeface="MS Gothic"/>
-              <a:ea typeface="MS Gothic"/>
-            </a:endParaRPr>
-          </a:p>
-        </p:txBody>
-      </p:sp>
-      <p:sp>
-        <p:nvSpPr>
-          <p:cNvPr id="34" name="Rectangle 23">
-            <a:extLst>
-              <a:ext uri="{FF2B5EF4-FFF2-40B4-BE49-F238E27FC236}">
-                <a16:creationId xmlns:a16="http://schemas.microsoft.com/office/drawing/2014/main" id="{D7F20AFE-C9F4-40C3-B84C-8DF5CCB34363}"/>
-              </a:ext>
-            </a:extLst>
-          </p:cNvPr>
-          <p:cNvSpPr/>
-          <p:nvPr/>
-        </p:nvSpPr>
-        <p:spPr>
-          <a:xfrm>
-            <a:off x="6842487" y="5035729"/>
-            <a:ext cx="4748984" cy="461665"/>
-          </a:xfrm>
-          <a:prstGeom prst="rect">
-            <a:avLst/>
-          </a:prstGeom>
-        </p:spPr>
-        <p:txBody>
-          <a:bodyPr wrap="square" anchor="t">
-            <a:spAutoFit/>
-          </a:bodyPr>
-          <a:lstStyle/>
-          <a:p>
-            <a:r>
-              <a:rPr lang="ja-JP" altLang="en-US" sz="2400">
-                <a:solidFill>
-                  <a:srgbClr val="1A191E"/>
-                </a:solidFill>
-                <a:latin typeface="MS Gothic"/>
-                <a:ea typeface="MS Gothic"/>
-                <a:cs typeface="Times New Roman"/>
-              </a:rPr>
-              <a:t>敵の視界を固定できる</a:t>
-            </a:r>
-            <a:endParaRPr lang="ja-JP" sz="2400">
-              <a:latin typeface="MS Gothic"/>
-              <a:ea typeface="MS Gothic"/>
-            </a:endParaRPr>
-          </a:p>
-        </p:txBody>
-      </p:sp>
-      <p:sp>
-        <p:nvSpPr>
-          <p:cNvPr id="14" name="Freeform 13">
-            <a:extLst>
-              <a:ext uri="{FF2B5EF4-FFF2-40B4-BE49-F238E27FC236}">
-                <a16:creationId xmlns:a16="http://schemas.microsoft.com/office/drawing/2014/main" id="{1C8566AF-4115-48AF-8D1D-9B3CDF432E46}"/>
-              </a:ext>
-            </a:extLst>
-          </p:cNvPr>
-          <p:cNvSpPr>
-            <a:spLocks/>
-          </p:cNvSpPr>
-          <p:nvPr/>
-        </p:nvSpPr>
-        <p:spPr bwMode="auto">
-          <a:xfrm>
-            <a:off x="1251178" y="54"/>
-            <a:ext cx="1222172" cy="1044481"/>
-          </a:xfrm>
-          <a:custGeom>
-            <a:avLst/>
-            <a:gdLst>
-              <a:gd name="T0" fmla="*/ 282 w 282"/>
-              <a:gd name="T1" fmla="*/ 0 h 241"/>
-              <a:gd name="T2" fmla="*/ 40 w 282"/>
-              <a:gd name="T3" fmla="*/ 241 h 241"/>
-              <a:gd name="T4" fmla="*/ 0 w 282"/>
-              <a:gd name="T5" fmla="*/ 241 h 241"/>
-              <a:gd name="T6" fmla="*/ 242 w 282"/>
-              <a:gd name="T7" fmla="*/ 0 h 241"/>
-              <a:gd name="T8" fmla="*/ 282 w 282"/>
-              <a:gd name="T9" fmla="*/ 0 h 241"/>
-            </a:gdLst>
-            <a:ahLst/>
-            <a:cxnLst>
-              <a:cxn ang="0">
-                <a:pos x="T0" y="T1"/>
-              </a:cxn>
-              <a:cxn ang="0">
-                <a:pos x="T2" y="T3"/>
-              </a:cxn>
-              <a:cxn ang="0">
-                <a:pos x="T4" y="T5"/>
-              </a:cxn>
-              <a:cxn ang="0">
-                <a:pos x="T6" y="T7"/>
-              </a:cxn>
-              <a:cxn ang="0">
-                <a:pos x="T8" y="T9"/>
-              </a:cxn>
-            </a:cxnLst>
-            <a:rect l="0" t="0" r="r" b="b"/>
-            <a:pathLst>
-              <a:path w="282" h="241">
-                <a:moveTo>
-                  <a:pt x="282" y="0"/>
-                </a:moveTo>
-                <a:lnTo>
-                  <a:pt x="40" y="241"/>
-                </a:lnTo>
-                <a:lnTo>
-                  <a:pt x="0" y="241"/>
-                </a:lnTo>
-                <a:lnTo>
-                  <a:pt x="242" y="0"/>
-                </a:lnTo>
-                <a:lnTo>
-                  <a:pt x="282" y="0"/>
-                </a:lnTo>
-                <a:close/>
-              </a:path>
-            </a:pathLst>
-          </a:custGeom>
-          <a:solidFill>
-            <a:srgbClr val="ED245C"/>
-          </a:solidFill>
-          <a:ln>
-            <a:noFill/>
-          </a:ln>
-        </p:spPr>
-        <p:txBody>
-          <a:bodyPr vert="horz" wrap="square" lIns="91440" tIns="45720" rIns="91440" bIns="45720" numCol="1" anchor="t" anchorCtr="0" compatLnSpc="1">
-            <a:prstTxWarp prst="textNoShape">
-              <a:avLst/>
-            </a:prstTxWarp>
-          </a:bodyPr>
-          <a:lstStyle/>
-          <a:p>
-            <a:endParaRPr lang="en-US"/>
-          </a:p>
-        </p:txBody>
-      </p:sp>
-      <p:sp>
-        <p:nvSpPr>
-          <p:cNvPr id="18" name="Freeform 11">
-            <a:extLst>
-              <a:ext uri="{FF2B5EF4-FFF2-40B4-BE49-F238E27FC236}">
-                <a16:creationId xmlns:a16="http://schemas.microsoft.com/office/drawing/2014/main" id="{588B704A-047D-4DCC-B385-5A76C7E94548}"/>
-              </a:ext>
-            </a:extLst>
-          </p:cNvPr>
-          <p:cNvSpPr>
-            <a:spLocks/>
-          </p:cNvSpPr>
-          <p:nvPr/>
-        </p:nvSpPr>
-        <p:spPr bwMode="auto">
-          <a:xfrm>
-            <a:off x="-1243745" y="798940"/>
-            <a:ext cx="3328468" cy="3142109"/>
-          </a:xfrm>
-          <a:custGeom>
-            <a:avLst/>
-            <a:gdLst>
-              <a:gd name="T0" fmla="*/ 768 w 768"/>
-              <a:gd name="T1" fmla="*/ 0 h 725"/>
-              <a:gd name="T2" fmla="*/ 40 w 768"/>
-              <a:gd name="T3" fmla="*/ 725 h 725"/>
-              <a:gd name="T4" fmla="*/ 0 w 768"/>
-              <a:gd name="T5" fmla="*/ 725 h 725"/>
-              <a:gd name="T6" fmla="*/ 728 w 768"/>
-              <a:gd name="T7" fmla="*/ 0 h 725"/>
-              <a:gd name="T8" fmla="*/ 768 w 768"/>
-              <a:gd name="T9" fmla="*/ 0 h 725"/>
-            </a:gdLst>
-            <a:ahLst/>
-            <a:cxnLst>
-              <a:cxn ang="0">
-                <a:pos x="T0" y="T1"/>
-              </a:cxn>
-              <a:cxn ang="0">
-                <a:pos x="T2" y="T3"/>
-              </a:cxn>
-              <a:cxn ang="0">
-                <a:pos x="T4" y="T5"/>
-              </a:cxn>
-              <a:cxn ang="0">
-                <a:pos x="T6" y="T7"/>
-              </a:cxn>
-              <a:cxn ang="0">
-                <a:pos x="T8" y="T9"/>
-              </a:cxn>
-            </a:cxnLst>
-            <a:rect l="0" t="0" r="r" b="b"/>
-            <a:pathLst>
-              <a:path w="768" h="725">
-                <a:moveTo>
-                  <a:pt x="768" y="0"/>
-                </a:moveTo>
-                <a:lnTo>
-                  <a:pt x="40" y="725"/>
-                </a:lnTo>
-                <a:lnTo>
-                  <a:pt x="0" y="725"/>
-                </a:lnTo>
-                <a:lnTo>
-                  <a:pt x="728" y="0"/>
-                </a:lnTo>
-                <a:lnTo>
-                  <a:pt x="768" y="0"/>
-                </a:lnTo>
-                <a:close/>
-              </a:path>
-            </a:pathLst>
-          </a:custGeom>
-          <a:solidFill>
-            <a:srgbClr val="ED245C"/>
-          </a:solidFill>
-          <a:ln>
-            <a:noFill/>
-          </a:ln>
-        </p:spPr>
-        <p:txBody>
-          <a:bodyPr vert="horz" wrap="square" lIns="91440" tIns="45720" rIns="91440" bIns="45720" numCol="1" anchor="t" anchorCtr="0" compatLnSpc="1">
-            <a:prstTxWarp prst="textNoShape">
-              <a:avLst/>
-            </a:prstTxWarp>
-          </a:bodyPr>
-          <a:lstStyle/>
-          <a:p>
-            <a:endParaRPr lang="en-US"/>
-          </a:p>
-        </p:txBody>
-      </p:sp>
-      <p:sp>
-        <p:nvSpPr>
-          <p:cNvPr id="20" name="Freeform 12">
-            <a:extLst>
-              <a:ext uri="{FF2B5EF4-FFF2-40B4-BE49-F238E27FC236}">
-                <a16:creationId xmlns:a16="http://schemas.microsoft.com/office/drawing/2014/main" id="{80A55E38-6C81-4195-90C0-0919B5B3370D}"/>
-              </a:ext>
-            </a:extLst>
-          </p:cNvPr>
-          <p:cNvSpPr>
-            <a:spLocks/>
-          </p:cNvSpPr>
-          <p:nvPr/>
-        </p:nvSpPr>
-        <p:spPr bwMode="auto">
-          <a:xfrm>
-            <a:off x="-206757" y="-2537"/>
-            <a:ext cx="2279654" cy="2097628"/>
-          </a:xfrm>
-          <a:custGeom>
-            <a:avLst/>
-            <a:gdLst>
-              <a:gd name="T0" fmla="*/ 526 w 526"/>
-              <a:gd name="T1" fmla="*/ 0 h 484"/>
-              <a:gd name="T2" fmla="*/ 40 w 526"/>
-              <a:gd name="T3" fmla="*/ 484 h 484"/>
-              <a:gd name="T4" fmla="*/ 0 w 526"/>
-              <a:gd name="T5" fmla="*/ 484 h 484"/>
-              <a:gd name="T6" fmla="*/ 486 w 526"/>
-              <a:gd name="T7" fmla="*/ 0 h 484"/>
-              <a:gd name="T8" fmla="*/ 526 w 526"/>
-              <a:gd name="T9" fmla="*/ 0 h 484"/>
-            </a:gdLst>
-            <a:ahLst/>
-            <a:cxnLst>
-              <a:cxn ang="0">
-                <a:pos x="T0" y="T1"/>
-              </a:cxn>
-              <a:cxn ang="0">
-                <a:pos x="T2" y="T3"/>
-              </a:cxn>
-              <a:cxn ang="0">
-                <a:pos x="T4" y="T5"/>
-              </a:cxn>
-              <a:cxn ang="0">
-                <a:pos x="T6" y="T7"/>
-              </a:cxn>
-              <a:cxn ang="0">
-                <a:pos x="T8" y="T9"/>
-              </a:cxn>
-            </a:cxnLst>
-            <a:rect l="0" t="0" r="r" b="b"/>
-            <a:pathLst>
-              <a:path w="526" h="484">
-                <a:moveTo>
-                  <a:pt x="526" y="0"/>
-                </a:moveTo>
-                <a:lnTo>
-                  <a:pt x="40" y="484"/>
-                </a:lnTo>
-                <a:lnTo>
-                  <a:pt x="0" y="484"/>
-                </a:lnTo>
-                <a:lnTo>
-                  <a:pt x="486" y="0"/>
-                </a:lnTo>
-                <a:lnTo>
-                  <a:pt x="526" y="0"/>
-                </a:lnTo>
-                <a:close/>
-              </a:path>
-            </a:pathLst>
-          </a:custGeom>
-          <a:solidFill>
-            <a:srgbClr val="343434"/>
-          </a:solidFill>
-          <a:ln>
-            <a:noFill/>
-          </a:ln>
-          <a:extLst>
-            <a:ext uri="{91240B29-F687-4F45-9708-019B960494DF}">
-              <a14:hiddenLine xmlns:a14="http://schemas.microsoft.com/office/drawing/2010/main" w="9525">
-                <a:solidFill>
-                  <a:srgbClr val="000000"/>
-                </a:solidFill>
-                <a:round/>
-                <a:headEnd/>
-                <a:tailEnd/>
-              </a14:hiddenLine>
-            </a:ext>
-          </a:extLst>
-        </p:spPr>
-        <p:txBody>
-          <a:bodyPr vert="horz" wrap="square" lIns="91440" tIns="45720" rIns="91440" bIns="45720" numCol="1" anchor="t" anchorCtr="0" compatLnSpc="1">
-            <a:prstTxWarp prst="textNoShape">
-              <a:avLst/>
-            </a:prstTxWarp>
-          </a:bodyPr>
-          <a:lstStyle/>
-          <a:p>
-            <a:endParaRPr lang="en-US"/>
-          </a:p>
-        </p:txBody>
-      </p:sp>
-      <p:sp>
-        <p:nvSpPr>
-          <p:cNvPr id="22" name="Freeform 13">
-            <a:extLst>
-              <a:ext uri="{FF2B5EF4-FFF2-40B4-BE49-F238E27FC236}">
-                <a16:creationId xmlns:a16="http://schemas.microsoft.com/office/drawing/2014/main" id="{16E200AE-3CDF-435F-875A-EBA861D57346}"/>
-              </a:ext>
-            </a:extLst>
-          </p:cNvPr>
-          <p:cNvSpPr>
-            <a:spLocks/>
-          </p:cNvSpPr>
-          <p:nvPr/>
-        </p:nvSpPr>
-        <p:spPr bwMode="auto">
-          <a:xfrm>
-            <a:off x="61784" y="1192268"/>
-            <a:ext cx="1222172" cy="1044481"/>
-          </a:xfrm>
-          <a:custGeom>
-            <a:avLst/>
-            <a:gdLst>
-              <a:gd name="T0" fmla="*/ 282 w 282"/>
-              <a:gd name="T1" fmla="*/ 0 h 241"/>
-              <a:gd name="T2" fmla="*/ 40 w 282"/>
-              <a:gd name="T3" fmla="*/ 241 h 241"/>
-              <a:gd name="T4" fmla="*/ 0 w 282"/>
-              <a:gd name="T5" fmla="*/ 241 h 241"/>
-              <a:gd name="T6" fmla="*/ 242 w 282"/>
-              <a:gd name="T7" fmla="*/ 0 h 241"/>
-              <a:gd name="T8" fmla="*/ 282 w 282"/>
-              <a:gd name="T9" fmla="*/ 0 h 241"/>
-            </a:gdLst>
-            <a:ahLst/>
-            <a:cxnLst>
-              <a:cxn ang="0">
-                <a:pos x="T0" y="T1"/>
-              </a:cxn>
-              <a:cxn ang="0">
-                <a:pos x="T2" y="T3"/>
-              </a:cxn>
-              <a:cxn ang="0">
-                <a:pos x="T4" y="T5"/>
-              </a:cxn>
-              <a:cxn ang="0">
-                <a:pos x="T6" y="T7"/>
-              </a:cxn>
-              <a:cxn ang="0">
-                <a:pos x="T8" y="T9"/>
-              </a:cxn>
-            </a:cxnLst>
-            <a:rect l="0" t="0" r="r" b="b"/>
-            <a:pathLst>
-              <a:path w="282" h="241">
-                <a:moveTo>
-                  <a:pt x="282" y="0"/>
-                </a:moveTo>
-                <a:lnTo>
-                  <a:pt x="40" y="241"/>
-                </a:lnTo>
-                <a:lnTo>
-                  <a:pt x="0" y="241"/>
-                </a:lnTo>
-                <a:lnTo>
-                  <a:pt x="242" y="0"/>
-                </a:lnTo>
-                <a:lnTo>
-                  <a:pt x="282" y="0"/>
-                </a:lnTo>
-                <a:close/>
-              </a:path>
-            </a:pathLst>
-          </a:custGeom>
-          <a:solidFill>
-            <a:srgbClr val="ED245C"/>
-          </a:solidFill>
-          <a:ln>
-            <a:noFill/>
-          </a:ln>
-        </p:spPr>
-        <p:txBody>
-          <a:bodyPr vert="horz" wrap="square" lIns="91440" tIns="45720" rIns="91440" bIns="45720" numCol="1" anchor="t" anchorCtr="0" compatLnSpc="1">
-            <a:prstTxWarp prst="textNoShape">
-              <a:avLst/>
-            </a:prstTxWarp>
-          </a:bodyPr>
-          <a:lstStyle/>
-          <a:p>
-            <a:endParaRPr lang="en-US"/>
-          </a:p>
-        </p:txBody>
-      </p:sp>
-      <p:sp>
-        <p:nvSpPr>
-          <p:cNvPr id="4" name="TextBox 7">
-            <a:extLst>
-              <a:ext uri="{FF2B5EF4-FFF2-40B4-BE49-F238E27FC236}">
-                <a16:creationId xmlns:a16="http://schemas.microsoft.com/office/drawing/2014/main" id="{41AA295D-369F-4F5F-8F18-883CD5C7595A}"/>
-              </a:ext>
-            </a:extLst>
-          </p:cNvPr>
-          <p:cNvSpPr txBox="1"/>
-          <p:nvPr/>
-        </p:nvSpPr>
-        <p:spPr>
-          <a:xfrm>
-            <a:off x="425509" y="5323571"/>
-            <a:ext cx="923429" cy="1323439"/>
-          </a:xfrm>
-          <a:prstGeom prst="rect">
-            <a:avLst/>
-          </a:prstGeom>
-          <a:noFill/>
-        </p:spPr>
-        <p:txBody>
-          <a:bodyPr wrap="square" rtlCol="0" anchor="t">
-            <a:spAutoFit/>
-          </a:bodyPr>
-          <a:lstStyle/>
-          <a:p>
-            <a:r>
-              <a:rPr lang="en-US" sz="8000" dirty="0">
-                <a:solidFill>
-                  <a:schemeClr val="bg1"/>
-                </a:solidFill>
-                <a:latin typeface="Roboto Black"/>
-                <a:ea typeface="Roboto Black" panose="02000000000000000000" pitchFamily="2" charset="0"/>
-              </a:rPr>
-              <a:t>5</a:t>
-            </a:r>
-            <a:endParaRPr lang="en-US" sz="8000" dirty="0">
-              <a:solidFill>
-                <a:schemeClr val="bg1"/>
-              </a:solidFill>
-              <a:latin typeface="Roboto Black" panose="02000000000000000000" pitchFamily="2" charset="0"/>
-              <a:ea typeface="Roboto Black" panose="02000000000000000000" pitchFamily="2" charset="0"/>
-            </a:endParaRPr>
-          </a:p>
-        </p:txBody>
-      </p:sp>
-      <p:sp>
-        <p:nvSpPr>
-          <p:cNvPr id="5" name="スライド番号プレースホルダー 4">
-            <a:extLst>
-              <a:ext uri="{FF2B5EF4-FFF2-40B4-BE49-F238E27FC236}">
-                <a16:creationId xmlns:a16="http://schemas.microsoft.com/office/drawing/2014/main" id="{60012D7E-C5C0-49C0-B544-AA03826D0B59}"/>
-              </a:ext>
-            </a:extLst>
-          </p:cNvPr>
-          <p:cNvSpPr>
-            <a:spLocks noGrp="1"/>
-          </p:cNvSpPr>
-          <p:nvPr>
-            <p:ph type="sldNum" sz="quarter" idx="12"/>
-          </p:nvPr>
-        </p:nvSpPr>
-        <p:spPr/>
-        <p:txBody>
-          <a:bodyPr/>
-          <a:lstStyle/>
-          <a:p>
-            <a:fld id="{A4CA1C59-5788-4CA8-919D-639ED9581D45}" type="slidenum">
-              <a:rPr lang="en-US" smtClean="0"/>
-              <a:t>4</a:t>
-            </a:fld>
-            <a:endParaRPr lang="en-US"/>
-          </a:p>
-        </p:txBody>
-      </p:sp>
-    </p:spTree>
-    <p:extLst>
-      <p:ext uri="{BB962C8B-B14F-4D97-AF65-F5344CB8AC3E}">
-        <p14:creationId xmlns:p14="http://schemas.microsoft.com/office/powerpoint/2010/main" val="1465456182"/>
-      </p:ext>
-    </p:extLst>
-  </p:cSld>
-  <p:clrMapOvr>
-    <a:masterClrMapping/>
-  </p:clrMapOvr>
-</p:sld>
-</file>
-
-<file path=ppt/slides/slide5.xml><?xml version="1.0" encoding="utf-8"?>
-<p:sld xmlns:a="http://schemas.openxmlformats.org/drawingml/2006/main" xmlns:r="http://schemas.openxmlformats.org/officeDocument/2006/relationships" xmlns:p="http://schemas.openxmlformats.org/presentationml/2006/main">
-  <p:cSld>
-    <p:spTree>
-      <p:nvGrpSpPr>
-        <p:cNvPr id="1" name=""/>
-        <p:cNvGrpSpPr/>
-        <p:nvPr/>
-      </p:nvGrpSpPr>
-      <p:grpSpPr>
-        <a:xfrm>
-          <a:off x="0" y="0"/>
-          <a:ext cx="0" cy="0"/>
-          <a:chOff x="0" y="0"/>
-          <a:chExt cx="0" cy="0"/>
-        </a:xfrm>
-      </p:grpSpPr>
-      <p:sp>
-        <p:nvSpPr>
-          <p:cNvPr id="11" name="TextBox 10">
-            <a:extLst>
-              <a:ext uri="{FF2B5EF4-FFF2-40B4-BE49-F238E27FC236}">
-                <a16:creationId xmlns:a16="http://schemas.microsoft.com/office/drawing/2014/main" id="{DBCF25FA-F6D0-4AD1-B1E6-05832CAD4C08}"/>
-              </a:ext>
-            </a:extLst>
-          </p:cNvPr>
-          <p:cNvSpPr txBox="1"/>
-          <p:nvPr/>
-        </p:nvSpPr>
-        <p:spPr>
-          <a:xfrm>
-            <a:off x="6163939" y="214290"/>
-            <a:ext cx="4814299" cy="707886"/>
-          </a:xfrm>
-          <a:prstGeom prst="rect">
-            <a:avLst/>
-          </a:prstGeom>
-          <a:noFill/>
-        </p:spPr>
-        <p:txBody>
-          <a:bodyPr wrap="square" rtlCol="0" anchor="t">
-            <a:spAutoFit/>
-          </a:bodyPr>
-          <a:lstStyle/>
-          <a:p>
-            <a:pPr algn="r"/>
-            <a:r>
-              <a:rPr lang="ja-JP" altLang="en-US" sz="4000" b="1">
-                <a:solidFill>
-                  <a:srgbClr val="ED245C"/>
-                </a:solidFill>
-                <a:latin typeface="MS Gothic"/>
-                <a:ea typeface="MS Gothic"/>
-              </a:rPr>
-              <a:t>狙う賞</a:t>
-            </a:r>
-            <a:endParaRPr lang="ja-JP" altLang="en-US" sz="4000" b="1" dirty="0">
-              <a:solidFill>
-                <a:srgbClr val="ED245C"/>
-              </a:solidFill>
-              <a:latin typeface="MS Gothic"/>
-              <a:ea typeface="MS Gothic"/>
-            </a:endParaRPr>
-          </a:p>
-        </p:txBody>
-      </p:sp>
-      <p:grpSp>
-        <p:nvGrpSpPr>
-          <p:cNvPr id="30" name="Group 29">
-            <a:extLst>
-              <a:ext uri="{FF2B5EF4-FFF2-40B4-BE49-F238E27FC236}">
-                <a16:creationId xmlns:a16="http://schemas.microsoft.com/office/drawing/2014/main" id="{B5C8D31D-ADA0-4D22-9A6B-8661CB1F0E81}"/>
-              </a:ext>
-            </a:extLst>
-          </p:cNvPr>
-          <p:cNvGrpSpPr/>
-          <p:nvPr/>
-        </p:nvGrpSpPr>
-        <p:grpSpPr>
-          <a:xfrm>
-            <a:off x="10429031" y="4301942"/>
-            <a:ext cx="696478" cy="284728"/>
-            <a:chOff x="6577013" y="4794250"/>
-            <a:chExt cx="3351213" cy="1370013"/>
-          </a:xfrm>
-          <a:solidFill>
-            <a:schemeClr val="bg1"/>
-          </a:solidFill>
-        </p:grpSpPr>
-        <p:sp>
-          <p:nvSpPr>
-            <p:cNvPr id="19" name="Freeform 15">
-              <a:extLst>
-                <a:ext uri="{FF2B5EF4-FFF2-40B4-BE49-F238E27FC236}">
-                  <a16:creationId xmlns:a16="http://schemas.microsoft.com/office/drawing/2014/main" id="{B96F1076-D2E4-4ED7-91EB-BFCFDD4160C2}"/>
-                </a:ext>
-              </a:extLst>
-            </p:cNvPr>
-            <p:cNvSpPr>
-              <a:spLocks/>
-            </p:cNvSpPr>
-            <p:nvPr/>
-          </p:nvSpPr>
-          <p:spPr bwMode="auto">
-            <a:xfrm>
-              <a:off x="7935913" y="5095875"/>
-              <a:ext cx="412750" cy="411163"/>
-            </a:xfrm>
-            <a:custGeom>
-              <a:avLst/>
-              <a:gdLst>
-                <a:gd name="T0" fmla="*/ 158 w 181"/>
-                <a:gd name="T1" fmla="*/ 0 h 181"/>
-                <a:gd name="T2" fmla="*/ 0 w 181"/>
-                <a:gd name="T3" fmla="*/ 158 h 181"/>
-                <a:gd name="T4" fmla="*/ 22 w 181"/>
-                <a:gd name="T5" fmla="*/ 181 h 181"/>
-                <a:gd name="T6" fmla="*/ 45 w 181"/>
-                <a:gd name="T7" fmla="*/ 158 h 181"/>
-                <a:gd name="T8" fmla="*/ 158 w 181"/>
-                <a:gd name="T9" fmla="*/ 45 h 181"/>
-                <a:gd name="T10" fmla="*/ 181 w 181"/>
-                <a:gd name="T11" fmla="*/ 22 h 181"/>
-                <a:gd name="T12" fmla="*/ 158 w 181"/>
-                <a:gd name="T13" fmla="*/ 0 h 181"/>
-              </a:gdLst>
-              <a:ahLst/>
-              <a:cxnLst>
-                <a:cxn ang="0">
-                  <a:pos x="T0" y="T1"/>
-                </a:cxn>
-                <a:cxn ang="0">
-                  <a:pos x="T2" y="T3"/>
-                </a:cxn>
-                <a:cxn ang="0">
-                  <a:pos x="T4" y="T5"/>
-                </a:cxn>
-                <a:cxn ang="0">
-                  <a:pos x="T6" y="T7"/>
-                </a:cxn>
-                <a:cxn ang="0">
-                  <a:pos x="T8" y="T9"/>
-                </a:cxn>
-                <a:cxn ang="0">
-                  <a:pos x="T10" y="T11"/>
-                </a:cxn>
-                <a:cxn ang="0">
-                  <a:pos x="T12" y="T13"/>
-                </a:cxn>
-              </a:cxnLst>
-              <a:rect l="0" t="0" r="r" b="b"/>
-              <a:pathLst>
-                <a:path w="181" h="181">
-                  <a:moveTo>
-                    <a:pt x="158" y="0"/>
-                  </a:moveTo>
-                  <a:cubicBezTo>
-                    <a:pt x="71" y="0"/>
-                    <a:pt x="0" y="71"/>
-                    <a:pt x="0" y="158"/>
-                  </a:cubicBezTo>
-                  <a:cubicBezTo>
-                    <a:pt x="0" y="171"/>
-                    <a:pt x="10" y="181"/>
-                    <a:pt x="22" y="181"/>
-                  </a:cubicBezTo>
-                  <a:cubicBezTo>
-                    <a:pt x="35" y="181"/>
-                    <a:pt x="45" y="171"/>
-                    <a:pt x="45" y="158"/>
-                  </a:cubicBezTo>
-                  <a:cubicBezTo>
-                    <a:pt x="45" y="96"/>
-                    <a:pt x="96" y="45"/>
-                    <a:pt x="158" y="45"/>
-                  </a:cubicBezTo>
-                  <a:cubicBezTo>
-                    <a:pt x="171" y="45"/>
-                    <a:pt x="181" y="35"/>
-                    <a:pt x="181" y="22"/>
-                  </a:cubicBezTo>
-                  <a:cubicBezTo>
-                    <a:pt x="181" y="10"/>
-                    <a:pt x="171" y="0"/>
-                    <a:pt x="158" y="0"/>
-                  </a:cubicBezTo>
-                  <a:close/>
-                </a:path>
-              </a:pathLst>
-            </a:custGeom>
-            <a:grpFill/>
-            <a:ln>
-              <a:noFill/>
-            </a:ln>
-            <a:extLst>
-              <a:ext uri="{91240B29-F687-4F45-9708-019B960494DF}">
-                <a14:hiddenLine xmlns:a14="http://schemas.microsoft.com/office/drawing/2010/main" w="9525">
-                  <a:solidFill>
-                    <a:srgbClr val="000000"/>
-                  </a:solidFill>
-                  <a:round/>
-                  <a:headEnd/>
-                  <a:tailEnd/>
-                </a14:hiddenLine>
-              </a:ext>
-            </a:extLst>
-          </p:spPr>
-          <p:txBody>
-            <a:bodyPr vert="horz" wrap="square" lIns="91440" tIns="45720" rIns="91440" bIns="45720" numCol="1" anchor="t" anchorCtr="0" compatLnSpc="1">
-              <a:prstTxWarp prst="textNoShape">
-                <a:avLst/>
-              </a:prstTxWarp>
-            </a:bodyPr>
-            <a:lstStyle/>
-            <a:p>
-              <a:endParaRPr lang="en-US"/>
-            </a:p>
-          </p:txBody>
-        </p:sp>
-        <p:sp>
-          <p:nvSpPr>
-            <p:cNvPr id="20" name="Freeform 16">
-              <a:extLst>
-                <a:ext uri="{FF2B5EF4-FFF2-40B4-BE49-F238E27FC236}">
-                  <a16:creationId xmlns:a16="http://schemas.microsoft.com/office/drawing/2014/main" id="{5DA03FF2-5367-4CCE-B203-8016EB4156F0}"/>
-                </a:ext>
-              </a:extLst>
-            </p:cNvPr>
-            <p:cNvSpPr>
-              <a:spLocks noEditPoints="1"/>
-            </p:cNvSpPr>
-            <p:nvPr/>
-          </p:nvSpPr>
-          <p:spPr bwMode="auto">
-            <a:xfrm>
-              <a:off x="6577013" y="4794250"/>
-              <a:ext cx="3351213" cy="1339850"/>
-            </a:xfrm>
-            <a:custGeom>
-              <a:avLst/>
-              <a:gdLst>
-                <a:gd name="T0" fmla="*/ 932 w 1472"/>
-                <a:gd name="T1" fmla="*/ 92 h 591"/>
-                <a:gd name="T2" fmla="*/ 727 w 1472"/>
-                <a:gd name="T3" fmla="*/ 0 h 591"/>
-                <a:gd name="T4" fmla="*/ 522 w 1472"/>
-                <a:gd name="T5" fmla="*/ 92 h 591"/>
-                <a:gd name="T6" fmla="*/ 0 w 1472"/>
-                <a:gd name="T7" fmla="*/ 92 h 591"/>
-                <a:gd name="T8" fmla="*/ 0 w 1472"/>
-                <a:gd name="T9" fmla="*/ 476 h 591"/>
-                <a:gd name="T10" fmla="*/ 503 w 1472"/>
-                <a:gd name="T11" fmla="*/ 476 h 591"/>
-                <a:gd name="T12" fmla="*/ 727 w 1472"/>
-                <a:gd name="T13" fmla="*/ 591 h 591"/>
-                <a:gd name="T14" fmla="*/ 951 w 1472"/>
-                <a:gd name="T15" fmla="*/ 476 h 591"/>
-                <a:gd name="T16" fmla="*/ 1472 w 1472"/>
-                <a:gd name="T17" fmla="*/ 476 h 591"/>
-                <a:gd name="T18" fmla="*/ 1472 w 1472"/>
-                <a:gd name="T19" fmla="*/ 92 h 591"/>
-                <a:gd name="T20" fmla="*/ 932 w 1472"/>
-                <a:gd name="T21" fmla="*/ 92 h 591"/>
-                <a:gd name="T22" fmla="*/ 448 w 1472"/>
-                <a:gd name="T23" fmla="*/ 380 h 591"/>
-                <a:gd name="T24" fmla="*/ 64 w 1472"/>
-                <a:gd name="T25" fmla="*/ 380 h 591"/>
-                <a:gd name="T26" fmla="*/ 64 w 1472"/>
-                <a:gd name="T27" fmla="*/ 316 h 591"/>
-                <a:gd name="T28" fmla="*/ 448 w 1472"/>
-                <a:gd name="T29" fmla="*/ 316 h 591"/>
-                <a:gd name="T30" fmla="*/ 448 w 1472"/>
-                <a:gd name="T31" fmla="*/ 380 h 591"/>
-                <a:gd name="T32" fmla="*/ 448 w 1472"/>
-                <a:gd name="T33" fmla="*/ 252 h 591"/>
-                <a:gd name="T34" fmla="*/ 64 w 1472"/>
-                <a:gd name="T35" fmla="*/ 252 h 591"/>
-                <a:gd name="T36" fmla="*/ 64 w 1472"/>
-                <a:gd name="T37" fmla="*/ 188 h 591"/>
-                <a:gd name="T38" fmla="*/ 448 w 1472"/>
-                <a:gd name="T39" fmla="*/ 188 h 591"/>
-                <a:gd name="T40" fmla="*/ 448 w 1472"/>
-                <a:gd name="T41" fmla="*/ 252 h 591"/>
-                <a:gd name="T42" fmla="*/ 855 w 1472"/>
-                <a:gd name="T43" fmla="*/ 464 h 591"/>
-                <a:gd name="T44" fmla="*/ 727 w 1472"/>
-                <a:gd name="T45" fmla="*/ 507 h 591"/>
-                <a:gd name="T46" fmla="*/ 600 w 1472"/>
-                <a:gd name="T47" fmla="*/ 464 h 591"/>
-                <a:gd name="T48" fmla="*/ 512 w 1472"/>
-                <a:gd name="T49" fmla="*/ 291 h 591"/>
-                <a:gd name="T50" fmla="*/ 636 w 1472"/>
-                <a:gd name="T51" fmla="*/ 96 h 591"/>
-                <a:gd name="T52" fmla="*/ 727 w 1472"/>
-                <a:gd name="T53" fmla="*/ 76 h 591"/>
-                <a:gd name="T54" fmla="*/ 818 w 1472"/>
-                <a:gd name="T55" fmla="*/ 96 h 591"/>
-                <a:gd name="T56" fmla="*/ 942 w 1472"/>
-                <a:gd name="T57" fmla="*/ 291 h 591"/>
-                <a:gd name="T58" fmla="*/ 855 w 1472"/>
-                <a:gd name="T59" fmla="*/ 464 h 591"/>
-                <a:gd name="T60" fmla="*/ 1408 w 1472"/>
-                <a:gd name="T61" fmla="*/ 380 h 591"/>
-                <a:gd name="T62" fmla="*/ 1024 w 1472"/>
-                <a:gd name="T63" fmla="*/ 380 h 591"/>
-                <a:gd name="T64" fmla="*/ 1024 w 1472"/>
-                <a:gd name="T65" fmla="*/ 316 h 591"/>
-                <a:gd name="T66" fmla="*/ 1408 w 1472"/>
-                <a:gd name="T67" fmla="*/ 316 h 591"/>
-                <a:gd name="T68" fmla="*/ 1408 w 1472"/>
-                <a:gd name="T69" fmla="*/ 380 h 591"/>
-                <a:gd name="T70" fmla="*/ 1408 w 1472"/>
-                <a:gd name="T71" fmla="*/ 252 h 591"/>
-                <a:gd name="T72" fmla="*/ 1024 w 1472"/>
-                <a:gd name="T73" fmla="*/ 252 h 591"/>
-                <a:gd name="T74" fmla="*/ 1024 w 1472"/>
-                <a:gd name="T75" fmla="*/ 188 h 591"/>
-                <a:gd name="T76" fmla="*/ 1408 w 1472"/>
-                <a:gd name="T77" fmla="*/ 188 h 591"/>
-                <a:gd name="T78" fmla="*/ 1408 w 1472"/>
-                <a:gd name="T79" fmla="*/ 252 h 591"/>
-              </a:gdLst>
-              <a:ahLst/>
-              <a:cxnLst>
-                <a:cxn ang="0">
-                  <a:pos x="T0" y="T1"/>
-                </a:cxn>
-                <a:cxn ang="0">
-                  <a:pos x="T2" y="T3"/>
-                </a:cxn>
-                <a:cxn ang="0">
-                  <a:pos x="T4" y="T5"/>
-                </a:cxn>
-                <a:cxn ang="0">
-                  <a:pos x="T6" y="T7"/>
-                </a:cxn>
-                <a:cxn ang="0">
-                  <a:pos x="T8" y="T9"/>
-                </a:cxn>
-                <a:cxn ang="0">
-                  <a:pos x="T10" y="T11"/>
-                </a:cxn>
-                <a:cxn ang="0">
-                  <a:pos x="T12" y="T13"/>
-                </a:cxn>
-                <a:cxn ang="0">
-                  <a:pos x="T14" y="T15"/>
-                </a:cxn>
-                <a:cxn ang="0">
-                  <a:pos x="T16" y="T17"/>
-                </a:cxn>
-                <a:cxn ang="0">
-                  <a:pos x="T18" y="T19"/>
-                </a:cxn>
-                <a:cxn ang="0">
-                  <a:pos x="T20" y="T21"/>
-                </a:cxn>
-                <a:cxn ang="0">
-                  <a:pos x="T22" y="T23"/>
-                </a:cxn>
-                <a:cxn ang="0">
-                  <a:pos x="T24" y="T25"/>
-                </a:cxn>
-                <a:cxn ang="0">
-                  <a:pos x="T26" y="T27"/>
-                </a:cxn>
-                <a:cxn ang="0">
-                  <a:pos x="T28" y="T29"/>
-                </a:cxn>
-                <a:cxn ang="0">
-                  <a:pos x="T30" y="T31"/>
-                </a:cxn>
-                <a:cxn ang="0">
-                  <a:pos x="T32" y="T33"/>
-                </a:cxn>
-                <a:cxn ang="0">
-                  <a:pos x="T34" y="T35"/>
-                </a:cxn>
-                <a:cxn ang="0">
-                  <a:pos x="T36" y="T37"/>
-                </a:cxn>
-                <a:cxn ang="0">
-                  <a:pos x="T38" y="T39"/>
-                </a:cxn>
-                <a:cxn ang="0">
-                  <a:pos x="T40" y="T41"/>
-                </a:cxn>
-                <a:cxn ang="0">
-                  <a:pos x="T42" y="T43"/>
-                </a:cxn>
-                <a:cxn ang="0">
-                  <a:pos x="T44" y="T45"/>
-                </a:cxn>
-                <a:cxn ang="0">
-                  <a:pos x="T46" y="T47"/>
-                </a:cxn>
-                <a:cxn ang="0">
-                  <a:pos x="T48" y="T49"/>
-                </a:cxn>
-                <a:cxn ang="0">
-                  <a:pos x="T50" y="T51"/>
-                </a:cxn>
-                <a:cxn ang="0">
-                  <a:pos x="T52" y="T53"/>
-                </a:cxn>
-                <a:cxn ang="0">
-                  <a:pos x="T54" y="T55"/>
-                </a:cxn>
-                <a:cxn ang="0">
-                  <a:pos x="T56" y="T57"/>
-                </a:cxn>
-                <a:cxn ang="0">
-                  <a:pos x="T58" y="T59"/>
-                </a:cxn>
-                <a:cxn ang="0">
-                  <a:pos x="T60" y="T61"/>
-                </a:cxn>
-                <a:cxn ang="0">
-                  <a:pos x="T62" y="T63"/>
-                </a:cxn>
-                <a:cxn ang="0">
-                  <a:pos x="T64" y="T65"/>
-                </a:cxn>
-                <a:cxn ang="0">
-                  <a:pos x="T66" y="T67"/>
-                </a:cxn>
-                <a:cxn ang="0">
-                  <a:pos x="T68" y="T69"/>
-                </a:cxn>
-                <a:cxn ang="0">
-                  <a:pos x="T70" y="T71"/>
-                </a:cxn>
-                <a:cxn ang="0">
-                  <a:pos x="T72" y="T73"/>
-                </a:cxn>
-                <a:cxn ang="0">
-                  <a:pos x="T74" y="T75"/>
-                </a:cxn>
-                <a:cxn ang="0">
-                  <a:pos x="T76" y="T77"/>
-                </a:cxn>
-                <a:cxn ang="0">
-                  <a:pos x="T78" y="T79"/>
-                </a:cxn>
-              </a:cxnLst>
-              <a:rect l="0" t="0" r="r" b="b"/>
-              <a:pathLst>
-                <a:path w="1472" h="591">
-                  <a:moveTo>
-                    <a:pt x="932" y="92"/>
-                  </a:moveTo>
-                  <a:cubicBezTo>
-                    <a:pt x="880" y="35"/>
-                    <a:pt x="808" y="0"/>
-                    <a:pt x="727" y="0"/>
-                  </a:cubicBezTo>
-                  <a:cubicBezTo>
-                    <a:pt x="646" y="0"/>
-                    <a:pt x="574" y="35"/>
-                    <a:pt x="522" y="92"/>
-                  </a:cubicBezTo>
-                  <a:cubicBezTo>
-                    <a:pt x="0" y="92"/>
-                    <a:pt x="0" y="92"/>
-                    <a:pt x="0" y="92"/>
-                  </a:cubicBezTo>
-                  <a:cubicBezTo>
-                    <a:pt x="0" y="476"/>
-                    <a:pt x="0" y="476"/>
-                    <a:pt x="0" y="476"/>
-                  </a:cubicBezTo>
-                  <a:cubicBezTo>
-                    <a:pt x="503" y="476"/>
-                    <a:pt x="503" y="476"/>
-                    <a:pt x="503" y="476"/>
-                  </a:cubicBezTo>
-                  <a:cubicBezTo>
-                    <a:pt x="555" y="546"/>
-                    <a:pt x="636" y="591"/>
-                    <a:pt x="727" y="591"/>
-                  </a:cubicBezTo>
-                  <a:cubicBezTo>
-                    <a:pt x="818" y="591"/>
-                    <a:pt x="899" y="546"/>
-                    <a:pt x="951" y="476"/>
-                  </a:cubicBezTo>
-                  <a:cubicBezTo>
-                    <a:pt x="1472" y="476"/>
-                    <a:pt x="1472" y="476"/>
-                    <a:pt x="1472" y="476"/>
-                  </a:cubicBezTo>
-                  <a:cubicBezTo>
-                    <a:pt x="1472" y="92"/>
-                    <a:pt x="1472" y="92"/>
-                    <a:pt x="1472" y="92"/>
-                  </a:cubicBezTo>
-                  <a:lnTo>
-                    <a:pt x="932" y="92"/>
-                  </a:lnTo>
-                  <a:close/>
-                  <a:moveTo>
-                    <a:pt x="448" y="380"/>
-                  </a:moveTo>
-                  <a:cubicBezTo>
-                    <a:pt x="64" y="380"/>
-                    <a:pt x="64" y="380"/>
-                    <a:pt x="64" y="380"/>
-                  </a:cubicBezTo>
-                  <a:cubicBezTo>
-                    <a:pt x="64" y="316"/>
-                    <a:pt x="64" y="316"/>
-                    <a:pt x="64" y="316"/>
-                  </a:cubicBezTo>
-                  <a:cubicBezTo>
-                    <a:pt x="448" y="316"/>
-                    <a:pt x="448" y="316"/>
-                    <a:pt x="448" y="316"/>
-                  </a:cubicBezTo>
-                  <a:lnTo>
-                    <a:pt x="448" y="380"/>
-                  </a:lnTo>
-                  <a:close/>
-                  <a:moveTo>
-                    <a:pt x="448" y="252"/>
-                  </a:moveTo>
-                  <a:cubicBezTo>
-                    <a:pt x="64" y="252"/>
-                    <a:pt x="64" y="252"/>
-                    <a:pt x="64" y="252"/>
-                  </a:cubicBezTo>
-                  <a:cubicBezTo>
-                    <a:pt x="64" y="188"/>
-                    <a:pt x="64" y="188"/>
-                    <a:pt x="64" y="188"/>
-                  </a:cubicBezTo>
-                  <a:cubicBezTo>
-                    <a:pt x="448" y="188"/>
-                    <a:pt x="448" y="188"/>
-                    <a:pt x="448" y="188"/>
-                  </a:cubicBezTo>
-                  <a:lnTo>
-                    <a:pt x="448" y="252"/>
-                  </a:lnTo>
-                  <a:close/>
-                  <a:moveTo>
-                    <a:pt x="855" y="464"/>
-                  </a:moveTo>
-                  <a:cubicBezTo>
-                    <a:pt x="819" y="491"/>
-                    <a:pt x="775" y="507"/>
-                    <a:pt x="727" y="507"/>
-                  </a:cubicBezTo>
-                  <a:cubicBezTo>
-                    <a:pt x="680" y="507"/>
-                    <a:pt x="635" y="491"/>
-                    <a:pt x="600" y="464"/>
-                  </a:cubicBezTo>
-                  <a:cubicBezTo>
-                    <a:pt x="546" y="426"/>
-                    <a:pt x="512" y="362"/>
-                    <a:pt x="512" y="291"/>
-                  </a:cubicBezTo>
-                  <a:cubicBezTo>
-                    <a:pt x="512" y="205"/>
-                    <a:pt x="563" y="131"/>
-                    <a:pt x="636" y="96"/>
-                  </a:cubicBezTo>
-                  <a:cubicBezTo>
-                    <a:pt x="664" y="83"/>
-                    <a:pt x="695" y="76"/>
-                    <a:pt x="727" y="76"/>
-                  </a:cubicBezTo>
-                  <a:cubicBezTo>
-                    <a:pt x="760" y="76"/>
-                    <a:pt x="790" y="83"/>
-                    <a:pt x="818" y="96"/>
-                  </a:cubicBezTo>
-                  <a:cubicBezTo>
-                    <a:pt x="892" y="131"/>
-                    <a:pt x="942" y="205"/>
-                    <a:pt x="942" y="291"/>
-                  </a:cubicBezTo>
-                  <a:cubicBezTo>
-                    <a:pt x="942" y="362"/>
-                    <a:pt x="908" y="426"/>
-                    <a:pt x="855" y="464"/>
-                  </a:cubicBezTo>
-                  <a:close/>
-                  <a:moveTo>
-                    <a:pt x="1408" y="380"/>
-                  </a:moveTo>
-                  <a:cubicBezTo>
-                    <a:pt x="1024" y="380"/>
-                    <a:pt x="1024" y="380"/>
-                    <a:pt x="1024" y="380"/>
-                  </a:cubicBezTo>
-                  <a:cubicBezTo>
-                    <a:pt x="1024" y="316"/>
-                    <a:pt x="1024" y="316"/>
-                    <a:pt x="1024" y="316"/>
-                  </a:cubicBezTo>
-                  <a:cubicBezTo>
-                    <a:pt x="1408" y="316"/>
-                    <a:pt x="1408" y="316"/>
-                    <a:pt x="1408" y="316"/>
-                  </a:cubicBezTo>
-                  <a:lnTo>
-                    <a:pt x="1408" y="380"/>
-                  </a:lnTo>
-                  <a:close/>
-                  <a:moveTo>
-                    <a:pt x="1408" y="252"/>
-                  </a:moveTo>
-                  <a:cubicBezTo>
-                    <a:pt x="1024" y="252"/>
-                    <a:pt x="1024" y="252"/>
-                    <a:pt x="1024" y="252"/>
-                  </a:cubicBezTo>
-                  <a:cubicBezTo>
-                    <a:pt x="1024" y="188"/>
-                    <a:pt x="1024" y="188"/>
-                    <a:pt x="1024" y="188"/>
-                  </a:cubicBezTo>
-                  <a:cubicBezTo>
-                    <a:pt x="1408" y="188"/>
-                    <a:pt x="1408" y="188"/>
-                    <a:pt x="1408" y="188"/>
-                  </a:cubicBezTo>
-                  <a:lnTo>
-                    <a:pt x="1408" y="252"/>
-                  </a:lnTo>
-                  <a:close/>
-                </a:path>
-              </a:pathLst>
-            </a:custGeom>
-            <a:grpFill/>
-            <a:ln>
-              <a:noFill/>
-            </a:ln>
-            <a:extLst>
-              <a:ext uri="{91240B29-F687-4F45-9708-019B960494DF}">
-                <a14:hiddenLine xmlns:a14="http://schemas.microsoft.com/office/drawing/2010/main" w="9525">
-                  <a:solidFill>
-                    <a:srgbClr val="000000"/>
-                  </a:solidFill>
-                  <a:round/>
-                  <a:headEnd/>
-                  <a:tailEnd/>
-                </a14:hiddenLine>
-              </a:ext>
-            </a:extLst>
-          </p:spPr>
-          <p:txBody>
-            <a:bodyPr vert="horz" wrap="square" lIns="91440" tIns="45720" rIns="91440" bIns="45720" numCol="1" anchor="t" anchorCtr="0" compatLnSpc="1">
-              <a:prstTxWarp prst="textNoShape">
-                <a:avLst/>
-              </a:prstTxWarp>
-            </a:bodyPr>
-            <a:lstStyle/>
-            <a:p>
-              <a:endParaRPr lang="en-US"/>
-            </a:p>
-          </p:txBody>
-        </p:sp>
-        <p:sp>
-          <p:nvSpPr>
-            <p:cNvPr id="21" name="Rectangle 17">
-              <a:extLst>
-                <a:ext uri="{FF2B5EF4-FFF2-40B4-BE49-F238E27FC236}">
-                  <a16:creationId xmlns:a16="http://schemas.microsoft.com/office/drawing/2014/main" id="{F0C9D5A7-B961-40CF-85D6-5EA8682E2F6F}"/>
-                </a:ext>
-              </a:extLst>
-            </p:cNvPr>
-            <p:cNvSpPr>
-              <a:spLocks noChangeArrowheads="1"/>
-            </p:cNvSpPr>
-            <p:nvPr/>
-          </p:nvSpPr>
-          <p:spPr bwMode="auto">
-            <a:xfrm>
-              <a:off x="6577013" y="5946775"/>
-              <a:ext cx="509588" cy="217488"/>
-            </a:xfrm>
-            <a:prstGeom prst="rect">
-              <a:avLst/>
-            </a:prstGeom>
-            <a:grpFill/>
-            <a:ln>
-              <a:noFill/>
-            </a:ln>
-            <a:extLst>
-              <a:ext uri="{91240B29-F687-4F45-9708-019B960494DF}">
-                <a14:hiddenLine xmlns:a14="http://schemas.microsoft.com/office/drawing/2010/main" w="9525">
-                  <a:solidFill>
-                    <a:srgbClr val="000000"/>
-                  </a:solidFill>
-                  <a:miter lim="800000"/>
-                  <a:headEnd/>
-                  <a:tailEnd/>
-                </a14:hiddenLine>
-              </a:ext>
-            </a:extLst>
-          </p:spPr>
-          <p:txBody>
-            <a:bodyPr vert="horz" wrap="square" lIns="91440" tIns="45720" rIns="91440" bIns="45720" numCol="1" anchor="t" anchorCtr="0" compatLnSpc="1">
-              <a:prstTxWarp prst="textNoShape">
-                <a:avLst/>
-              </a:prstTxWarp>
-            </a:bodyPr>
-            <a:lstStyle/>
-            <a:p>
-              <a:endParaRPr lang="en-US"/>
-            </a:p>
-          </p:txBody>
-        </p:sp>
-        <p:sp>
-          <p:nvSpPr>
-            <p:cNvPr id="22" name="Rectangle 18">
-              <a:extLst>
-                <a:ext uri="{FF2B5EF4-FFF2-40B4-BE49-F238E27FC236}">
-                  <a16:creationId xmlns:a16="http://schemas.microsoft.com/office/drawing/2014/main" id="{851B510B-064C-4BA7-B3A3-319398003715}"/>
-                </a:ext>
-              </a:extLst>
-            </p:cNvPr>
-            <p:cNvSpPr>
-              <a:spLocks noChangeArrowheads="1"/>
-            </p:cNvSpPr>
-            <p:nvPr/>
-          </p:nvSpPr>
-          <p:spPr bwMode="auto">
-            <a:xfrm>
-              <a:off x="9418638" y="5946775"/>
-              <a:ext cx="509588" cy="217488"/>
-            </a:xfrm>
-            <a:prstGeom prst="rect">
-              <a:avLst/>
-            </a:prstGeom>
-            <a:grpFill/>
-            <a:ln>
-              <a:noFill/>
-            </a:ln>
-            <a:extLst>
-              <a:ext uri="{91240B29-F687-4F45-9708-019B960494DF}">
-                <a14:hiddenLine xmlns:a14="http://schemas.microsoft.com/office/drawing/2010/main" w="9525">
-                  <a:solidFill>
-                    <a:srgbClr val="000000"/>
-                  </a:solidFill>
-                  <a:miter lim="800000"/>
-                  <a:headEnd/>
-                  <a:tailEnd/>
-                </a14:hiddenLine>
-              </a:ext>
-            </a:extLst>
-          </p:spPr>
-          <p:txBody>
-            <a:bodyPr vert="horz" wrap="square" lIns="91440" tIns="45720" rIns="91440" bIns="45720" numCol="1" anchor="t" anchorCtr="0" compatLnSpc="1">
-              <a:prstTxWarp prst="textNoShape">
-                <a:avLst/>
-              </a:prstTxWarp>
-            </a:bodyPr>
-            <a:lstStyle/>
-            <a:p>
-              <a:endParaRPr lang="en-US"/>
+                <a:effectLst/>
+                <a:uLnTx/>
+                <a:uFillTx/>
+                <a:latin typeface="ＭＳ ゴシック" panose="020B0609070205080204" pitchFamily="49" charset="-128"/>
+                <a:ea typeface="ＭＳ ゴシック" panose="020B0609070205080204" pitchFamily="49" charset="-128"/>
+              </a:endParaRPr>
             </a:p>
           </p:txBody>
         </p:sp>
@@ -26689,7 +24617,36 @@
             </a:bodyPr>
             <a:lstStyle/>
             <a:p>
-              <a:endParaRPr lang="en-US"/>
+              <a:pPr marL="0" marR="0" lvl="0" indent="0" algn="l" defTabSz="914400" rtl="0" eaLnBrk="1" fontAlgn="auto" latinLnBrk="0" hangingPunct="1">
+                <a:lnSpc>
+                  <a:spcPct val="100000"/>
+                </a:lnSpc>
+                <a:spcBef>
+                  <a:spcPts val="0"/>
+                </a:spcBef>
+                <a:spcAft>
+                  <a:spcPts val="0"/>
+                </a:spcAft>
+                <a:buClrTx/>
+                <a:buSzTx/>
+                <a:buFontTx/>
+                <a:buNone/>
+                <a:tabLst/>
+                <a:defRPr/>
+              </a:pPr>
+              <a:endParaRPr kumimoji="0" lang="en-US" sz="1800" b="0" i="0" u="none" strike="noStrike" kern="1200" cap="none" spc="0" normalizeH="0" baseline="0" noProof="0">
+                <a:ln>
+                  <a:noFill/>
+                </a:ln>
+                <a:solidFill>
+                  <a:prstClr val="black"/>
+                </a:solidFill>
+                <a:effectLst/>
+                <a:uLnTx/>
+                <a:uFillTx/>
+                <a:latin typeface="ＭＳ ゴシック" panose="020B0609070205080204" pitchFamily="49" charset="-128"/>
+                <a:ea typeface="ＭＳ ゴシック" panose="020B0609070205080204" pitchFamily="49" charset="-128"/>
+              </a:endParaRPr>
             </a:p>
           </p:txBody>
         </p:sp>
@@ -26740,7 +24697,36 @@
             </a:bodyPr>
             <a:lstStyle/>
             <a:p>
-              <a:endParaRPr lang="en-US"/>
+              <a:pPr marL="0" marR="0" lvl="0" indent="0" algn="l" defTabSz="914400" rtl="0" eaLnBrk="1" fontAlgn="auto" latinLnBrk="0" hangingPunct="1">
+                <a:lnSpc>
+                  <a:spcPct val="100000"/>
+                </a:lnSpc>
+                <a:spcBef>
+                  <a:spcPts val="0"/>
+                </a:spcBef>
+                <a:spcAft>
+                  <a:spcPts val="0"/>
+                </a:spcAft>
+                <a:buClrTx/>
+                <a:buSzTx/>
+                <a:buFontTx/>
+                <a:buNone/>
+                <a:tabLst/>
+                <a:defRPr/>
+              </a:pPr>
+              <a:endParaRPr kumimoji="0" lang="en-US" sz="1800" b="0" i="0" u="none" strike="noStrike" kern="1200" cap="none" spc="0" normalizeH="0" baseline="0" noProof="0">
+                <a:ln>
+                  <a:noFill/>
+                </a:ln>
+                <a:solidFill>
+                  <a:prstClr val="black"/>
+                </a:solidFill>
+                <a:effectLst/>
+                <a:uLnTx/>
+                <a:uFillTx/>
+                <a:latin typeface="ＭＳ ゴシック" panose="020B0609070205080204" pitchFamily="49" charset="-128"/>
+                <a:ea typeface="ＭＳ ゴシック" panose="020B0609070205080204" pitchFamily="49" charset="-128"/>
+              </a:endParaRPr>
             </a:p>
           </p:txBody>
         </p:sp>
@@ -26791,7 +24777,36 @@
             </a:bodyPr>
             <a:lstStyle/>
             <a:p>
-              <a:endParaRPr lang="en-US"/>
+              <a:pPr marL="0" marR="0" lvl="0" indent="0" algn="l" defTabSz="914400" rtl="0" eaLnBrk="1" fontAlgn="auto" latinLnBrk="0" hangingPunct="1">
+                <a:lnSpc>
+                  <a:spcPct val="100000"/>
+                </a:lnSpc>
+                <a:spcBef>
+                  <a:spcPts val="0"/>
+                </a:spcBef>
+                <a:spcAft>
+                  <a:spcPts val="0"/>
+                </a:spcAft>
+                <a:buClrTx/>
+                <a:buSzTx/>
+                <a:buFontTx/>
+                <a:buNone/>
+                <a:tabLst/>
+                <a:defRPr/>
+              </a:pPr>
+              <a:endParaRPr kumimoji="0" lang="en-US" sz="1800" b="0" i="0" u="none" strike="noStrike" kern="1200" cap="none" spc="0" normalizeH="0" baseline="0" noProof="0">
+                <a:ln>
+                  <a:noFill/>
+                </a:ln>
+                <a:solidFill>
+                  <a:prstClr val="black"/>
+                </a:solidFill>
+                <a:effectLst/>
+                <a:uLnTx/>
+                <a:uFillTx/>
+                <a:latin typeface="ＭＳ ゴシック" panose="020B0609070205080204" pitchFamily="49" charset="-128"/>
+                <a:ea typeface="ＭＳ ゴシック" panose="020B0609070205080204" pitchFamily="49" charset="-128"/>
+              </a:endParaRPr>
             </a:p>
           </p:txBody>
         </p:sp>
@@ -26842,7 +24857,36 @@
             </a:bodyPr>
             <a:lstStyle/>
             <a:p>
-              <a:endParaRPr lang="en-US"/>
+              <a:pPr marL="0" marR="0" lvl="0" indent="0" algn="l" defTabSz="914400" rtl="0" eaLnBrk="1" fontAlgn="auto" latinLnBrk="0" hangingPunct="1">
+                <a:lnSpc>
+                  <a:spcPct val="100000"/>
+                </a:lnSpc>
+                <a:spcBef>
+                  <a:spcPts val="0"/>
+                </a:spcBef>
+                <a:spcAft>
+                  <a:spcPts val="0"/>
+                </a:spcAft>
+                <a:buClrTx/>
+                <a:buSzTx/>
+                <a:buFontTx/>
+                <a:buNone/>
+                <a:tabLst/>
+                <a:defRPr/>
+              </a:pPr>
+              <a:endParaRPr kumimoji="0" lang="en-US" sz="1800" b="0" i="0" u="none" strike="noStrike" kern="1200" cap="none" spc="0" normalizeH="0" baseline="0" noProof="0">
+                <a:ln>
+                  <a:noFill/>
+                </a:ln>
+                <a:solidFill>
+                  <a:prstClr val="black"/>
+                </a:solidFill>
+                <a:effectLst/>
+                <a:uLnTx/>
+                <a:uFillTx/>
+                <a:latin typeface="ＭＳ ゴシック" panose="020B0609070205080204" pitchFamily="49" charset="-128"/>
+                <a:ea typeface="ＭＳ ゴシック" panose="020B0609070205080204" pitchFamily="49" charset="-128"/>
+              </a:endParaRPr>
             </a:p>
           </p:txBody>
         </p:sp>
@@ -26893,7 +24937,36 @@
             </a:bodyPr>
             <a:lstStyle/>
             <a:p>
-              <a:endParaRPr lang="en-US"/>
+              <a:pPr marL="0" marR="0" lvl="0" indent="0" algn="l" defTabSz="914400" rtl="0" eaLnBrk="1" fontAlgn="auto" latinLnBrk="0" hangingPunct="1">
+                <a:lnSpc>
+                  <a:spcPct val="100000"/>
+                </a:lnSpc>
+                <a:spcBef>
+                  <a:spcPts val="0"/>
+                </a:spcBef>
+                <a:spcAft>
+                  <a:spcPts val="0"/>
+                </a:spcAft>
+                <a:buClrTx/>
+                <a:buSzTx/>
+                <a:buFontTx/>
+                <a:buNone/>
+                <a:tabLst/>
+                <a:defRPr/>
+              </a:pPr>
+              <a:endParaRPr kumimoji="0" lang="en-US" sz="1800" b="0" i="0" u="none" strike="noStrike" kern="1200" cap="none" spc="0" normalizeH="0" baseline="0" noProof="0">
+                <a:ln>
+                  <a:noFill/>
+                </a:ln>
+                <a:solidFill>
+                  <a:prstClr val="black"/>
+                </a:solidFill>
+                <a:effectLst/>
+                <a:uLnTx/>
+                <a:uFillTx/>
+                <a:latin typeface="ＭＳ ゴシック" panose="020B0609070205080204" pitchFamily="49" charset="-128"/>
+                <a:ea typeface="ＭＳ ゴシック" panose="020B0609070205080204" pitchFamily="49" charset="-128"/>
+              </a:endParaRPr>
             </a:p>
           </p:txBody>
         </p:sp>
@@ -27357,6 +25430,2259 @@
             </a:bodyPr>
             <a:lstStyle/>
             <a:p>
+              <a:pPr marL="0" marR="0" lvl="0" indent="0" algn="l" defTabSz="914400" rtl="0" eaLnBrk="1" fontAlgn="auto" latinLnBrk="0" hangingPunct="1">
+                <a:lnSpc>
+                  <a:spcPct val="100000"/>
+                </a:lnSpc>
+                <a:spcBef>
+                  <a:spcPts val="0"/>
+                </a:spcBef>
+                <a:spcAft>
+                  <a:spcPts val="0"/>
+                </a:spcAft>
+                <a:buClrTx/>
+                <a:buSzTx/>
+                <a:buFontTx/>
+                <a:buNone/>
+                <a:tabLst/>
+                <a:defRPr/>
+              </a:pPr>
+              <a:endParaRPr kumimoji="0" lang="en-US" sz="1800" b="0" i="0" u="none" strike="noStrike" kern="1200" cap="none" spc="0" normalizeH="0" baseline="0" noProof="0">
+                <a:ln>
+                  <a:noFill/>
+                </a:ln>
+                <a:solidFill>
+                  <a:prstClr val="black"/>
+                </a:solidFill>
+                <a:effectLst/>
+                <a:uLnTx/>
+                <a:uFillTx/>
+                <a:latin typeface="ＭＳ ゴシック" panose="020B0609070205080204" pitchFamily="49" charset="-128"/>
+                <a:ea typeface="ＭＳ ゴシック" panose="020B0609070205080204" pitchFamily="49" charset="-128"/>
+              </a:endParaRPr>
+            </a:p>
+          </p:txBody>
+        </p:sp>
+        <p:sp>
+          <p:nvSpPr>
+            <p:cNvPr id="29" name="Freeform 25">
+              <a:extLst>
+                <a:ext uri="{FF2B5EF4-FFF2-40B4-BE49-F238E27FC236}">
+                  <a16:creationId xmlns:a16="http://schemas.microsoft.com/office/drawing/2014/main" id="{53C44BA9-CF2E-4389-A272-8E5DD62B3F4B}"/>
+                </a:ext>
+              </a:extLst>
+            </p:cNvPr>
+            <p:cNvSpPr>
+              <a:spLocks noEditPoints="1"/>
+            </p:cNvSpPr>
+            <p:nvPr/>
+          </p:nvSpPr>
+          <p:spPr bwMode="auto">
+            <a:xfrm>
+              <a:off x="3065463" y="6276975"/>
+              <a:ext cx="1820863" cy="581025"/>
+            </a:xfrm>
+            <a:custGeom>
+              <a:avLst/>
+              <a:gdLst>
+                <a:gd name="T0" fmla="*/ 0 w 1147"/>
+                <a:gd name="T1" fmla="*/ 366 h 366"/>
+                <a:gd name="T2" fmla="*/ 1147 w 1147"/>
+                <a:gd name="T3" fmla="*/ 366 h 366"/>
+                <a:gd name="T4" fmla="*/ 1147 w 1147"/>
+                <a:gd name="T5" fmla="*/ 0 h 366"/>
+                <a:gd name="T6" fmla="*/ 0 w 1147"/>
+                <a:gd name="T7" fmla="*/ 0 h 366"/>
+                <a:gd name="T8" fmla="*/ 0 w 1147"/>
+                <a:gd name="T9" fmla="*/ 366 h 366"/>
+                <a:gd name="T10" fmla="*/ 92 w 1147"/>
+                <a:gd name="T11" fmla="*/ 92 h 366"/>
+                <a:gd name="T12" fmla="*/ 1056 w 1147"/>
+                <a:gd name="T13" fmla="*/ 92 h 366"/>
+                <a:gd name="T14" fmla="*/ 1056 w 1147"/>
+                <a:gd name="T15" fmla="*/ 275 h 366"/>
+                <a:gd name="T16" fmla="*/ 92 w 1147"/>
+                <a:gd name="T17" fmla="*/ 275 h 366"/>
+                <a:gd name="T18" fmla="*/ 92 w 1147"/>
+                <a:gd name="T19" fmla="*/ 92 h 366"/>
+              </a:gdLst>
+              <a:ahLst/>
+              <a:cxnLst>
+                <a:cxn ang="0">
+                  <a:pos x="T0" y="T1"/>
+                </a:cxn>
+                <a:cxn ang="0">
+                  <a:pos x="T2" y="T3"/>
+                </a:cxn>
+                <a:cxn ang="0">
+                  <a:pos x="T4" y="T5"/>
+                </a:cxn>
+                <a:cxn ang="0">
+                  <a:pos x="T6" y="T7"/>
+                </a:cxn>
+                <a:cxn ang="0">
+                  <a:pos x="T8" y="T9"/>
+                </a:cxn>
+                <a:cxn ang="0">
+                  <a:pos x="T10" y="T11"/>
+                </a:cxn>
+                <a:cxn ang="0">
+                  <a:pos x="T12" y="T13"/>
+                </a:cxn>
+                <a:cxn ang="0">
+                  <a:pos x="T14" y="T15"/>
+                </a:cxn>
+                <a:cxn ang="0">
+                  <a:pos x="T16" y="T17"/>
+                </a:cxn>
+                <a:cxn ang="0">
+                  <a:pos x="T18" y="T19"/>
+                </a:cxn>
+              </a:cxnLst>
+              <a:rect l="0" t="0" r="r" b="b"/>
+              <a:pathLst>
+                <a:path w="1147" h="366">
+                  <a:moveTo>
+                    <a:pt x="0" y="366"/>
+                  </a:moveTo>
+                  <a:lnTo>
+                    <a:pt x="1147" y="366"/>
+                  </a:lnTo>
+                  <a:lnTo>
+                    <a:pt x="1147" y="0"/>
+                  </a:lnTo>
+                  <a:lnTo>
+                    <a:pt x="0" y="0"/>
+                  </a:lnTo>
+                  <a:lnTo>
+                    <a:pt x="0" y="366"/>
+                  </a:lnTo>
+                  <a:close/>
+                  <a:moveTo>
+                    <a:pt x="92" y="92"/>
+                  </a:moveTo>
+                  <a:lnTo>
+                    <a:pt x="1056" y="92"/>
+                  </a:lnTo>
+                  <a:lnTo>
+                    <a:pt x="1056" y="275"/>
+                  </a:lnTo>
+                  <a:lnTo>
+                    <a:pt x="92" y="275"/>
+                  </a:lnTo>
+                  <a:lnTo>
+                    <a:pt x="92" y="92"/>
+                  </a:lnTo>
+                  <a:close/>
+                </a:path>
+              </a:pathLst>
+            </a:custGeom>
+            <a:grpFill/>
+            <a:ln>
+              <a:noFill/>
+            </a:ln>
+            <a:extLst>
+              <a:ext uri="{91240B29-F687-4F45-9708-019B960494DF}">
+                <a14:hiddenLine xmlns:a14="http://schemas.microsoft.com/office/drawing/2010/main" w="9525">
+                  <a:solidFill>
+                    <a:srgbClr val="000000"/>
+                  </a:solidFill>
+                  <a:round/>
+                  <a:headEnd/>
+                  <a:tailEnd/>
+                </a14:hiddenLine>
+              </a:ext>
+            </a:extLst>
+          </p:spPr>
+          <p:txBody>
+            <a:bodyPr vert="horz" wrap="square" lIns="91440" tIns="45720" rIns="91440" bIns="45720" numCol="1" anchor="t" anchorCtr="0" compatLnSpc="1">
+              <a:prstTxWarp prst="textNoShape">
+                <a:avLst/>
+              </a:prstTxWarp>
+            </a:bodyPr>
+            <a:lstStyle/>
+            <a:p>
+              <a:pPr marL="0" marR="0" lvl="0" indent="0" algn="l" defTabSz="914400" rtl="0" eaLnBrk="1" fontAlgn="auto" latinLnBrk="0" hangingPunct="1">
+                <a:lnSpc>
+                  <a:spcPct val="100000"/>
+                </a:lnSpc>
+                <a:spcBef>
+                  <a:spcPts val="0"/>
+                </a:spcBef>
+                <a:spcAft>
+                  <a:spcPts val="0"/>
+                </a:spcAft>
+                <a:buClrTx/>
+                <a:buSzTx/>
+                <a:buFontTx/>
+                <a:buNone/>
+                <a:tabLst/>
+                <a:defRPr/>
+              </a:pPr>
+              <a:endParaRPr kumimoji="0" lang="en-US" sz="1800" b="0" i="0" u="none" strike="noStrike" kern="1200" cap="none" spc="0" normalizeH="0" baseline="0" noProof="0">
+                <a:ln>
+                  <a:noFill/>
+                </a:ln>
+                <a:solidFill>
+                  <a:prstClr val="black"/>
+                </a:solidFill>
+                <a:effectLst/>
+                <a:uLnTx/>
+                <a:uFillTx/>
+                <a:latin typeface="ＭＳ ゴシック" panose="020B0609070205080204" pitchFamily="49" charset="-128"/>
+                <a:ea typeface="ＭＳ ゴシック" panose="020B0609070205080204" pitchFamily="49" charset="-128"/>
+              </a:endParaRPr>
+            </a:p>
+          </p:txBody>
+        </p:sp>
+      </p:grpSp>
+      <p:sp>
+        <p:nvSpPr>
+          <p:cNvPr id="7" name="TextBox 7">
+            <a:extLst>
+              <a:ext uri="{FF2B5EF4-FFF2-40B4-BE49-F238E27FC236}">
+                <a16:creationId xmlns:a16="http://schemas.microsoft.com/office/drawing/2014/main" id="{DEF0F2DF-1582-4155-B347-838E4973848C}"/>
+              </a:ext>
+            </a:extLst>
+          </p:cNvPr>
+          <p:cNvSpPr txBox="1"/>
+          <p:nvPr/>
+        </p:nvSpPr>
+        <p:spPr>
+          <a:xfrm>
+            <a:off x="425509" y="5323571"/>
+            <a:ext cx="923429" cy="1323439"/>
+          </a:xfrm>
+          <a:prstGeom prst="rect">
+            <a:avLst/>
+          </a:prstGeom>
+          <a:noFill/>
+        </p:spPr>
+        <p:txBody>
+          <a:bodyPr wrap="square" rtlCol="0" anchor="t">
+            <a:spAutoFit/>
+          </a:bodyPr>
+          <a:lstStyle/>
+          <a:p>
+            <a:pPr marL="0" marR="0" lvl="0" indent="0" algn="l" defTabSz="914400" rtl="0" eaLnBrk="1" fontAlgn="auto" latinLnBrk="0" hangingPunct="1">
+              <a:lnSpc>
+                <a:spcPct val="100000"/>
+              </a:lnSpc>
+              <a:spcBef>
+                <a:spcPts val="0"/>
+              </a:spcBef>
+              <a:spcAft>
+                <a:spcPts val="0"/>
+              </a:spcAft>
+              <a:buClrTx/>
+              <a:buSzTx/>
+              <a:buFontTx/>
+              <a:buNone/>
+              <a:tabLst/>
+              <a:defRPr/>
+            </a:pPr>
+            <a:r>
+              <a:rPr kumimoji="0" lang="en-US" sz="8000" b="0" i="0" u="none" strike="noStrike" kern="1200" cap="none" spc="0" normalizeH="0" baseline="0" noProof="0" dirty="0">
+                <a:ln>
+                  <a:noFill/>
+                </a:ln>
+                <a:solidFill>
+                  <a:prstClr val="white"/>
+                </a:solidFill>
+                <a:effectLst/>
+                <a:uLnTx/>
+                <a:uFillTx/>
+                <a:latin typeface="ＭＳ ゴシック" panose="020B0609070205080204" pitchFamily="49" charset="-128"/>
+                <a:ea typeface="ＭＳ ゴシック" panose="020B0609070205080204" pitchFamily="49" charset="-128"/>
+              </a:rPr>
+              <a:t>3</a:t>
+            </a:r>
+          </a:p>
+        </p:txBody>
+      </p:sp>
+      <p:sp>
+        <p:nvSpPr>
+          <p:cNvPr id="3" name="テキスト ボックス 2">
+            <a:extLst>
+              <a:ext uri="{FF2B5EF4-FFF2-40B4-BE49-F238E27FC236}">
+                <a16:creationId xmlns:a16="http://schemas.microsoft.com/office/drawing/2014/main" id="{EE1C98C6-936C-4DCE-96A5-3E2281B33AB7}"/>
+              </a:ext>
+            </a:extLst>
+          </p:cNvPr>
+          <p:cNvSpPr txBox="1"/>
+          <p:nvPr/>
+        </p:nvSpPr>
+        <p:spPr>
+          <a:xfrm>
+            <a:off x="401807" y="1144844"/>
+            <a:ext cx="6495689" cy="461665"/>
+          </a:xfrm>
+          <a:prstGeom prst="rect">
+            <a:avLst/>
+          </a:prstGeom>
+          <a:noFill/>
+        </p:spPr>
+        <p:txBody>
+          <a:bodyPr wrap="none" rtlCol="0">
+            <a:spAutoFit/>
+          </a:bodyPr>
+          <a:lstStyle/>
+          <a:p>
+            <a:pPr marL="0" marR="0" lvl="0" indent="0" algn="l" defTabSz="914400" rtl="0" eaLnBrk="1" fontAlgn="auto" latinLnBrk="0" hangingPunct="1">
+              <a:lnSpc>
+                <a:spcPct val="100000"/>
+              </a:lnSpc>
+              <a:spcBef>
+                <a:spcPts val="0"/>
+              </a:spcBef>
+              <a:spcAft>
+                <a:spcPts val="0"/>
+              </a:spcAft>
+              <a:buClrTx/>
+              <a:buSzTx/>
+              <a:buFontTx/>
+              <a:buNone/>
+              <a:tabLst/>
+              <a:defRPr/>
+            </a:pPr>
+            <a:r>
+              <a:rPr kumimoji="1" lang="ja-JP" altLang="en-US" sz="2400" b="0" i="0" u="none" strike="noStrike" kern="1200" cap="none" spc="0" normalizeH="0" baseline="0" noProof="0" dirty="0">
+                <a:ln>
+                  <a:noFill/>
+                </a:ln>
+                <a:solidFill>
+                  <a:prstClr val="black"/>
+                </a:solidFill>
+                <a:effectLst/>
+                <a:uLnTx/>
+                <a:uFillTx/>
+                <a:latin typeface="ＭＳ ゴシック" panose="020B0609070205080204" pitchFamily="49" charset="-128"/>
+                <a:ea typeface="ＭＳ ゴシック" panose="020B0609070205080204" pitchFamily="49" charset="-128"/>
+              </a:rPr>
+              <a:t>このゲームは，</a:t>
+            </a:r>
+            <a:r>
+              <a:rPr kumimoji="1" lang="en-US" altLang="ja-JP" sz="2400" b="0" i="0" u="none" strike="noStrike" kern="1200" cap="none" spc="0" normalizeH="0" baseline="0" noProof="0" dirty="0">
+                <a:ln>
+                  <a:noFill/>
+                </a:ln>
+                <a:solidFill>
+                  <a:prstClr val="black"/>
+                </a:solidFill>
+                <a:effectLst/>
+                <a:uLnTx/>
+                <a:uFillTx/>
+                <a:latin typeface="ＭＳ ゴシック" panose="020B0609070205080204" pitchFamily="49" charset="-128"/>
+                <a:ea typeface="ＭＳ ゴシック" panose="020B0609070205080204" pitchFamily="49" charset="-128"/>
+              </a:rPr>
+              <a:t>3</a:t>
+            </a:r>
+            <a:r>
+              <a:rPr kumimoji="1" lang="ja-JP" altLang="en-US" sz="2400" b="0" i="0" u="none" strike="noStrike" kern="1200" cap="none" spc="0" normalizeH="0" baseline="0" noProof="0" dirty="0">
+                <a:ln>
+                  <a:noFill/>
+                </a:ln>
+                <a:solidFill>
+                  <a:prstClr val="black"/>
+                </a:solidFill>
+                <a:effectLst/>
+                <a:uLnTx/>
+                <a:uFillTx/>
+                <a:latin typeface="ＭＳ ゴシック" panose="020B0609070205080204" pitchFamily="49" charset="-128"/>
+                <a:ea typeface="ＭＳ ゴシック" panose="020B0609070205080204" pitchFamily="49" charset="-128"/>
+              </a:rPr>
+              <a:t>人のプレイヤーで行うゲーム</a:t>
+            </a:r>
+          </a:p>
+        </p:txBody>
+      </p:sp>
+      <p:sp>
+        <p:nvSpPr>
+          <p:cNvPr id="4" name="テキスト ボックス 3">
+            <a:extLst>
+              <a:ext uri="{FF2B5EF4-FFF2-40B4-BE49-F238E27FC236}">
+                <a16:creationId xmlns:a16="http://schemas.microsoft.com/office/drawing/2014/main" id="{24ABC9CC-B55C-4D42-85DE-2F5ABE7A8D68}"/>
+              </a:ext>
+            </a:extLst>
+          </p:cNvPr>
+          <p:cNvSpPr txBox="1"/>
+          <p:nvPr/>
+        </p:nvSpPr>
+        <p:spPr>
+          <a:xfrm>
+            <a:off x="425509" y="1827420"/>
+            <a:ext cx="9793065" cy="1938992"/>
+          </a:xfrm>
+          <a:prstGeom prst="rect">
+            <a:avLst/>
+          </a:prstGeom>
+          <a:noFill/>
+        </p:spPr>
+        <p:txBody>
+          <a:bodyPr wrap="none" rtlCol="0">
+            <a:spAutoFit/>
+          </a:bodyPr>
+          <a:lstStyle/>
+          <a:p>
+            <a:pPr marL="342900" marR="0" lvl="0" indent="-342900" algn="l" defTabSz="914400" rtl="0" eaLnBrk="1" fontAlgn="auto" latinLnBrk="0" hangingPunct="1">
+              <a:lnSpc>
+                <a:spcPct val="100000"/>
+              </a:lnSpc>
+              <a:spcBef>
+                <a:spcPts val="0"/>
+              </a:spcBef>
+              <a:spcAft>
+                <a:spcPts val="0"/>
+              </a:spcAft>
+              <a:buClrTx/>
+              <a:buSzTx/>
+              <a:buFont typeface="+mj-ea"/>
+              <a:buAutoNum type="circleNumDbPlain"/>
+              <a:tabLst/>
+              <a:defRPr/>
+            </a:pPr>
+            <a:r>
+              <a:rPr kumimoji="1" lang="ja-JP" altLang="en-US" sz="2400" b="0" i="0" u="none" strike="noStrike" kern="1200" cap="none" spc="0" normalizeH="0" baseline="0" noProof="0" dirty="0">
+                <a:ln>
+                  <a:noFill/>
+                </a:ln>
+                <a:solidFill>
+                  <a:prstClr val="black"/>
+                </a:solidFill>
+                <a:effectLst/>
+                <a:uLnTx/>
+                <a:uFillTx/>
+                <a:latin typeface="ＭＳ ゴシック" panose="020B0609070205080204" pitchFamily="49" charset="-128"/>
+                <a:ea typeface="ＭＳ ゴシック" panose="020B0609070205080204" pitchFamily="49" charset="-128"/>
+              </a:rPr>
+              <a:t>プレイヤー</a:t>
+            </a:r>
+            <a:r>
+              <a:rPr kumimoji="1" lang="en-US" altLang="ja-JP" sz="2400" b="0" i="0" u="none" strike="noStrike" kern="1200" cap="none" spc="0" normalizeH="0" baseline="0" noProof="0" dirty="0">
+                <a:ln>
+                  <a:noFill/>
+                </a:ln>
+                <a:solidFill>
+                  <a:prstClr val="black"/>
+                </a:solidFill>
+                <a:effectLst/>
+                <a:uLnTx/>
+                <a:uFillTx/>
+                <a:latin typeface="ＭＳ ゴシック" panose="020B0609070205080204" pitchFamily="49" charset="-128"/>
+                <a:ea typeface="ＭＳ ゴシック" panose="020B0609070205080204" pitchFamily="49" charset="-128"/>
+              </a:rPr>
+              <a:t>3</a:t>
+            </a:r>
+            <a:r>
+              <a:rPr kumimoji="1" lang="ja-JP" altLang="en-US" sz="2400" b="0" i="0" u="none" strike="noStrike" kern="1200" cap="none" spc="0" normalizeH="0" baseline="0" noProof="0" dirty="0">
+                <a:ln>
+                  <a:noFill/>
+                </a:ln>
+                <a:solidFill>
+                  <a:prstClr val="black"/>
+                </a:solidFill>
+                <a:effectLst/>
+                <a:uLnTx/>
+                <a:uFillTx/>
+                <a:latin typeface="ＭＳ ゴシック" panose="020B0609070205080204" pitchFamily="49" charset="-128"/>
+                <a:ea typeface="ＭＳ ゴシック" panose="020B0609070205080204" pitchFamily="49" charset="-128"/>
+              </a:rPr>
+              <a:t>人が入口から出発</a:t>
+            </a:r>
+            <a:endParaRPr kumimoji="1" lang="en-US" altLang="ja-JP" sz="2400" b="0" i="0" u="none" strike="noStrike" kern="1200" cap="none" spc="0" normalizeH="0" baseline="0" noProof="0" dirty="0">
+              <a:ln>
+                <a:noFill/>
+              </a:ln>
+              <a:solidFill>
+                <a:prstClr val="black"/>
+              </a:solidFill>
+              <a:effectLst/>
+              <a:uLnTx/>
+              <a:uFillTx/>
+              <a:latin typeface="ＭＳ ゴシック" panose="020B0609070205080204" pitchFamily="49" charset="-128"/>
+              <a:ea typeface="ＭＳ ゴシック" panose="020B0609070205080204" pitchFamily="49" charset="-128"/>
+            </a:endParaRPr>
+          </a:p>
+          <a:p>
+            <a:pPr marL="342900" marR="0" lvl="0" indent="-342900" algn="l" defTabSz="914400" rtl="0" eaLnBrk="1" fontAlgn="auto" latinLnBrk="0" hangingPunct="1">
+              <a:lnSpc>
+                <a:spcPct val="100000"/>
+              </a:lnSpc>
+              <a:spcBef>
+                <a:spcPts val="0"/>
+              </a:spcBef>
+              <a:spcAft>
+                <a:spcPts val="0"/>
+              </a:spcAft>
+              <a:buClrTx/>
+              <a:buSzTx/>
+              <a:buFont typeface="+mj-ea"/>
+              <a:buAutoNum type="circleNumDbPlain"/>
+              <a:tabLst/>
+              <a:defRPr/>
+            </a:pPr>
+            <a:endParaRPr kumimoji="1" lang="en-US" altLang="ja-JP" sz="1200" b="0" i="0" u="none" strike="noStrike" kern="1200" cap="none" spc="0" normalizeH="0" baseline="0" noProof="0" dirty="0">
+              <a:ln>
+                <a:noFill/>
+              </a:ln>
+              <a:solidFill>
+                <a:prstClr val="black"/>
+              </a:solidFill>
+              <a:effectLst/>
+              <a:uLnTx/>
+              <a:uFillTx/>
+              <a:latin typeface="ＭＳ ゴシック" panose="020B0609070205080204" pitchFamily="49" charset="-128"/>
+              <a:ea typeface="ＭＳ ゴシック" panose="020B0609070205080204" pitchFamily="49" charset="-128"/>
+            </a:endParaRPr>
+          </a:p>
+          <a:p>
+            <a:pPr marL="342900" marR="0" lvl="0" indent="-342900" algn="l" defTabSz="914400" rtl="0" eaLnBrk="1" fontAlgn="auto" latinLnBrk="0" hangingPunct="1">
+              <a:lnSpc>
+                <a:spcPct val="100000"/>
+              </a:lnSpc>
+              <a:spcBef>
+                <a:spcPts val="0"/>
+              </a:spcBef>
+              <a:spcAft>
+                <a:spcPts val="0"/>
+              </a:spcAft>
+              <a:buClrTx/>
+              <a:buSzTx/>
+              <a:buFont typeface="+mj-ea"/>
+              <a:buAutoNum type="circleNumDbPlain"/>
+              <a:tabLst/>
+              <a:defRPr/>
+            </a:pPr>
+            <a:r>
+              <a:rPr kumimoji="1" lang="ja-JP" altLang="en-US" sz="2400" b="0" i="0" u="none" strike="noStrike" kern="1200" cap="none" spc="0" normalizeH="0" baseline="0" noProof="0" dirty="0">
+                <a:ln>
+                  <a:noFill/>
+                </a:ln>
+                <a:solidFill>
+                  <a:prstClr val="black"/>
+                </a:solidFill>
+                <a:effectLst/>
+                <a:uLnTx/>
+                <a:uFillTx/>
+                <a:latin typeface="ＭＳ ゴシック" panose="020B0609070205080204" pitchFamily="49" charset="-128"/>
+                <a:ea typeface="ＭＳ ゴシック" panose="020B0609070205080204" pitchFamily="49" charset="-128"/>
+              </a:rPr>
+              <a:t>プレイヤーは，ステージに配置されている金塊を奪い返しに行く</a:t>
+            </a:r>
+            <a:endParaRPr kumimoji="1" lang="en-US" altLang="ja-JP" sz="2400" b="0" i="0" u="none" strike="noStrike" kern="1200" cap="none" spc="0" normalizeH="0" baseline="0" noProof="0" dirty="0">
+              <a:ln>
+                <a:noFill/>
+              </a:ln>
+              <a:solidFill>
+                <a:prstClr val="black"/>
+              </a:solidFill>
+              <a:effectLst/>
+              <a:uLnTx/>
+              <a:uFillTx/>
+              <a:latin typeface="ＭＳ ゴシック" panose="020B0609070205080204" pitchFamily="49" charset="-128"/>
+              <a:ea typeface="ＭＳ ゴシック" panose="020B0609070205080204" pitchFamily="49" charset="-128"/>
+            </a:endParaRPr>
+          </a:p>
+          <a:p>
+            <a:pPr marL="342900" marR="0" lvl="0" indent="-342900" algn="l" defTabSz="914400" rtl="0" eaLnBrk="1" fontAlgn="auto" latinLnBrk="0" hangingPunct="1">
+              <a:lnSpc>
+                <a:spcPct val="100000"/>
+              </a:lnSpc>
+              <a:spcBef>
+                <a:spcPts val="0"/>
+              </a:spcBef>
+              <a:spcAft>
+                <a:spcPts val="0"/>
+              </a:spcAft>
+              <a:buClrTx/>
+              <a:buSzTx/>
+              <a:buFont typeface="+mj-ea"/>
+              <a:buAutoNum type="circleNumDbPlain"/>
+              <a:tabLst/>
+              <a:defRPr/>
+            </a:pPr>
+            <a:endParaRPr kumimoji="1" lang="en-US" altLang="ja-JP" sz="1200" b="0" i="0" u="none" strike="noStrike" kern="1200" cap="none" spc="0" normalizeH="0" baseline="0" noProof="0" dirty="0">
+              <a:ln>
+                <a:noFill/>
+              </a:ln>
+              <a:solidFill>
+                <a:prstClr val="black"/>
+              </a:solidFill>
+              <a:effectLst/>
+              <a:uLnTx/>
+              <a:uFillTx/>
+              <a:latin typeface="ＭＳ ゴシック" panose="020B0609070205080204" pitchFamily="49" charset="-128"/>
+              <a:ea typeface="ＭＳ ゴシック" panose="020B0609070205080204" pitchFamily="49" charset="-128"/>
+            </a:endParaRPr>
+          </a:p>
+          <a:p>
+            <a:pPr marL="342900" marR="0" lvl="0" indent="-342900" algn="l" defTabSz="914400" rtl="0" eaLnBrk="1" fontAlgn="auto" latinLnBrk="0" hangingPunct="1">
+              <a:lnSpc>
+                <a:spcPct val="100000"/>
+              </a:lnSpc>
+              <a:spcBef>
+                <a:spcPts val="0"/>
+              </a:spcBef>
+              <a:spcAft>
+                <a:spcPts val="0"/>
+              </a:spcAft>
+              <a:buClrTx/>
+              <a:buSzTx/>
+              <a:buFont typeface="+mj-ea"/>
+              <a:buAutoNum type="circleNumDbPlain"/>
+              <a:tabLst/>
+              <a:defRPr/>
+            </a:pPr>
+            <a:r>
+              <a:rPr kumimoji="1" lang="ja-JP" altLang="en-US" sz="2400" b="0" i="0" u="none" strike="noStrike" kern="1200" cap="none" spc="0" normalizeH="0" baseline="0" noProof="0" dirty="0">
+                <a:ln>
+                  <a:noFill/>
+                </a:ln>
+                <a:solidFill>
+                  <a:prstClr val="black"/>
+                </a:solidFill>
+                <a:effectLst/>
+                <a:uLnTx/>
+                <a:uFillTx/>
+                <a:latin typeface="ＭＳ ゴシック" panose="020B0609070205080204" pitchFamily="49" charset="-128"/>
+                <a:ea typeface="ＭＳ ゴシック" panose="020B0609070205080204" pitchFamily="49" charset="-128"/>
+              </a:rPr>
+              <a:t>ステージに配置されている</a:t>
+            </a:r>
+            <a:r>
+              <a:rPr kumimoji="1" lang="en-US" altLang="ja-JP" sz="2400" b="0" i="0" u="none" strike="noStrike" kern="1200" cap="none" spc="0" normalizeH="0" baseline="0" noProof="0" dirty="0">
+                <a:ln>
+                  <a:noFill/>
+                </a:ln>
+                <a:solidFill>
+                  <a:prstClr val="black"/>
+                </a:solidFill>
+                <a:effectLst/>
+                <a:uLnTx/>
+                <a:uFillTx/>
+                <a:latin typeface="ＭＳ ゴシック" panose="020B0609070205080204" pitchFamily="49" charset="-128"/>
+                <a:ea typeface="ＭＳ ゴシック" panose="020B0609070205080204" pitchFamily="49" charset="-128"/>
+              </a:rPr>
+              <a:t>NPC</a:t>
+            </a:r>
+            <a:r>
+              <a:rPr kumimoji="1" lang="ja-JP" altLang="en-US" sz="2400" b="0" i="0" u="none" strike="noStrike" kern="1200" cap="none" spc="0" normalizeH="0" baseline="0" noProof="0" dirty="0">
+                <a:ln>
+                  <a:noFill/>
+                </a:ln>
+                <a:solidFill>
+                  <a:prstClr val="black"/>
+                </a:solidFill>
+                <a:effectLst/>
+                <a:uLnTx/>
+                <a:uFillTx/>
+                <a:latin typeface="ＭＳ ゴシック" panose="020B0609070205080204" pitchFamily="49" charset="-128"/>
+                <a:ea typeface="ＭＳ ゴシック" panose="020B0609070205080204" pitchFamily="49" charset="-128"/>
+              </a:rPr>
+              <a:t>・監視カメラに見つからないように</a:t>
+            </a:r>
+            <a:endParaRPr kumimoji="1" lang="en-US" altLang="ja-JP" sz="2400" b="0" i="0" u="none" strike="noStrike" kern="1200" cap="none" spc="0" normalizeH="0" baseline="0" noProof="0" dirty="0">
+              <a:ln>
+                <a:noFill/>
+              </a:ln>
+              <a:solidFill>
+                <a:prstClr val="black"/>
+              </a:solidFill>
+              <a:effectLst/>
+              <a:uLnTx/>
+              <a:uFillTx/>
+              <a:latin typeface="ＭＳ ゴシック" panose="020B0609070205080204" pitchFamily="49" charset="-128"/>
+              <a:ea typeface="ＭＳ ゴシック" panose="020B0609070205080204" pitchFamily="49" charset="-128"/>
+            </a:endParaRPr>
+          </a:p>
+          <a:p>
+            <a:pPr marL="0" marR="0" lvl="0" indent="0" algn="l" defTabSz="914400" rtl="0" eaLnBrk="1" fontAlgn="auto" latinLnBrk="0" hangingPunct="1">
+              <a:lnSpc>
+                <a:spcPct val="100000"/>
+              </a:lnSpc>
+              <a:spcBef>
+                <a:spcPts val="0"/>
+              </a:spcBef>
+              <a:spcAft>
+                <a:spcPts val="0"/>
+              </a:spcAft>
+              <a:buClrTx/>
+              <a:buSzTx/>
+              <a:buFontTx/>
+              <a:buNone/>
+              <a:tabLst/>
+              <a:defRPr/>
+            </a:pPr>
+            <a:r>
+              <a:rPr kumimoji="1" lang="ja-JP" altLang="en-US" sz="2400" b="0" i="0" u="none" strike="noStrike" kern="1200" cap="none" spc="0" normalizeH="0" baseline="0" noProof="0" dirty="0">
+                <a:ln>
+                  <a:noFill/>
+                </a:ln>
+                <a:solidFill>
+                  <a:prstClr val="black"/>
+                </a:solidFill>
+                <a:effectLst/>
+                <a:uLnTx/>
+                <a:uFillTx/>
+                <a:latin typeface="ＭＳ ゴシック" panose="020B0609070205080204" pitchFamily="49" charset="-128"/>
+                <a:ea typeface="ＭＳ ゴシック" panose="020B0609070205080204" pitchFamily="49" charset="-128"/>
+              </a:rPr>
+              <a:t>　出口から脱出する</a:t>
+            </a:r>
+          </a:p>
+        </p:txBody>
+      </p:sp>
+      <p:sp>
+        <p:nvSpPr>
+          <p:cNvPr id="8" name="テキスト ボックス 7">
+            <a:extLst>
+              <a:ext uri="{FF2B5EF4-FFF2-40B4-BE49-F238E27FC236}">
+                <a16:creationId xmlns:a16="http://schemas.microsoft.com/office/drawing/2014/main" id="{8632CEF1-81AB-4E6B-BBC4-B8FE55D2BDAD}"/>
+              </a:ext>
+            </a:extLst>
+          </p:cNvPr>
+          <p:cNvSpPr txBox="1"/>
+          <p:nvPr/>
+        </p:nvSpPr>
+        <p:spPr>
+          <a:xfrm>
+            <a:off x="425509" y="4020966"/>
+            <a:ext cx="1620957" cy="523220"/>
+          </a:xfrm>
+          <a:prstGeom prst="rect">
+            <a:avLst/>
+          </a:prstGeom>
+          <a:noFill/>
+        </p:spPr>
+        <p:txBody>
+          <a:bodyPr wrap="none" rtlCol="0">
+            <a:spAutoFit/>
+          </a:bodyPr>
+          <a:lstStyle/>
+          <a:p>
+            <a:pPr marL="0" marR="0" lvl="0" indent="0" algn="l" defTabSz="914400" rtl="0" eaLnBrk="1" fontAlgn="auto" latinLnBrk="0" hangingPunct="1">
+              <a:lnSpc>
+                <a:spcPct val="100000"/>
+              </a:lnSpc>
+              <a:spcBef>
+                <a:spcPts val="0"/>
+              </a:spcBef>
+              <a:spcAft>
+                <a:spcPts val="0"/>
+              </a:spcAft>
+              <a:buClrTx/>
+              <a:buSzTx/>
+              <a:buFontTx/>
+              <a:buNone/>
+              <a:tabLst/>
+              <a:defRPr/>
+            </a:pPr>
+            <a:r>
+              <a:rPr kumimoji="1" lang="ja-JP" altLang="en-US" sz="2800" b="0" i="0" u="sng" strike="noStrike" kern="1200" cap="none" spc="0" normalizeH="0" baseline="0" noProof="0" dirty="0">
+                <a:ln>
+                  <a:noFill/>
+                </a:ln>
+                <a:solidFill>
+                  <a:srgbClr val="FF0000"/>
+                </a:solidFill>
+                <a:effectLst/>
+                <a:uLnTx/>
+                <a:uFillTx/>
+                <a:latin typeface="ＭＳ ゴシック" panose="020B0609070205080204" pitchFamily="49" charset="-128"/>
+                <a:ea typeface="ＭＳ ゴシック" panose="020B0609070205080204" pitchFamily="49" charset="-128"/>
+              </a:rPr>
+              <a:t>ポイント</a:t>
+            </a:r>
+          </a:p>
+        </p:txBody>
+      </p:sp>
+      <p:sp>
+        <p:nvSpPr>
+          <p:cNvPr id="31" name="テキスト ボックス 30">
+            <a:extLst>
+              <a:ext uri="{FF2B5EF4-FFF2-40B4-BE49-F238E27FC236}">
+                <a16:creationId xmlns:a16="http://schemas.microsoft.com/office/drawing/2014/main" id="{460EFFA1-7721-487B-AC5F-10802FCE0A1B}"/>
+              </a:ext>
+            </a:extLst>
+          </p:cNvPr>
+          <p:cNvSpPr txBox="1"/>
+          <p:nvPr/>
+        </p:nvSpPr>
+        <p:spPr>
+          <a:xfrm>
+            <a:off x="449211" y="4791538"/>
+            <a:ext cx="11112337" cy="1569660"/>
+          </a:xfrm>
+          <a:prstGeom prst="rect">
+            <a:avLst/>
+          </a:prstGeom>
+          <a:noFill/>
+        </p:spPr>
+        <p:txBody>
+          <a:bodyPr wrap="none" rtlCol="0">
+            <a:spAutoFit/>
+          </a:bodyPr>
+          <a:lstStyle/>
+          <a:p>
+            <a:pPr marL="457200" marR="0" lvl="0" indent="-457200" algn="l" defTabSz="914400" rtl="0" eaLnBrk="1" fontAlgn="auto" latinLnBrk="0" hangingPunct="1">
+              <a:lnSpc>
+                <a:spcPct val="100000"/>
+              </a:lnSpc>
+              <a:spcBef>
+                <a:spcPts val="0"/>
+              </a:spcBef>
+              <a:spcAft>
+                <a:spcPts val="0"/>
+              </a:spcAft>
+              <a:buClrTx/>
+              <a:buSzTx/>
+              <a:buFont typeface="+mj-ea"/>
+              <a:buAutoNum type="circleNumDbPlain"/>
+              <a:tabLst/>
+              <a:defRPr/>
+            </a:pPr>
+            <a:r>
+              <a:rPr kumimoji="1" lang="en-US" altLang="ja-JP" sz="2400" b="0" i="0" u="none" strike="noStrike" kern="1200" cap="none" spc="0" normalizeH="0" baseline="0" noProof="0" dirty="0">
+                <a:ln>
+                  <a:noFill/>
+                </a:ln>
+                <a:solidFill>
+                  <a:prstClr val="black"/>
+                </a:solidFill>
+                <a:effectLst/>
+                <a:uLnTx/>
+                <a:uFillTx/>
+                <a:latin typeface="ＭＳ ゴシック" panose="020B0609070205080204" pitchFamily="49" charset="-128"/>
+                <a:ea typeface="ＭＳ ゴシック" panose="020B0609070205080204" pitchFamily="49" charset="-128"/>
+              </a:rPr>
+              <a:t>NPC</a:t>
+            </a:r>
+            <a:r>
+              <a:rPr kumimoji="1" lang="ja-JP" altLang="en-US" sz="2400" b="0" i="0" u="none" strike="noStrike" kern="1200" cap="none" spc="0" normalizeH="0" baseline="0" noProof="0" dirty="0">
+                <a:ln>
+                  <a:noFill/>
+                </a:ln>
+                <a:solidFill>
+                  <a:prstClr val="black"/>
+                </a:solidFill>
+                <a:effectLst/>
+                <a:uLnTx/>
+                <a:uFillTx/>
+                <a:latin typeface="ＭＳ ゴシック" panose="020B0609070205080204" pitchFamily="49" charset="-128"/>
+                <a:ea typeface="ＭＳ ゴシック" panose="020B0609070205080204" pitchFamily="49" charset="-128"/>
+              </a:rPr>
+              <a:t>・監視カメラは，複数配置されており，ステージの難度を</a:t>
+            </a:r>
+            <a:r>
+              <a:rPr kumimoji="1" lang="en-US" altLang="ja-JP" sz="2400" b="0" i="0" u="none" strike="noStrike" kern="1200" cap="none" spc="0" normalizeH="0" baseline="0" noProof="0" dirty="0">
+                <a:ln>
+                  <a:noFill/>
+                </a:ln>
+                <a:solidFill>
+                  <a:prstClr val="black"/>
+                </a:solidFill>
+                <a:effectLst/>
+                <a:uLnTx/>
+                <a:uFillTx/>
+                <a:latin typeface="ＭＳ ゴシック" panose="020B0609070205080204" pitchFamily="49" charset="-128"/>
+                <a:ea typeface="ＭＳ ゴシック" panose="020B0609070205080204" pitchFamily="49" charset="-128"/>
+              </a:rPr>
+              <a:t>1</a:t>
+            </a:r>
+            <a:r>
+              <a:rPr kumimoji="1" lang="ja-JP" altLang="en-US" sz="2400" b="0" i="0" u="none" strike="noStrike" kern="1200" cap="none" spc="0" normalizeH="0" baseline="0" noProof="0" dirty="0">
+                <a:ln>
+                  <a:noFill/>
+                </a:ln>
+                <a:solidFill>
+                  <a:prstClr val="black"/>
+                </a:solidFill>
+                <a:effectLst/>
+                <a:uLnTx/>
+                <a:uFillTx/>
+                <a:latin typeface="ＭＳ ゴシック" panose="020B0609070205080204" pitchFamily="49" charset="-128"/>
+                <a:ea typeface="ＭＳ ゴシック" panose="020B0609070205080204" pitchFamily="49" charset="-128"/>
+              </a:rPr>
+              <a:t>人では，</a:t>
+            </a:r>
+            <a:endParaRPr kumimoji="1" lang="en-US" altLang="ja-JP" sz="2400" b="0" i="0" u="none" strike="noStrike" kern="1200" cap="none" spc="0" normalizeH="0" baseline="0" noProof="0" dirty="0">
+              <a:ln>
+                <a:noFill/>
+              </a:ln>
+              <a:solidFill>
+                <a:prstClr val="black"/>
+              </a:solidFill>
+              <a:effectLst/>
+              <a:uLnTx/>
+              <a:uFillTx/>
+              <a:latin typeface="ＭＳ ゴシック" panose="020B0609070205080204" pitchFamily="49" charset="-128"/>
+              <a:ea typeface="ＭＳ ゴシック" panose="020B0609070205080204" pitchFamily="49" charset="-128"/>
+            </a:endParaRPr>
+          </a:p>
+          <a:p>
+            <a:pPr marL="0" marR="0" lvl="0" indent="0" algn="l" defTabSz="914400" rtl="0" eaLnBrk="1" fontAlgn="auto" latinLnBrk="0" hangingPunct="1">
+              <a:lnSpc>
+                <a:spcPct val="100000"/>
+              </a:lnSpc>
+              <a:spcBef>
+                <a:spcPts val="0"/>
+              </a:spcBef>
+              <a:spcAft>
+                <a:spcPts val="0"/>
+              </a:spcAft>
+              <a:buClrTx/>
+              <a:buSzTx/>
+              <a:buFontTx/>
+              <a:buNone/>
+              <a:tabLst/>
+              <a:defRPr/>
+            </a:pPr>
+            <a:r>
+              <a:rPr kumimoji="1" lang="ja-JP" altLang="en-US" sz="2400" b="0" i="0" u="none" strike="noStrike" kern="1200" cap="none" spc="0" normalizeH="0" baseline="0" noProof="0" dirty="0">
+                <a:ln>
+                  <a:noFill/>
+                </a:ln>
+                <a:solidFill>
+                  <a:prstClr val="black"/>
+                </a:solidFill>
+                <a:effectLst/>
+                <a:uLnTx/>
+                <a:uFillTx/>
+                <a:latin typeface="ＭＳ ゴシック" panose="020B0609070205080204" pitchFamily="49" charset="-128"/>
+                <a:ea typeface="ＭＳ ゴシック" panose="020B0609070205080204" pitchFamily="49" charset="-128"/>
+              </a:rPr>
+              <a:t>　脱出できない難度に調整しているため，</a:t>
+            </a:r>
+            <a:r>
+              <a:rPr kumimoji="1" lang="en-US" altLang="ja-JP" sz="2400" b="0" i="0" u="sng" strike="noStrike" kern="1200" cap="none" spc="0" normalizeH="0" baseline="0" noProof="0" dirty="0">
+                <a:ln>
+                  <a:noFill/>
+                </a:ln>
+                <a:solidFill>
+                  <a:srgbClr val="FF0000"/>
+                </a:solidFill>
+                <a:effectLst/>
+                <a:uLnTx/>
+                <a:uFillTx/>
+                <a:latin typeface="ＭＳ ゴシック" panose="020B0609070205080204" pitchFamily="49" charset="-128"/>
+                <a:ea typeface="ＭＳ ゴシック" panose="020B0609070205080204" pitchFamily="49" charset="-128"/>
+              </a:rPr>
+              <a:t>3</a:t>
+            </a:r>
+            <a:r>
+              <a:rPr kumimoji="1" lang="ja-JP" altLang="en-US" sz="2400" b="0" i="0" u="sng" strike="noStrike" kern="1200" cap="none" spc="0" normalizeH="0" baseline="0" noProof="0" dirty="0">
+                <a:ln>
+                  <a:noFill/>
+                </a:ln>
+                <a:solidFill>
+                  <a:srgbClr val="FF0000"/>
+                </a:solidFill>
+                <a:effectLst/>
+                <a:uLnTx/>
+                <a:uFillTx/>
+                <a:latin typeface="ＭＳ ゴシック" panose="020B0609070205080204" pitchFamily="49" charset="-128"/>
+                <a:ea typeface="ＭＳ ゴシック" panose="020B0609070205080204" pitchFamily="49" charset="-128"/>
+              </a:rPr>
+              <a:t>人が協力しあわないと，脱出不可能</a:t>
+            </a:r>
+            <a:endParaRPr kumimoji="1" lang="en-US" altLang="ja-JP" sz="2400" b="0" i="0" u="sng" strike="noStrike" kern="1200" cap="none" spc="0" normalizeH="0" baseline="0" noProof="0" dirty="0">
+              <a:ln>
+                <a:noFill/>
+              </a:ln>
+              <a:solidFill>
+                <a:srgbClr val="FF0000"/>
+              </a:solidFill>
+              <a:effectLst/>
+              <a:uLnTx/>
+              <a:uFillTx/>
+              <a:latin typeface="ＭＳ ゴシック" panose="020B0609070205080204" pitchFamily="49" charset="-128"/>
+              <a:ea typeface="ＭＳ ゴシック" panose="020B0609070205080204" pitchFamily="49" charset="-128"/>
+            </a:endParaRPr>
+          </a:p>
+          <a:p>
+            <a:pPr marL="0" marR="0" lvl="0" indent="0" algn="l" defTabSz="914400" rtl="0" eaLnBrk="1" fontAlgn="auto" latinLnBrk="0" hangingPunct="1">
+              <a:lnSpc>
+                <a:spcPct val="100000"/>
+              </a:lnSpc>
+              <a:spcBef>
+                <a:spcPts val="0"/>
+              </a:spcBef>
+              <a:spcAft>
+                <a:spcPts val="0"/>
+              </a:spcAft>
+              <a:buClrTx/>
+              <a:buSzTx/>
+              <a:buFontTx/>
+              <a:buNone/>
+              <a:tabLst/>
+              <a:defRPr/>
+            </a:pPr>
+            <a:endParaRPr kumimoji="1" lang="en-US" altLang="ja-JP" sz="2400" b="0" i="0" u="sng" strike="noStrike" kern="1200" cap="none" spc="0" normalizeH="0" baseline="0" noProof="0" dirty="0">
+              <a:ln>
+                <a:noFill/>
+              </a:ln>
+              <a:solidFill>
+                <a:srgbClr val="FF0000"/>
+              </a:solidFill>
+              <a:effectLst/>
+              <a:uLnTx/>
+              <a:uFillTx/>
+              <a:latin typeface="ＭＳ ゴシック" panose="020B0609070205080204" pitchFamily="49" charset="-128"/>
+              <a:ea typeface="ＭＳ ゴシック" panose="020B0609070205080204" pitchFamily="49" charset="-128"/>
+            </a:endParaRPr>
+          </a:p>
+          <a:p>
+            <a:pPr marL="457200" marR="0" lvl="0" indent="-457200" algn="l" defTabSz="914400" rtl="0" eaLnBrk="1" fontAlgn="auto" latinLnBrk="0" hangingPunct="1">
+              <a:lnSpc>
+                <a:spcPct val="100000"/>
+              </a:lnSpc>
+              <a:spcBef>
+                <a:spcPts val="0"/>
+              </a:spcBef>
+              <a:spcAft>
+                <a:spcPts val="0"/>
+              </a:spcAft>
+              <a:buClrTx/>
+              <a:buSzTx/>
+              <a:buFont typeface="+mj-ea"/>
+              <a:buAutoNum type="circleNumDbPlain" startAt="2"/>
+              <a:tabLst/>
+              <a:defRPr/>
+            </a:pPr>
+            <a:r>
+              <a:rPr kumimoji="1" lang="ja-JP" altLang="en-US" sz="2400" b="0" i="0" u="none" strike="noStrike" kern="1200" cap="none" spc="0" normalizeH="0" baseline="0" noProof="0" dirty="0">
+                <a:ln>
+                  <a:noFill/>
+                </a:ln>
+                <a:solidFill>
+                  <a:prstClr val="black"/>
+                </a:solidFill>
+                <a:effectLst/>
+                <a:uLnTx/>
+                <a:uFillTx/>
+                <a:latin typeface="ＭＳ ゴシック" panose="020B0609070205080204" pitchFamily="49" charset="-128"/>
+                <a:ea typeface="ＭＳ ゴシック" panose="020B0609070205080204" pitchFamily="49" charset="-128"/>
+              </a:rPr>
+              <a:t>使用可能な</a:t>
+            </a:r>
+            <a:r>
+              <a:rPr kumimoji="1" lang="en-US" altLang="ja-JP" sz="2400" b="0" i="0" u="none" strike="noStrike" kern="1200" cap="none" spc="0" normalizeH="0" baseline="0" noProof="0" dirty="0">
+                <a:ln>
+                  <a:noFill/>
+                </a:ln>
+                <a:solidFill>
+                  <a:prstClr val="black"/>
+                </a:solidFill>
+                <a:effectLst/>
+                <a:uLnTx/>
+                <a:uFillTx/>
+                <a:latin typeface="ＭＳ ゴシック" panose="020B0609070205080204" pitchFamily="49" charset="-128"/>
+                <a:ea typeface="ＭＳ ゴシック" panose="020B0609070205080204" pitchFamily="49" charset="-128"/>
+              </a:rPr>
+              <a:t>3</a:t>
+            </a:r>
+            <a:r>
+              <a:rPr kumimoji="1" lang="ja-JP" altLang="en-US" sz="2400" b="0" i="0" u="sng" strike="noStrike" kern="1200" cap="none" spc="0" normalizeH="0" baseline="0" noProof="0" dirty="0">
+                <a:ln>
+                  <a:noFill/>
+                </a:ln>
+                <a:solidFill>
+                  <a:prstClr val="black"/>
+                </a:solidFill>
+                <a:effectLst/>
+                <a:uLnTx/>
+                <a:uFillTx/>
+                <a:latin typeface="ＭＳ ゴシック" panose="020B0609070205080204" pitchFamily="49" charset="-128"/>
+                <a:ea typeface="ＭＳ ゴシック" panose="020B0609070205080204" pitchFamily="49" charset="-128"/>
+              </a:rPr>
+              <a:t>つのツール</a:t>
+            </a:r>
+            <a:r>
+              <a:rPr kumimoji="1" lang="ja-JP" altLang="en-US" sz="2400" b="0" i="0" u="none" strike="noStrike" kern="1200" cap="none" spc="0" normalizeH="0" baseline="0" noProof="0" dirty="0">
+                <a:ln>
+                  <a:noFill/>
+                </a:ln>
+                <a:solidFill>
+                  <a:prstClr val="black"/>
+                </a:solidFill>
+                <a:effectLst/>
+                <a:uLnTx/>
+                <a:uFillTx/>
+                <a:latin typeface="ＭＳ ゴシック" panose="020B0609070205080204" pitchFamily="49" charset="-128"/>
+                <a:ea typeface="ＭＳ ゴシック" panose="020B0609070205080204" pitchFamily="49" charset="-128"/>
+              </a:rPr>
+              <a:t>によって，</a:t>
+            </a:r>
+            <a:r>
+              <a:rPr kumimoji="1" lang="ja-JP" altLang="en-US" sz="2400" b="0" i="0" u="sng" strike="noStrike" kern="1200" cap="none" spc="0" normalizeH="0" baseline="0" noProof="0" dirty="0">
+                <a:ln>
+                  <a:noFill/>
+                </a:ln>
+                <a:solidFill>
+                  <a:prstClr val="black"/>
+                </a:solidFill>
+                <a:effectLst/>
+                <a:uLnTx/>
+                <a:uFillTx/>
+                <a:latin typeface="ＭＳ ゴシック" panose="020B0609070205080204" pitchFamily="49" charset="-128"/>
+                <a:ea typeface="ＭＳ ゴシック" panose="020B0609070205080204" pitchFamily="49" charset="-128"/>
+              </a:rPr>
+              <a:t>脱出をサポート</a:t>
+            </a:r>
+            <a:endParaRPr kumimoji="1" lang="en-US" altLang="ja-JP" sz="2400" b="0" i="0" u="sng" strike="noStrike" kern="1200" cap="none" spc="0" normalizeH="0" baseline="0" noProof="0" dirty="0">
+              <a:ln>
+                <a:noFill/>
+              </a:ln>
+              <a:solidFill>
+                <a:prstClr val="black"/>
+              </a:solidFill>
+              <a:effectLst/>
+              <a:uLnTx/>
+              <a:uFillTx/>
+              <a:latin typeface="ＭＳ ゴシック" panose="020B0609070205080204" pitchFamily="49" charset="-128"/>
+              <a:ea typeface="ＭＳ ゴシック" panose="020B0609070205080204" pitchFamily="49" charset="-128"/>
+            </a:endParaRPr>
+          </a:p>
+        </p:txBody>
+      </p:sp>
+      <p:sp>
+        <p:nvSpPr>
+          <p:cNvPr id="9" name="スライド番号プレースホルダー 8">
+            <a:extLst>
+              <a:ext uri="{FF2B5EF4-FFF2-40B4-BE49-F238E27FC236}">
+                <a16:creationId xmlns:a16="http://schemas.microsoft.com/office/drawing/2014/main" id="{F1B0E938-C8D6-402A-B889-7FD825F21FAC}"/>
+              </a:ext>
+            </a:extLst>
+          </p:cNvPr>
+          <p:cNvSpPr>
+            <a:spLocks noGrp="1"/>
+          </p:cNvSpPr>
+          <p:nvPr>
+            <p:ph type="sldNum" sz="quarter" idx="12"/>
+          </p:nvPr>
+        </p:nvSpPr>
+        <p:spPr/>
+        <p:txBody>
+          <a:bodyPr/>
+          <a:lstStyle/>
+          <a:p>
+            <a:pPr marL="0" marR="0" lvl="0" indent="0" algn="r" defTabSz="914400" rtl="0" eaLnBrk="1" fontAlgn="auto" latinLnBrk="0" hangingPunct="1">
+              <a:lnSpc>
+                <a:spcPct val="100000"/>
+              </a:lnSpc>
+              <a:spcBef>
+                <a:spcPts val="0"/>
+              </a:spcBef>
+              <a:spcAft>
+                <a:spcPts val="0"/>
+              </a:spcAft>
+              <a:buClrTx/>
+              <a:buSzTx/>
+              <a:buFontTx/>
+              <a:buNone/>
+              <a:tabLst/>
+              <a:defRPr/>
+            </a:pPr>
+            <a:fld id="{A4CA1C59-5788-4CA8-919D-639ED9581D45}" type="slidenum">
+              <a:rPr kumimoji="0" lang="en-US" sz="2000" b="0" i="0" u="none" strike="noStrike" kern="1200" cap="none" spc="0" normalizeH="0" baseline="0" noProof="0" smtClean="0">
+                <a:ln>
+                  <a:noFill/>
+                </a:ln>
+                <a:solidFill>
+                  <a:prstClr val="black">
+                    <a:tint val="75000"/>
+                  </a:prstClr>
+                </a:solidFill>
+                <a:effectLst/>
+                <a:uLnTx/>
+                <a:uFillTx/>
+                <a:latin typeface="ＭＳ ゴシック" panose="020B0609070205080204" pitchFamily="49" charset="-128"/>
+                <a:ea typeface="ＭＳ ゴシック" panose="020B0609070205080204" pitchFamily="49" charset="-128"/>
+              </a:rPr>
+              <a:pPr marL="0" marR="0" lvl="0" indent="0" algn="r" defTabSz="914400" rtl="0" eaLnBrk="1" fontAlgn="auto" latinLnBrk="0" hangingPunct="1">
+                <a:lnSpc>
+                  <a:spcPct val="100000"/>
+                </a:lnSpc>
+                <a:spcBef>
+                  <a:spcPts val="0"/>
+                </a:spcBef>
+                <a:spcAft>
+                  <a:spcPts val="0"/>
+                </a:spcAft>
+                <a:buClrTx/>
+                <a:buSzTx/>
+                <a:buFontTx/>
+                <a:buNone/>
+                <a:tabLst/>
+                <a:defRPr/>
+              </a:pPr>
+              <a:t>3</a:t>
+            </a:fld>
+            <a:endParaRPr kumimoji="0" lang="en-US" sz="2000" b="0" i="0" u="none" strike="noStrike" kern="1200" cap="none" spc="0" normalizeH="0" baseline="0" noProof="0">
+              <a:ln>
+                <a:noFill/>
+              </a:ln>
+              <a:solidFill>
+                <a:prstClr val="black">
+                  <a:tint val="75000"/>
+                </a:prstClr>
+              </a:solidFill>
+              <a:effectLst/>
+              <a:uLnTx/>
+              <a:uFillTx/>
+              <a:latin typeface="ＭＳ ゴシック" panose="020B0609070205080204" pitchFamily="49" charset="-128"/>
+              <a:ea typeface="ＭＳ ゴシック" panose="020B0609070205080204" pitchFamily="49" charset="-128"/>
+            </a:endParaRPr>
+          </a:p>
+        </p:txBody>
+      </p:sp>
+    </p:spTree>
+    <p:extLst>
+      <p:ext uri="{BB962C8B-B14F-4D97-AF65-F5344CB8AC3E}">
+        <p14:creationId xmlns:p14="http://schemas.microsoft.com/office/powerpoint/2010/main" val="3418480834"/>
+      </p:ext>
+    </p:extLst>
+  </p:cSld>
+  <p:clrMapOvr>
+    <a:masterClrMapping/>
+  </p:clrMapOvr>
+</p:sld>
+</file>
+
+<file path=ppt/slides/slide4.xml><?xml version="1.0" encoding="utf-8"?>
+<p:sld xmlns:a="http://schemas.openxmlformats.org/drawingml/2006/main" xmlns:r="http://schemas.openxmlformats.org/officeDocument/2006/relationships" xmlns:p="http://schemas.openxmlformats.org/presentationml/2006/main">
+  <p:cSld>
+    <p:spTree>
+      <p:nvGrpSpPr>
+        <p:cNvPr id="1" name=""/>
+        <p:cNvGrpSpPr/>
+        <p:nvPr/>
+      </p:nvGrpSpPr>
+      <p:grpSpPr>
+        <a:xfrm>
+          <a:off x="0" y="0"/>
+          <a:ext cx="0" cy="0"/>
+          <a:chOff x="0" y="0"/>
+          <a:chExt cx="0" cy="0"/>
+        </a:xfrm>
+      </p:grpSpPr>
+      <p:sp>
+        <p:nvSpPr>
+          <p:cNvPr id="11" name="TextBox 10">
+            <a:extLst>
+              <a:ext uri="{FF2B5EF4-FFF2-40B4-BE49-F238E27FC236}">
+                <a16:creationId xmlns:a16="http://schemas.microsoft.com/office/drawing/2014/main" id="{DBCF25FA-F6D0-4AD1-B1E6-05832CAD4C08}"/>
+              </a:ext>
+            </a:extLst>
+          </p:cNvPr>
+          <p:cNvSpPr txBox="1"/>
+          <p:nvPr/>
+        </p:nvSpPr>
+        <p:spPr>
+          <a:xfrm>
+            <a:off x="6305050" y="170546"/>
+            <a:ext cx="4814299" cy="707886"/>
+          </a:xfrm>
+          <a:prstGeom prst="rect">
+            <a:avLst/>
+          </a:prstGeom>
+          <a:noFill/>
+        </p:spPr>
+        <p:txBody>
+          <a:bodyPr wrap="square" rtlCol="0" anchor="t">
+            <a:spAutoFit/>
+          </a:bodyPr>
+          <a:lstStyle/>
+          <a:p>
+            <a:pPr algn="r"/>
+            <a:r>
+              <a:rPr lang="ja-JP" altLang="en-US" sz="4000" b="1">
+                <a:solidFill>
+                  <a:srgbClr val="ED245C"/>
+                </a:solidFill>
+                <a:latin typeface="MS Gothic"/>
+                <a:ea typeface="MS Gothic"/>
+              </a:rPr>
+              <a:t>操作方法</a:t>
+            </a:r>
+          </a:p>
+        </p:txBody>
+      </p:sp>
+      <p:grpSp>
+        <p:nvGrpSpPr>
+          <p:cNvPr id="30" name="Group 29">
+            <a:extLst>
+              <a:ext uri="{FF2B5EF4-FFF2-40B4-BE49-F238E27FC236}">
+                <a16:creationId xmlns:a16="http://schemas.microsoft.com/office/drawing/2014/main" id="{B5C8D31D-ADA0-4D22-9A6B-8661CB1F0E81}"/>
+              </a:ext>
+            </a:extLst>
+          </p:cNvPr>
+          <p:cNvGrpSpPr/>
+          <p:nvPr/>
+        </p:nvGrpSpPr>
+        <p:grpSpPr>
+          <a:xfrm>
+            <a:off x="10429031" y="4301942"/>
+            <a:ext cx="696478" cy="284728"/>
+            <a:chOff x="6577013" y="4794250"/>
+            <a:chExt cx="3351213" cy="1370013"/>
+          </a:xfrm>
+          <a:solidFill>
+            <a:schemeClr val="bg1"/>
+          </a:solidFill>
+        </p:grpSpPr>
+        <p:sp>
+          <p:nvSpPr>
+            <p:cNvPr id="19" name="Freeform 15">
+              <a:extLst>
+                <a:ext uri="{FF2B5EF4-FFF2-40B4-BE49-F238E27FC236}">
+                  <a16:creationId xmlns:a16="http://schemas.microsoft.com/office/drawing/2014/main" id="{B96F1076-D2E4-4ED7-91EB-BFCFDD4160C2}"/>
+                </a:ext>
+              </a:extLst>
+            </p:cNvPr>
+            <p:cNvSpPr>
+              <a:spLocks/>
+            </p:cNvSpPr>
+            <p:nvPr/>
+          </p:nvSpPr>
+          <p:spPr bwMode="auto">
+            <a:xfrm>
+              <a:off x="7935913" y="5095875"/>
+              <a:ext cx="412750" cy="411163"/>
+            </a:xfrm>
+            <a:custGeom>
+              <a:avLst/>
+              <a:gdLst>
+                <a:gd name="T0" fmla="*/ 158 w 181"/>
+                <a:gd name="T1" fmla="*/ 0 h 181"/>
+                <a:gd name="T2" fmla="*/ 0 w 181"/>
+                <a:gd name="T3" fmla="*/ 158 h 181"/>
+                <a:gd name="T4" fmla="*/ 22 w 181"/>
+                <a:gd name="T5" fmla="*/ 181 h 181"/>
+                <a:gd name="T6" fmla="*/ 45 w 181"/>
+                <a:gd name="T7" fmla="*/ 158 h 181"/>
+                <a:gd name="T8" fmla="*/ 158 w 181"/>
+                <a:gd name="T9" fmla="*/ 45 h 181"/>
+                <a:gd name="T10" fmla="*/ 181 w 181"/>
+                <a:gd name="T11" fmla="*/ 22 h 181"/>
+                <a:gd name="T12" fmla="*/ 158 w 181"/>
+                <a:gd name="T13" fmla="*/ 0 h 181"/>
+              </a:gdLst>
+              <a:ahLst/>
+              <a:cxnLst>
+                <a:cxn ang="0">
+                  <a:pos x="T0" y="T1"/>
+                </a:cxn>
+                <a:cxn ang="0">
+                  <a:pos x="T2" y="T3"/>
+                </a:cxn>
+                <a:cxn ang="0">
+                  <a:pos x="T4" y="T5"/>
+                </a:cxn>
+                <a:cxn ang="0">
+                  <a:pos x="T6" y="T7"/>
+                </a:cxn>
+                <a:cxn ang="0">
+                  <a:pos x="T8" y="T9"/>
+                </a:cxn>
+                <a:cxn ang="0">
+                  <a:pos x="T10" y="T11"/>
+                </a:cxn>
+                <a:cxn ang="0">
+                  <a:pos x="T12" y="T13"/>
+                </a:cxn>
+              </a:cxnLst>
+              <a:rect l="0" t="0" r="r" b="b"/>
+              <a:pathLst>
+                <a:path w="181" h="181">
+                  <a:moveTo>
+                    <a:pt x="158" y="0"/>
+                  </a:moveTo>
+                  <a:cubicBezTo>
+                    <a:pt x="71" y="0"/>
+                    <a:pt x="0" y="71"/>
+                    <a:pt x="0" y="158"/>
+                  </a:cubicBezTo>
+                  <a:cubicBezTo>
+                    <a:pt x="0" y="171"/>
+                    <a:pt x="10" y="181"/>
+                    <a:pt x="22" y="181"/>
+                  </a:cubicBezTo>
+                  <a:cubicBezTo>
+                    <a:pt x="35" y="181"/>
+                    <a:pt x="45" y="171"/>
+                    <a:pt x="45" y="158"/>
+                  </a:cubicBezTo>
+                  <a:cubicBezTo>
+                    <a:pt x="45" y="96"/>
+                    <a:pt x="96" y="45"/>
+                    <a:pt x="158" y="45"/>
+                  </a:cubicBezTo>
+                  <a:cubicBezTo>
+                    <a:pt x="171" y="45"/>
+                    <a:pt x="181" y="35"/>
+                    <a:pt x="181" y="22"/>
+                  </a:cubicBezTo>
+                  <a:cubicBezTo>
+                    <a:pt x="181" y="10"/>
+                    <a:pt x="171" y="0"/>
+                    <a:pt x="158" y="0"/>
+                  </a:cubicBezTo>
+                  <a:close/>
+                </a:path>
+              </a:pathLst>
+            </a:custGeom>
+            <a:grpFill/>
+            <a:ln>
+              <a:noFill/>
+            </a:ln>
+            <a:extLst>
+              <a:ext uri="{91240B29-F687-4F45-9708-019B960494DF}">
+                <a14:hiddenLine xmlns:a14="http://schemas.microsoft.com/office/drawing/2010/main" w="9525">
+                  <a:solidFill>
+                    <a:srgbClr val="000000"/>
+                  </a:solidFill>
+                  <a:round/>
+                  <a:headEnd/>
+                  <a:tailEnd/>
+                </a14:hiddenLine>
+              </a:ext>
+            </a:extLst>
+          </p:spPr>
+          <p:txBody>
+            <a:bodyPr vert="horz" wrap="square" lIns="91440" tIns="45720" rIns="91440" bIns="45720" numCol="1" anchor="t" anchorCtr="0" compatLnSpc="1">
+              <a:prstTxWarp prst="textNoShape">
+                <a:avLst/>
+              </a:prstTxWarp>
+            </a:bodyPr>
+            <a:lstStyle/>
+            <a:p>
+              <a:endParaRPr lang="en-US"/>
+            </a:p>
+          </p:txBody>
+        </p:sp>
+        <p:sp>
+          <p:nvSpPr>
+            <p:cNvPr id="20" name="Freeform 16">
+              <a:extLst>
+                <a:ext uri="{FF2B5EF4-FFF2-40B4-BE49-F238E27FC236}">
+                  <a16:creationId xmlns:a16="http://schemas.microsoft.com/office/drawing/2014/main" id="{5DA03FF2-5367-4CCE-B203-8016EB4156F0}"/>
+                </a:ext>
+              </a:extLst>
+            </p:cNvPr>
+            <p:cNvSpPr>
+              <a:spLocks noEditPoints="1"/>
+            </p:cNvSpPr>
+            <p:nvPr/>
+          </p:nvSpPr>
+          <p:spPr bwMode="auto">
+            <a:xfrm>
+              <a:off x="6577013" y="4794250"/>
+              <a:ext cx="3351213" cy="1339850"/>
+            </a:xfrm>
+            <a:custGeom>
+              <a:avLst/>
+              <a:gdLst>
+                <a:gd name="T0" fmla="*/ 932 w 1472"/>
+                <a:gd name="T1" fmla="*/ 92 h 591"/>
+                <a:gd name="T2" fmla="*/ 727 w 1472"/>
+                <a:gd name="T3" fmla="*/ 0 h 591"/>
+                <a:gd name="T4" fmla="*/ 522 w 1472"/>
+                <a:gd name="T5" fmla="*/ 92 h 591"/>
+                <a:gd name="T6" fmla="*/ 0 w 1472"/>
+                <a:gd name="T7" fmla="*/ 92 h 591"/>
+                <a:gd name="T8" fmla="*/ 0 w 1472"/>
+                <a:gd name="T9" fmla="*/ 476 h 591"/>
+                <a:gd name="T10" fmla="*/ 503 w 1472"/>
+                <a:gd name="T11" fmla="*/ 476 h 591"/>
+                <a:gd name="T12" fmla="*/ 727 w 1472"/>
+                <a:gd name="T13" fmla="*/ 591 h 591"/>
+                <a:gd name="T14" fmla="*/ 951 w 1472"/>
+                <a:gd name="T15" fmla="*/ 476 h 591"/>
+                <a:gd name="T16" fmla="*/ 1472 w 1472"/>
+                <a:gd name="T17" fmla="*/ 476 h 591"/>
+                <a:gd name="T18" fmla="*/ 1472 w 1472"/>
+                <a:gd name="T19" fmla="*/ 92 h 591"/>
+                <a:gd name="T20" fmla="*/ 932 w 1472"/>
+                <a:gd name="T21" fmla="*/ 92 h 591"/>
+                <a:gd name="T22" fmla="*/ 448 w 1472"/>
+                <a:gd name="T23" fmla="*/ 380 h 591"/>
+                <a:gd name="T24" fmla="*/ 64 w 1472"/>
+                <a:gd name="T25" fmla="*/ 380 h 591"/>
+                <a:gd name="T26" fmla="*/ 64 w 1472"/>
+                <a:gd name="T27" fmla="*/ 316 h 591"/>
+                <a:gd name="T28" fmla="*/ 448 w 1472"/>
+                <a:gd name="T29" fmla="*/ 316 h 591"/>
+                <a:gd name="T30" fmla="*/ 448 w 1472"/>
+                <a:gd name="T31" fmla="*/ 380 h 591"/>
+                <a:gd name="T32" fmla="*/ 448 w 1472"/>
+                <a:gd name="T33" fmla="*/ 252 h 591"/>
+                <a:gd name="T34" fmla="*/ 64 w 1472"/>
+                <a:gd name="T35" fmla="*/ 252 h 591"/>
+                <a:gd name="T36" fmla="*/ 64 w 1472"/>
+                <a:gd name="T37" fmla="*/ 188 h 591"/>
+                <a:gd name="T38" fmla="*/ 448 w 1472"/>
+                <a:gd name="T39" fmla="*/ 188 h 591"/>
+                <a:gd name="T40" fmla="*/ 448 w 1472"/>
+                <a:gd name="T41" fmla="*/ 252 h 591"/>
+                <a:gd name="T42" fmla="*/ 855 w 1472"/>
+                <a:gd name="T43" fmla="*/ 464 h 591"/>
+                <a:gd name="T44" fmla="*/ 727 w 1472"/>
+                <a:gd name="T45" fmla="*/ 507 h 591"/>
+                <a:gd name="T46" fmla="*/ 600 w 1472"/>
+                <a:gd name="T47" fmla="*/ 464 h 591"/>
+                <a:gd name="T48" fmla="*/ 512 w 1472"/>
+                <a:gd name="T49" fmla="*/ 291 h 591"/>
+                <a:gd name="T50" fmla="*/ 636 w 1472"/>
+                <a:gd name="T51" fmla="*/ 96 h 591"/>
+                <a:gd name="T52" fmla="*/ 727 w 1472"/>
+                <a:gd name="T53" fmla="*/ 76 h 591"/>
+                <a:gd name="T54" fmla="*/ 818 w 1472"/>
+                <a:gd name="T55" fmla="*/ 96 h 591"/>
+                <a:gd name="T56" fmla="*/ 942 w 1472"/>
+                <a:gd name="T57" fmla="*/ 291 h 591"/>
+                <a:gd name="T58" fmla="*/ 855 w 1472"/>
+                <a:gd name="T59" fmla="*/ 464 h 591"/>
+                <a:gd name="T60" fmla="*/ 1408 w 1472"/>
+                <a:gd name="T61" fmla="*/ 380 h 591"/>
+                <a:gd name="T62" fmla="*/ 1024 w 1472"/>
+                <a:gd name="T63" fmla="*/ 380 h 591"/>
+                <a:gd name="T64" fmla="*/ 1024 w 1472"/>
+                <a:gd name="T65" fmla="*/ 316 h 591"/>
+                <a:gd name="T66" fmla="*/ 1408 w 1472"/>
+                <a:gd name="T67" fmla="*/ 316 h 591"/>
+                <a:gd name="T68" fmla="*/ 1408 w 1472"/>
+                <a:gd name="T69" fmla="*/ 380 h 591"/>
+                <a:gd name="T70" fmla="*/ 1408 w 1472"/>
+                <a:gd name="T71" fmla="*/ 252 h 591"/>
+                <a:gd name="T72" fmla="*/ 1024 w 1472"/>
+                <a:gd name="T73" fmla="*/ 252 h 591"/>
+                <a:gd name="T74" fmla="*/ 1024 w 1472"/>
+                <a:gd name="T75" fmla="*/ 188 h 591"/>
+                <a:gd name="T76" fmla="*/ 1408 w 1472"/>
+                <a:gd name="T77" fmla="*/ 188 h 591"/>
+                <a:gd name="T78" fmla="*/ 1408 w 1472"/>
+                <a:gd name="T79" fmla="*/ 252 h 591"/>
+              </a:gdLst>
+              <a:ahLst/>
+              <a:cxnLst>
+                <a:cxn ang="0">
+                  <a:pos x="T0" y="T1"/>
+                </a:cxn>
+                <a:cxn ang="0">
+                  <a:pos x="T2" y="T3"/>
+                </a:cxn>
+                <a:cxn ang="0">
+                  <a:pos x="T4" y="T5"/>
+                </a:cxn>
+                <a:cxn ang="0">
+                  <a:pos x="T6" y="T7"/>
+                </a:cxn>
+                <a:cxn ang="0">
+                  <a:pos x="T8" y="T9"/>
+                </a:cxn>
+                <a:cxn ang="0">
+                  <a:pos x="T10" y="T11"/>
+                </a:cxn>
+                <a:cxn ang="0">
+                  <a:pos x="T12" y="T13"/>
+                </a:cxn>
+                <a:cxn ang="0">
+                  <a:pos x="T14" y="T15"/>
+                </a:cxn>
+                <a:cxn ang="0">
+                  <a:pos x="T16" y="T17"/>
+                </a:cxn>
+                <a:cxn ang="0">
+                  <a:pos x="T18" y="T19"/>
+                </a:cxn>
+                <a:cxn ang="0">
+                  <a:pos x="T20" y="T21"/>
+                </a:cxn>
+                <a:cxn ang="0">
+                  <a:pos x="T22" y="T23"/>
+                </a:cxn>
+                <a:cxn ang="0">
+                  <a:pos x="T24" y="T25"/>
+                </a:cxn>
+                <a:cxn ang="0">
+                  <a:pos x="T26" y="T27"/>
+                </a:cxn>
+                <a:cxn ang="0">
+                  <a:pos x="T28" y="T29"/>
+                </a:cxn>
+                <a:cxn ang="0">
+                  <a:pos x="T30" y="T31"/>
+                </a:cxn>
+                <a:cxn ang="0">
+                  <a:pos x="T32" y="T33"/>
+                </a:cxn>
+                <a:cxn ang="0">
+                  <a:pos x="T34" y="T35"/>
+                </a:cxn>
+                <a:cxn ang="0">
+                  <a:pos x="T36" y="T37"/>
+                </a:cxn>
+                <a:cxn ang="0">
+                  <a:pos x="T38" y="T39"/>
+                </a:cxn>
+                <a:cxn ang="0">
+                  <a:pos x="T40" y="T41"/>
+                </a:cxn>
+                <a:cxn ang="0">
+                  <a:pos x="T42" y="T43"/>
+                </a:cxn>
+                <a:cxn ang="0">
+                  <a:pos x="T44" y="T45"/>
+                </a:cxn>
+                <a:cxn ang="0">
+                  <a:pos x="T46" y="T47"/>
+                </a:cxn>
+                <a:cxn ang="0">
+                  <a:pos x="T48" y="T49"/>
+                </a:cxn>
+                <a:cxn ang="0">
+                  <a:pos x="T50" y="T51"/>
+                </a:cxn>
+                <a:cxn ang="0">
+                  <a:pos x="T52" y="T53"/>
+                </a:cxn>
+                <a:cxn ang="0">
+                  <a:pos x="T54" y="T55"/>
+                </a:cxn>
+                <a:cxn ang="0">
+                  <a:pos x="T56" y="T57"/>
+                </a:cxn>
+                <a:cxn ang="0">
+                  <a:pos x="T58" y="T59"/>
+                </a:cxn>
+                <a:cxn ang="0">
+                  <a:pos x="T60" y="T61"/>
+                </a:cxn>
+                <a:cxn ang="0">
+                  <a:pos x="T62" y="T63"/>
+                </a:cxn>
+                <a:cxn ang="0">
+                  <a:pos x="T64" y="T65"/>
+                </a:cxn>
+                <a:cxn ang="0">
+                  <a:pos x="T66" y="T67"/>
+                </a:cxn>
+                <a:cxn ang="0">
+                  <a:pos x="T68" y="T69"/>
+                </a:cxn>
+                <a:cxn ang="0">
+                  <a:pos x="T70" y="T71"/>
+                </a:cxn>
+                <a:cxn ang="0">
+                  <a:pos x="T72" y="T73"/>
+                </a:cxn>
+                <a:cxn ang="0">
+                  <a:pos x="T74" y="T75"/>
+                </a:cxn>
+                <a:cxn ang="0">
+                  <a:pos x="T76" y="T77"/>
+                </a:cxn>
+                <a:cxn ang="0">
+                  <a:pos x="T78" y="T79"/>
+                </a:cxn>
+              </a:cxnLst>
+              <a:rect l="0" t="0" r="r" b="b"/>
+              <a:pathLst>
+                <a:path w="1472" h="591">
+                  <a:moveTo>
+                    <a:pt x="932" y="92"/>
+                  </a:moveTo>
+                  <a:cubicBezTo>
+                    <a:pt x="880" y="35"/>
+                    <a:pt x="808" y="0"/>
+                    <a:pt x="727" y="0"/>
+                  </a:cubicBezTo>
+                  <a:cubicBezTo>
+                    <a:pt x="646" y="0"/>
+                    <a:pt x="574" y="35"/>
+                    <a:pt x="522" y="92"/>
+                  </a:cubicBezTo>
+                  <a:cubicBezTo>
+                    <a:pt x="0" y="92"/>
+                    <a:pt x="0" y="92"/>
+                    <a:pt x="0" y="92"/>
+                  </a:cubicBezTo>
+                  <a:cubicBezTo>
+                    <a:pt x="0" y="476"/>
+                    <a:pt x="0" y="476"/>
+                    <a:pt x="0" y="476"/>
+                  </a:cubicBezTo>
+                  <a:cubicBezTo>
+                    <a:pt x="503" y="476"/>
+                    <a:pt x="503" y="476"/>
+                    <a:pt x="503" y="476"/>
+                  </a:cubicBezTo>
+                  <a:cubicBezTo>
+                    <a:pt x="555" y="546"/>
+                    <a:pt x="636" y="591"/>
+                    <a:pt x="727" y="591"/>
+                  </a:cubicBezTo>
+                  <a:cubicBezTo>
+                    <a:pt x="818" y="591"/>
+                    <a:pt x="899" y="546"/>
+                    <a:pt x="951" y="476"/>
+                  </a:cubicBezTo>
+                  <a:cubicBezTo>
+                    <a:pt x="1472" y="476"/>
+                    <a:pt x="1472" y="476"/>
+                    <a:pt x="1472" y="476"/>
+                  </a:cubicBezTo>
+                  <a:cubicBezTo>
+                    <a:pt x="1472" y="92"/>
+                    <a:pt x="1472" y="92"/>
+                    <a:pt x="1472" y="92"/>
+                  </a:cubicBezTo>
+                  <a:lnTo>
+                    <a:pt x="932" y="92"/>
+                  </a:lnTo>
+                  <a:close/>
+                  <a:moveTo>
+                    <a:pt x="448" y="380"/>
+                  </a:moveTo>
+                  <a:cubicBezTo>
+                    <a:pt x="64" y="380"/>
+                    <a:pt x="64" y="380"/>
+                    <a:pt x="64" y="380"/>
+                  </a:cubicBezTo>
+                  <a:cubicBezTo>
+                    <a:pt x="64" y="316"/>
+                    <a:pt x="64" y="316"/>
+                    <a:pt x="64" y="316"/>
+                  </a:cubicBezTo>
+                  <a:cubicBezTo>
+                    <a:pt x="448" y="316"/>
+                    <a:pt x="448" y="316"/>
+                    <a:pt x="448" y="316"/>
+                  </a:cubicBezTo>
+                  <a:lnTo>
+                    <a:pt x="448" y="380"/>
+                  </a:lnTo>
+                  <a:close/>
+                  <a:moveTo>
+                    <a:pt x="448" y="252"/>
+                  </a:moveTo>
+                  <a:cubicBezTo>
+                    <a:pt x="64" y="252"/>
+                    <a:pt x="64" y="252"/>
+                    <a:pt x="64" y="252"/>
+                  </a:cubicBezTo>
+                  <a:cubicBezTo>
+                    <a:pt x="64" y="188"/>
+                    <a:pt x="64" y="188"/>
+                    <a:pt x="64" y="188"/>
+                  </a:cubicBezTo>
+                  <a:cubicBezTo>
+                    <a:pt x="448" y="188"/>
+                    <a:pt x="448" y="188"/>
+                    <a:pt x="448" y="188"/>
+                  </a:cubicBezTo>
+                  <a:lnTo>
+                    <a:pt x="448" y="252"/>
+                  </a:lnTo>
+                  <a:close/>
+                  <a:moveTo>
+                    <a:pt x="855" y="464"/>
+                  </a:moveTo>
+                  <a:cubicBezTo>
+                    <a:pt x="819" y="491"/>
+                    <a:pt x="775" y="507"/>
+                    <a:pt x="727" y="507"/>
+                  </a:cubicBezTo>
+                  <a:cubicBezTo>
+                    <a:pt x="680" y="507"/>
+                    <a:pt x="635" y="491"/>
+                    <a:pt x="600" y="464"/>
+                  </a:cubicBezTo>
+                  <a:cubicBezTo>
+                    <a:pt x="546" y="426"/>
+                    <a:pt x="512" y="362"/>
+                    <a:pt x="512" y="291"/>
+                  </a:cubicBezTo>
+                  <a:cubicBezTo>
+                    <a:pt x="512" y="205"/>
+                    <a:pt x="563" y="131"/>
+                    <a:pt x="636" y="96"/>
+                  </a:cubicBezTo>
+                  <a:cubicBezTo>
+                    <a:pt x="664" y="83"/>
+                    <a:pt x="695" y="76"/>
+                    <a:pt x="727" y="76"/>
+                  </a:cubicBezTo>
+                  <a:cubicBezTo>
+                    <a:pt x="760" y="76"/>
+                    <a:pt x="790" y="83"/>
+                    <a:pt x="818" y="96"/>
+                  </a:cubicBezTo>
+                  <a:cubicBezTo>
+                    <a:pt x="892" y="131"/>
+                    <a:pt x="942" y="205"/>
+                    <a:pt x="942" y="291"/>
+                  </a:cubicBezTo>
+                  <a:cubicBezTo>
+                    <a:pt x="942" y="362"/>
+                    <a:pt x="908" y="426"/>
+                    <a:pt x="855" y="464"/>
+                  </a:cubicBezTo>
+                  <a:close/>
+                  <a:moveTo>
+                    <a:pt x="1408" y="380"/>
+                  </a:moveTo>
+                  <a:cubicBezTo>
+                    <a:pt x="1024" y="380"/>
+                    <a:pt x="1024" y="380"/>
+                    <a:pt x="1024" y="380"/>
+                  </a:cubicBezTo>
+                  <a:cubicBezTo>
+                    <a:pt x="1024" y="316"/>
+                    <a:pt x="1024" y="316"/>
+                    <a:pt x="1024" y="316"/>
+                  </a:cubicBezTo>
+                  <a:cubicBezTo>
+                    <a:pt x="1408" y="316"/>
+                    <a:pt x="1408" y="316"/>
+                    <a:pt x="1408" y="316"/>
+                  </a:cubicBezTo>
+                  <a:lnTo>
+                    <a:pt x="1408" y="380"/>
+                  </a:lnTo>
+                  <a:close/>
+                  <a:moveTo>
+                    <a:pt x="1408" y="252"/>
+                  </a:moveTo>
+                  <a:cubicBezTo>
+                    <a:pt x="1024" y="252"/>
+                    <a:pt x="1024" y="252"/>
+                    <a:pt x="1024" y="252"/>
+                  </a:cubicBezTo>
+                  <a:cubicBezTo>
+                    <a:pt x="1024" y="188"/>
+                    <a:pt x="1024" y="188"/>
+                    <a:pt x="1024" y="188"/>
+                  </a:cubicBezTo>
+                  <a:cubicBezTo>
+                    <a:pt x="1408" y="188"/>
+                    <a:pt x="1408" y="188"/>
+                    <a:pt x="1408" y="188"/>
+                  </a:cubicBezTo>
+                  <a:lnTo>
+                    <a:pt x="1408" y="252"/>
+                  </a:lnTo>
+                  <a:close/>
+                </a:path>
+              </a:pathLst>
+            </a:custGeom>
+            <a:grpFill/>
+            <a:ln>
+              <a:noFill/>
+            </a:ln>
+            <a:extLst>
+              <a:ext uri="{91240B29-F687-4F45-9708-019B960494DF}">
+                <a14:hiddenLine xmlns:a14="http://schemas.microsoft.com/office/drawing/2010/main" w="9525">
+                  <a:solidFill>
+                    <a:srgbClr val="000000"/>
+                  </a:solidFill>
+                  <a:round/>
+                  <a:headEnd/>
+                  <a:tailEnd/>
+                </a14:hiddenLine>
+              </a:ext>
+            </a:extLst>
+          </p:spPr>
+          <p:txBody>
+            <a:bodyPr vert="horz" wrap="square" lIns="91440" tIns="45720" rIns="91440" bIns="45720" numCol="1" anchor="t" anchorCtr="0" compatLnSpc="1">
+              <a:prstTxWarp prst="textNoShape">
+                <a:avLst/>
+              </a:prstTxWarp>
+            </a:bodyPr>
+            <a:lstStyle/>
+            <a:p>
+              <a:endParaRPr lang="en-US"/>
+            </a:p>
+          </p:txBody>
+        </p:sp>
+        <p:sp>
+          <p:nvSpPr>
+            <p:cNvPr id="21" name="Rectangle 17">
+              <a:extLst>
+                <a:ext uri="{FF2B5EF4-FFF2-40B4-BE49-F238E27FC236}">
+                  <a16:creationId xmlns:a16="http://schemas.microsoft.com/office/drawing/2014/main" id="{F0C9D5A7-B961-40CF-85D6-5EA8682E2F6F}"/>
+                </a:ext>
+              </a:extLst>
+            </p:cNvPr>
+            <p:cNvSpPr>
+              <a:spLocks noChangeArrowheads="1"/>
+            </p:cNvSpPr>
+            <p:nvPr/>
+          </p:nvSpPr>
+          <p:spPr bwMode="auto">
+            <a:xfrm>
+              <a:off x="6577013" y="5946775"/>
+              <a:ext cx="509588" cy="217488"/>
+            </a:xfrm>
+            <a:prstGeom prst="rect">
+              <a:avLst/>
+            </a:prstGeom>
+            <a:grpFill/>
+            <a:ln>
+              <a:noFill/>
+            </a:ln>
+            <a:extLst>
+              <a:ext uri="{91240B29-F687-4F45-9708-019B960494DF}">
+                <a14:hiddenLine xmlns:a14="http://schemas.microsoft.com/office/drawing/2010/main" w="9525">
+                  <a:solidFill>
+                    <a:srgbClr val="000000"/>
+                  </a:solidFill>
+                  <a:miter lim="800000"/>
+                  <a:headEnd/>
+                  <a:tailEnd/>
+                </a14:hiddenLine>
+              </a:ext>
+            </a:extLst>
+          </p:spPr>
+          <p:txBody>
+            <a:bodyPr vert="horz" wrap="square" lIns="91440" tIns="45720" rIns="91440" bIns="45720" numCol="1" anchor="t" anchorCtr="0" compatLnSpc="1">
+              <a:prstTxWarp prst="textNoShape">
+                <a:avLst/>
+              </a:prstTxWarp>
+            </a:bodyPr>
+            <a:lstStyle/>
+            <a:p>
+              <a:endParaRPr lang="en-US"/>
+            </a:p>
+          </p:txBody>
+        </p:sp>
+        <p:sp>
+          <p:nvSpPr>
+            <p:cNvPr id="22" name="Rectangle 18">
+              <a:extLst>
+                <a:ext uri="{FF2B5EF4-FFF2-40B4-BE49-F238E27FC236}">
+                  <a16:creationId xmlns:a16="http://schemas.microsoft.com/office/drawing/2014/main" id="{851B510B-064C-4BA7-B3A3-319398003715}"/>
+                </a:ext>
+              </a:extLst>
+            </p:cNvPr>
+            <p:cNvSpPr>
+              <a:spLocks noChangeArrowheads="1"/>
+            </p:cNvSpPr>
+            <p:nvPr/>
+          </p:nvSpPr>
+          <p:spPr bwMode="auto">
+            <a:xfrm>
+              <a:off x="9418638" y="5946775"/>
+              <a:ext cx="509588" cy="217488"/>
+            </a:xfrm>
+            <a:prstGeom prst="rect">
+              <a:avLst/>
+            </a:prstGeom>
+            <a:grpFill/>
+            <a:ln>
+              <a:noFill/>
+            </a:ln>
+            <a:extLst>
+              <a:ext uri="{91240B29-F687-4F45-9708-019B960494DF}">
+                <a14:hiddenLine xmlns:a14="http://schemas.microsoft.com/office/drawing/2010/main" w="9525">
+                  <a:solidFill>
+                    <a:srgbClr val="000000"/>
+                  </a:solidFill>
+                  <a:miter lim="800000"/>
+                  <a:headEnd/>
+                  <a:tailEnd/>
+                </a14:hiddenLine>
+              </a:ext>
+            </a:extLst>
+          </p:spPr>
+          <p:txBody>
+            <a:bodyPr vert="horz" wrap="square" lIns="91440" tIns="45720" rIns="91440" bIns="45720" numCol="1" anchor="t" anchorCtr="0" compatLnSpc="1">
+              <a:prstTxWarp prst="textNoShape">
+                <a:avLst/>
+              </a:prstTxWarp>
+            </a:bodyPr>
+            <a:lstStyle/>
+            <a:p>
+              <a:endParaRPr lang="en-US"/>
+            </a:p>
+          </p:txBody>
+        </p:sp>
+      </p:grpSp>
+      <p:grpSp>
+        <p:nvGrpSpPr>
+          <p:cNvPr id="32" name="Group 31">
+            <a:extLst>
+              <a:ext uri="{FF2B5EF4-FFF2-40B4-BE49-F238E27FC236}">
+                <a16:creationId xmlns:a16="http://schemas.microsoft.com/office/drawing/2014/main" id="{730D9532-B6C9-4F23-90E7-EBB9BCE3517B}"/>
+              </a:ext>
+            </a:extLst>
+          </p:cNvPr>
+          <p:cNvGrpSpPr/>
+          <p:nvPr/>
+        </p:nvGrpSpPr>
+        <p:grpSpPr>
+          <a:xfrm>
+            <a:off x="9108641" y="1994818"/>
+            <a:ext cx="378427" cy="648637"/>
+            <a:chOff x="3065463" y="3736975"/>
+            <a:chExt cx="1820863" cy="3121025"/>
+          </a:xfrm>
+          <a:solidFill>
+            <a:schemeClr val="bg1"/>
+          </a:solidFill>
+        </p:grpSpPr>
+        <p:sp>
+          <p:nvSpPr>
+            <p:cNvPr id="23" name="Rectangle 19">
+              <a:extLst>
+                <a:ext uri="{FF2B5EF4-FFF2-40B4-BE49-F238E27FC236}">
+                  <a16:creationId xmlns:a16="http://schemas.microsoft.com/office/drawing/2014/main" id="{68FA955D-6386-4516-89B4-AF043D65454A}"/>
+                </a:ext>
+              </a:extLst>
+            </p:cNvPr>
+            <p:cNvSpPr>
+              <a:spLocks noChangeArrowheads="1"/>
+            </p:cNvSpPr>
+            <p:nvPr/>
+          </p:nvSpPr>
+          <p:spPr bwMode="auto">
+            <a:xfrm>
+              <a:off x="3357563" y="4826000"/>
+              <a:ext cx="1238250" cy="144463"/>
+            </a:xfrm>
+            <a:prstGeom prst="rect">
+              <a:avLst/>
+            </a:prstGeom>
+            <a:grpFill/>
+            <a:ln>
+              <a:noFill/>
+            </a:ln>
+            <a:extLst>
+              <a:ext uri="{91240B29-F687-4F45-9708-019B960494DF}">
+                <a14:hiddenLine xmlns:a14="http://schemas.microsoft.com/office/drawing/2010/main" w="9525">
+                  <a:solidFill>
+                    <a:srgbClr val="000000"/>
+                  </a:solidFill>
+                  <a:miter lim="800000"/>
+                  <a:headEnd/>
+                  <a:tailEnd/>
+                </a14:hiddenLine>
+              </a:ext>
+            </a:extLst>
+          </p:spPr>
+          <p:txBody>
+            <a:bodyPr vert="horz" wrap="square" lIns="91440" tIns="45720" rIns="91440" bIns="45720" numCol="1" anchor="t" anchorCtr="0" compatLnSpc="1">
+              <a:prstTxWarp prst="textNoShape">
+                <a:avLst/>
+              </a:prstTxWarp>
+            </a:bodyPr>
+            <a:lstStyle/>
+            <a:p>
+              <a:endParaRPr lang="en-US"/>
+            </a:p>
+          </p:txBody>
+        </p:sp>
+        <p:sp>
+          <p:nvSpPr>
+            <p:cNvPr id="24" name="Rectangle 20">
+              <a:extLst>
+                <a:ext uri="{FF2B5EF4-FFF2-40B4-BE49-F238E27FC236}">
+                  <a16:creationId xmlns:a16="http://schemas.microsoft.com/office/drawing/2014/main" id="{D54EAE6C-4780-44D9-8EF0-7C033E8B553F}"/>
+                </a:ext>
+              </a:extLst>
+            </p:cNvPr>
+            <p:cNvSpPr>
+              <a:spLocks noChangeArrowheads="1"/>
+            </p:cNvSpPr>
+            <p:nvPr/>
+          </p:nvSpPr>
+          <p:spPr bwMode="auto">
+            <a:xfrm>
+              <a:off x="3648075" y="4535488"/>
+              <a:ext cx="947738" cy="146050"/>
+            </a:xfrm>
+            <a:prstGeom prst="rect">
+              <a:avLst/>
+            </a:prstGeom>
+            <a:grpFill/>
+            <a:ln>
+              <a:noFill/>
+            </a:ln>
+            <a:extLst>
+              <a:ext uri="{91240B29-F687-4F45-9708-019B960494DF}">
+                <a14:hiddenLine xmlns:a14="http://schemas.microsoft.com/office/drawing/2010/main" w="9525">
+                  <a:solidFill>
+                    <a:srgbClr val="000000"/>
+                  </a:solidFill>
+                  <a:miter lim="800000"/>
+                  <a:headEnd/>
+                  <a:tailEnd/>
+                </a14:hiddenLine>
+              </a:ext>
+            </a:extLst>
+          </p:spPr>
+          <p:txBody>
+            <a:bodyPr vert="horz" wrap="square" lIns="91440" tIns="45720" rIns="91440" bIns="45720" numCol="1" anchor="t" anchorCtr="0" compatLnSpc="1">
+              <a:prstTxWarp prst="textNoShape">
+                <a:avLst/>
+              </a:prstTxWarp>
+            </a:bodyPr>
+            <a:lstStyle/>
+            <a:p>
+              <a:endParaRPr lang="en-US"/>
+            </a:p>
+          </p:txBody>
+        </p:sp>
+        <p:sp>
+          <p:nvSpPr>
+            <p:cNvPr id="25" name="Rectangle 21">
+              <a:extLst>
+                <a:ext uri="{FF2B5EF4-FFF2-40B4-BE49-F238E27FC236}">
+                  <a16:creationId xmlns:a16="http://schemas.microsoft.com/office/drawing/2014/main" id="{A265370A-84F7-48ED-AC5C-9B97E8D19D3E}"/>
+                </a:ext>
+              </a:extLst>
+            </p:cNvPr>
+            <p:cNvSpPr>
+              <a:spLocks noChangeArrowheads="1"/>
+            </p:cNvSpPr>
+            <p:nvPr/>
+          </p:nvSpPr>
+          <p:spPr bwMode="auto">
+            <a:xfrm>
+              <a:off x="3648075" y="4318000"/>
+              <a:ext cx="947738" cy="144463"/>
+            </a:xfrm>
+            <a:prstGeom prst="rect">
+              <a:avLst/>
+            </a:prstGeom>
+            <a:grpFill/>
+            <a:ln>
+              <a:noFill/>
+            </a:ln>
+            <a:extLst>
+              <a:ext uri="{91240B29-F687-4F45-9708-019B960494DF}">
+                <a14:hiddenLine xmlns:a14="http://schemas.microsoft.com/office/drawing/2010/main" w="9525">
+                  <a:solidFill>
+                    <a:srgbClr val="000000"/>
+                  </a:solidFill>
+                  <a:miter lim="800000"/>
+                  <a:headEnd/>
+                  <a:tailEnd/>
+                </a14:hiddenLine>
+              </a:ext>
+            </a:extLst>
+          </p:spPr>
+          <p:txBody>
+            <a:bodyPr vert="horz" wrap="square" lIns="91440" tIns="45720" rIns="91440" bIns="45720" numCol="1" anchor="t" anchorCtr="0" compatLnSpc="1">
+              <a:prstTxWarp prst="textNoShape">
+                <a:avLst/>
+              </a:prstTxWarp>
+            </a:bodyPr>
+            <a:lstStyle/>
+            <a:p>
+              <a:endParaRPr lang="en-US"/>
+            </a:p>
+          </p:txBody>
+        </p:sp>
+        <p:sp>
+          <p:nvSpPr>
+            <p:cNvPr id="26" name="Rectangle 22">
+              <a:extLst>
+                <a:ext uri="{FF2B5EF4-FFF2-40B4-BE49-F238E27FC236}">
+                  <a16:creationId xmlns:a16="http://schemas.microsoft.com/office/drawing/2014/main" id="{C8DEE9E5-CD8D-4284-B7F4-E9270DE4CBB2}"/>
+                </a:ext>
+              </a:extLst>
+            </p:cNvPr>
+            <p:cNvSpPr>
+              <a:spLocks noChangeArrowheads="1"/>
+            </p:cNvSpPr>
+            <p:nvPr/>
+          </p:nvSpPr>
+          <p:spPr bwMode="auto">
+            <a:xfrm>
+              <a:off x="3648075" y="4027488"/>
+              <a:ext cx="947738" cy="146050"/>
+            </a:xfrm>
+            <a:prstGeom prst="rect">
+              <a:avLst/>
+            </a:prstGeom>
+            <a:grpFill/>
+            <a:ln>
+              <a:noFill/>
+            </a:ln>
+            <a:extLst>
+              <a:ext uri="{91240B29-F687-4F45-9708-019B960494DF}">
+                <a14:hiddenLine xmlns:a14="http://schemas.microsoft.com/office/drawing/2010/main" w="9525">
+                  <a:solidFill>
+                    <a:srgbClr val="000000"/>
+                  </a:solidFill>
+                  <a:miter lim="800000"/>
+                  <a:headEnd/>
+                  <a:tailEnd/>
+                </a14:hiddenLine>
+              </a:ext>
+            </a:extLst>
+          </p:spPr>
+          <p:txBody>
+            <a:bodyPr vert="horz" wrap="square" lIns="91440" tIns="45720" rIns="91440" bIns="45720" numCol="1" anchor="t" anchorCtr="0" compatLnSpc="1">
+              <a:prstTxWarp prst="textNoShape">
+                <a:avLst/>
+              </a:prstTxWarp>
+            </a:bodyPr>
+            <a:lstStyle/>
+            <a:p>
+              <a:endParaRPr lang="en-US"/>
+            </a:p>
+          </p:txBody>
+        </p:sp>
+        <p:sp>
+          <p:nvSpPr>
+            <p:cNvPr id="27" name="Rectangle 23">
+              <a:extLst>
+                <a:ext uri="{FF2B5EF4-FFF2-40B4-BE49-F238E27FC236}">
+                  <a16:creationId xmlns:a16="http://schemas.microsoft.com/office/drawing/2014/main" id="{C2CEA0E1-C78F-4CD0-8315-A69384BCB44F}"/>
+                </a:ext>
+              </a:extLst>
+            </p:cNvPr>
+            <p:cNvSpPr>
+              <a:spLocks noChangeArrowheads="1"/>
+            </p:cNvSpPr>
+            <p:nvPr/>
+          </p:nvSpPr>
+          <p:spPr bwMode="auto">
+            <a:xfrm>
+              <a:off x="3357563" y="3736975"/>
+              <a:ext cx="655638" cy="146050"/>
+            </a:xfrm>
+            <a:prstGeom prst="rect">
+              <a:avLst/>
+            </a:prstGeom>
+            <a:grpFill/>
+            <a:ln>
+              <a:noFill/>
+            </a:ln>
+            <a:extLst>
+              <a:ext uri="{91240B29-F687-4F45-9708-019B960494DF}">
+                <a14:hiddenLine xmlns:a14="http://schemas.microsoft.com/office/drawing/2010/main" w="9525">
+                  <a:solidFill>
+                    <a:srgbClr val="000000"/>
+                  </a:solidFill>
+                  <a:miter lim="800000"/>
+                  <a:headEnd/>
+                  <a:tailEnd/>
+                </a14:hiddenLine>
+              </a:ext>
+            </a:extLst>
+          </p:spPr>
+          <p:txBody>
+            <a:bodyPr vert="horz" wrap="square" lIns="91440" tIns="45720" rIns="91440" bIns="45720" numCol="1" anchor="t" anchorCtr="0" compatLnSpc="1">
+              <a:prstTxWarp prst="textNoShape">
+                <a:avLst/>
+              </a:prstTxWarp>
+            </a:bodyPr>
+            <a:lstStyle/>
+            <a:p>
               <a:endParaRPr lang="en-US"/>
             </a:p>
           </p:txBody>
@@ -27507,192 +27833,10 @@
       </p:grpSp>
       <p:sp>
         <p:nvSpPr>
-          <p:cNvPr id="3" name="テキスト ボックス 2">
+          <p:cNvPr id="2" name="スライド番号プレースホルダー 1">
             <a:extLst>
               <a:ext uri="{FF2B5EF4-FFF2-40B4-BE49-F238E27FC236}">
-                <a16:creationId xmlns:a16="http://schemas.microsoft.com/office/drawing/2014/main" id="{9F708B3E-16E9-4063-802D-8E8A3CDB277E}"/>
-              </a:ext>
-            </a:extLst>
-          </p:cNvPr>
-          <p:cNvSpPr txBox="1"/>
-          <p:nvPr/>
-        </p:nvSpPr>
-        <p:spPr>
-          <a:xfrm>
-            <a:off x="1776942" y="2002718"/>
-            <a:ext cx="7794976" cy="2985433"/>
-          </a:xfrm>
-          <a:prstGeom prst="rect">
-            <a:avLst/>
-          </a:prstGeom>
-          <a:noFill/>
-        </p:spPr>
-        <p:txBody>
-          <a:bodyPr rot="0" spcFirstLastPara="0" vertOverflow="overflow" horzOverflow="overflow" vert="horz" wrap="square" lIns="91440" tIns="45720" rIns="91440" bIns="45720" numCol="1" spcCol="0" rtlCol="0" fromWordArt="0" anchor="t" anchorCtr="0" forceAA="0" compatLnSpc="1">
-            <a:prstTxWarp prst="textNoShape">
-              <a:avLst/>
-            </a:prstTxWarp>
-            <a:spAutoFit/>
-          </a:bodyPr>
-          <a:lstStyle/>
-          <a:p>
-            <a:pPr marL="571500" indent="-571500" algn="l">
-              <a:buFont typeface="Arial"/>
-              <a:buChar char="•"/>
-            </a:pPr>
-            <a:r>
-              <a:rPr lang="ja-JP" altLang="en-US" sz="3200">
-                <a:latin typeface="MS Gothic"/>
-                <a:ea typeface="MS Gothic"/>
-                <a:cs typeface="Calibri"/>
-              </a:rPr>
-              <a:t>敵キャラクターの動きを最適化</a:t>
-            </a:r>
-            <a:endParaRPr lang="ja-JP" altLang="en-US" sz="3200" dirty="0">
-              <a:latin typeface="MS Gothic"/>
-              <a:ea typeface="MS Gothic"/>
-              <a:cs typeface="Calibri"/>
-            </a:endParaRPr>
-          </a:p>
-          <a:p>
-            <a:r>
-              <a:rPr lang="ja-JP" altLang="en-US" sz="2000">
-                <a:latin typeface="MS Gothic"/>
-                <a:ea typeface="MS Gothic"/>
-                <a:cs typeface="Calibri"/>
-              </a:rPr>
-              <a:t>最短距離のプレイヤーを追跡</a:t>
-            </a:r>
-          </a:p>
-          <a:p>
-            <a:endParaRPr lang="ja-JP" altLang="en-US" sz="2000" dirty="0">
-              <a:latin typeface="MS Gothic"/>
-              <a:ea typeface="MS Gothic"/>
-              <a:cs typeface="Calibri"/>
-            </a:endParaRPr>
-          </a:p>
-          <a:p>
-            <a:pPr marL="571500" indent="-571500">
-              <a:buFont typeface="Arial"/>
-              <a:buChar char="•"/>
-            </a:pPr>
-            <a:r>
-              <a:rPr lang="ja-JP" altLang="en-US" sz="3200">
-                <a:latin typeface="MS Gothic"/>
-                <a:ea typeface="MS Gothic"/>
-                <a:cs typeface="Calibri"/>
-              </a:rPr>
-              <a:t>SDLのみで作成</a:t>
-            </a:r>
-            <a:endParaRPr lang="ja-JP" altLang="en-US" sz="3200" dirty="0">
-              <a:latin typeface="MS Gothic"/>
-              <a:ea typeface="MS Gothic"/>
-              <a:cs typeface="Calibri"/>
-            </a:endParaRPr>
-          </a:p>
-          <a:p>
-            <a:r>
-              <a:rPr lang="ja-JP" altLang="en-US" sz="2000">
-                <a:latin typeface="MS Gothic"/>
-                <a:ea typeface="MS Gothic"/>
-                <a:cs typeface="Calibri"/>
-              </a:rPr>
-              <a:t>(例)当たり判定に</a:t>
-            </a:r>
-            <a:r>
-              <a:rPr lang="ja-JP" sz="2000">
-                <a:ea typeface="+mn-lt"/>
-                <a:cs typeface="+mn-lt"/>
-              </a:rPr>
-              <a:t>SDL_IntersectRect関数を使用</a:t>
-            </a:r>
-            <a:endParaRPr lang="ja-JP" altLang="en-US" sz="2000">
-              <a:latin typeface="Calibri"/>
-              <a:ea typeface="MS Gothic"/>
-              <a:cs typeface="Calibri"/>
-            </a:endParaRPr>
-          </a:p>
-          <a:p>
-            <a:pPr marL="571500" indent="-571500">
-              <a:buFont typeface="Arial"/>
-              <a:buChar char="•"/>
-            </a:pPr>
-            <a:endParaRPr lang="ja-JP" altLang="en-US" sz="3200" dirty="0">
-              <a:latin typeface="MS Gothic"/>
-              <a:ea typeface="MS Gothic"/>
-              <a:cs typeface="Calibri"/>
-            </a:endParaRPr>
-          </a:p>
-          <a:p>
-            <a:pPr marL="571500" indent="-571500">
-              <a:buFont typeface="Arial"/>
-              <a:buChar char="•"/>
-            </a:pPr>
-            <a:r>
-              <a:rPr lang="ja-JP" altLang="en-US" sz="3200">
-                <a:latin typeface="MS Gothic"/>
-                <a:ea typeface="MS Gothic"/>
-                <a:cs typeface="Calibri"/>
-              </a:rPr>
-              <a:t>新規性</a:t>
-            </a:r>
-          </a:p>
-        </p:txBody>
-      </p:sp>
-      <p:sp>
-        <p:nvSpPr>
-          <p:cNvPr id="4" name="テキスト ボックス 3">
-            <a:extLst>
-              <a:ext uri="{FF2B5EF4-FFF2-40B4-BE49-F238E27FC236}">
-                <a16:creationId xmlns:a16="http://schemas.microsoft.com/office/drawing/2014/main" id="{AE57D582-D34D-4B8A-9297-49A6F72C8DEF}"/>
-              </a:ext>
-            </a:extLst>
-          </p:cNvPr>
-          <p:cNvSpPr txBox="1"/>
-          <p:nvPr/>
-        </p:nvSpPr>
-        <p:spPr>
-          <a:xfrm>
-            <a:off x="1775178" y="1013179"/>
-            <a:ext cx="2743200" cy="707886"/>
-          </a:xfrm>
-          <a:prstGeom prst="rect">
-            <a:avLst/>
-          </a:prstGeom>
-          <a:noFill/>
-        </p:spPr>
-        <p:txBody>
-          <a:bodyPr rot="0" spcFirstLastPara="0" vertOverflow="overflow" horzOverflow="overflow" vert="horz" wrap="square" lIns="91440" tIns="45720" rIns="91440" bIns="45720" numCol="1" spcCol="0" rtlCol="0" fromWordArt="0" anchor="t" anchorCtr="0" forceAA="0" compatLnSpc="1">
-            <a:prstTxWarp prst="textNoShape">
-              <a:avLst/>
-            </a:prstTxWarp>
-            <a:spAutoFit/>
-          </a:bodyPr>
-          <a:lstStyle/>
-          <a:p>
-            <a:r>
-              <a:rPr lang="ja-JP" altLang="en-US" sz="4000" b="1">
-                <a:solidFill>
-                  <a:srgbClr val="ED245C"/>
-                </a:solidFill>
-                <a:latin typeface="ＭＳ ゴシック"/>
-                <a:ea typeface="ＭＳ ゴシック"/>
-              </a:rPr>
-              <a:t>総合優勝</a:t>
-            </a:r>
-            <a:endParaRPr lang="ja-JP" sz="4000">
-              <a:latin typeface="ＭＳ ゴシック"/>
-              <a:ea typeface="ＭＳ ゴシック"/>
-            </a:endParaRPr>
-          </a:p>
-        </p:txBody>
-      </p:sp>
-      <p:sp>
-        <p:nvSpPr>
-          <p:cNvPr id="2" name="スライド番号プレースホルダー 1">
-            <a:extLst>
-              <a:ext uri="{FF2B5EF4-FFF2-40B4-BE49-F238E27FC236}">
-                <a16:creationId xmlns:a16="http://schemas.microsoft.com/office/drawing/2014/main" id="{BBADCAA2-8F36-41E0-AE86-509218B0108A}"/>
+                <a16:creationId xmlns:a16="http://schemas.microsoft.com/office/drawing/2014/main" id="{005D2412-8FF1-4D31-80E0-EF3F141A854D}"/>
               </a:ext>
             </a:extLst>
           </p:cNvPr>
@@ -27710,7 +27854,7 @@
           <a:p>
             <a:fld id="{A4CA1C59-5788-4CA8-919D-639ED9581D45}" type="slidenum">
               <a:rPr lang="en-US" smtClean="0"/>
-              <a:t>5</a:t>
+              <a:t>4</a:t>
             </a:fld>
             <a:endParaRPr lang="en-US"/>
           </a:p>
@@ -27718,10 +27862,10 @@
       </p:sp>
       <p:pic>
         <p:nvPicPr>
-          <p:cNvPr id="5" name="図 5" descr="フラグ, 記号 が含まれている画像&#10;&#10;非常に高い精度で生成された説明">
+          <p:cNvPr id="4" name="図 4" descr="ブラック が含まれている画像&#10;&#10;非常に高い精度で生成された説明">
             <a:extLst>
               <a:ext uri="{FF2B5EF4-FFF2-40B4-BE49-F238E27FC236}">
-                <a16:creationId xmlns:a16="http://schemas.microsoft.com/office/drawing/2014/main" id="{5F8722C0-AD6B-4725-BB57-881E98F716D0}"/>
+                <a16:creationId xmlns:a16="http://schemas.microsoft.com/office/drawing/2014/main" id="{5979A7E7-CFC9-47C8-8F94-72171FE733B4}"/>
               </a:ext>
             </a:extLst>
           </p:cNvPr>
@@ -27738,8 +27882,8 @@
         </p:blipFill>
         <p:spPr>
           <a:xfrm>
-            <a:off x="7120466" y="3301781"/>
-            <a:ext cx="4665134" cy="3497171"/>
+            <a:off x="931333" y="1172926"/>
+            <a:ext cx="10507132" cy="4740748"/>
           </a:xfrm>
           <a:prstGeom prst="rect">
             <a:avLst/>
@@ -27749,7 +27893,1237 @@
     </p:spTree>
     <p:extLst>
       <p:ext uri="{BB962C8B-B14F-4D97-AF65-F5344CB8AC3E}">
-        <p14:creationId xmlns:p14="http://schemas.microsoft.com/office/powerpoint/2010/main" val="1409115330"/>
+        <p14:creationId xmlns:p14="http://schemas.microsoft.com/office/powerpoint/2010/main" val="3647709395"/>
+      </p:ext>
+    </p:extLst>
+  </p:cSld>
+  <p:clrMapOvr>
+    <a:masterClrMapping/>
+  </p:clrMapOvr>
+</p:sld>
+</file>
+
+<file path=ppt/slides/slide5.xml><?xml version="1.0" encoding="utf-8"?>
+<p:sld xmlns:a="http://schemas.openxmlformats.org/drawingml/2006/main" xmlns:r="http://schemas.openxmlformats.org/officeDocument/2006/relationships" xmlns:p="http://schemas.openxmlformats.org/presentationml/2006/main">
+  <p:cSld>
+    <p:spTree>
+      <p:nvGrpSpPr>
+        <p:cNvPr id="1" name=""/>
+        <p:cNvGrpSpPr/>
+        <p:nvPr/>
+      </p:nvGrpSpPr>
+      <p:grpSpPr>
+        <a:xfrm>
+          <a:off x="0" y="0"/>
+          <a:ext cx="0" cy="0"/>
+          <a:chOff x="0" y="0"/>
+          <a:chExt cx="0" cy="0"/>
+        </a:xfrm>
+      </p:grpSpPr>
+      <p:pic>
+        <p:nvPicPr>
+          <p:cNvPr id="2" name="図 2">
+            <a:extLst>
+              <a:ext uri="{FF2B5EF4-FFF2-40B4-BE49-F238E27FC236}">
+                <a16:creationId xmlns:a16="http://schemas.microsoft.com/office/drawing/2014/main" id="{627A15AF-46D0-4A9A-A6AE-35E8E1FC8114}"/>
+              </a:ext>
+            </a:extLst>
+          </p:cNvPr>
+          <p:cNvPicPr>
+            <a:picLocks noChangeAspect="1"/>
+          </p:cNvPicPr>
+          <p:nvPr/>
+        </p:nvPicPr>
+        <p:blipFill>
+          <a:blip r:embed="rId2"/>
+          <a:stretch>
+            <a:fillRect/>
+          </a:stretch>
+        </p:blipFill>
+        <p:spPr>
+          <a:xfrm>
+            <a:off x="1134533" y="668866"/>
+            <a:ext cx="4309534" cy="4334933"/>
+          </a:xfrm>
+          <a:prstGeom prst="rect">
+            <a:avLst/>
+          </a:prstGeom>
+        </p:spPr>
+      </p:pic>
+      <p:sp>
+        <p:nvSpPr>
+          <p:cNvPr id="6" name="Freeform 5">
+            <a:extLst>
+              <a:ext uri="{FF2B5EF4-FFF2-40B4-BE49-F238E27FC236}">
+                <a16:creationId xmlns:a16="http://schemas.microsoft.com/office/drawing/2014/main" id="{F2C5667B-CF2F-4E1C-A6FA-A43B0BA7491E}"/>
+              </a:ext>
+            </a:extLst>
+          </p:cNvPr>
+          <p:cNvSpPr>
+            <a:spLocks noEditPoints="1"/>
+          </p:cNvSpPr>
+          <p:nvPr/>
+        </p:nvSpPr>
+        <p:spPr bwMode="auto">
+          <a:xfrm>
+            <a:off x="848617" y="767166"/>
+            <a:ext cx="5055006" cy="5034745"/>
+          </a:xfrm>
+          <a:custGeom>
+            <a:avLst/>
+            <a:gdLst>
+              <a:gd name="T0" fmla="*/ 1020 w 2040"/>
+              <a:gd name="T1" fmla="*/ 2040 h 2040"/>
+              <a:gd name="T2" fmla="*/ 0 w 2040"/>
+              <a:gd name="T3" fmla="*/ 1020 h 2040"/>
+              <a:gd name="T4" fmla="*/ 1020 w 2040"/>
+              <a:gd name="T5" fmla="*/ 0 h 2040"/>
+              <a:gd name="T6" fmla="*/ 2040 w 2040"/>
+              <a:gd name="T7" fmla="*/ 1020 h 2040"/>
+              <a:gd name="T8" fmla="*/ 1020 w 2040"/>
+              <a:gd name="T9" fmla="*/ 2040 h 2040"/>
+              <a:gd name="T10" fmla="*/ 1020 w 2040"/>
+              <a:gd name="T11" fmla="*/ 40 h 2040"/>
+              <a:gd name="T12" fmla="*/ 40 w 2040"/>
+              <a:gd name="T13" fmla="*/ 1020 h 2040"/>
+              <a:gd name="T14" fmla="*/ 1020 w 2040"/>
+              <a:gd name="T15" fmla="*/ 2000 h 2040"/>
+              <a:gd name="T16" fmla="*/ 2000 w 2040"/>
+              <a:gd name="T17" fmla="*/ 1020 h 2040"/>
+              <a:gd name="T18" fmla="*/ 1020 w 2040"/>
+              <a:gd name="T19" fmla="*/ 40 h 2040"/>
+            </a:gdLst>
+            <a:ahLst/>
+            <a:cxnLst>
+              <a:cxn ang="0">
+                <a:pos x="T0" y="T1"/>
+              </a:cxn>
+              <a:cxn ang="0">
+                <a:pos x="T2" y="T3"/>
+              </a:cxn>
+              <a:cxn ang="0">
+                <a:pos x="T4" y="T5"/>
+              </a:cxn>
+              <a:cxn ang="0">
+                <a:pos x="T6" y="T7"/>
+              </a:cxn>
+              <a:cxn ang="0">
+                <a:pos x="T8" y="T9"/>
+              </a:cxn>
+              <a:cxn ang="0">
+                <a:pos x="T10" y="T11"/>
+              </a:cxn>
+              <a:cxn ang="0">
+                <a:pos x="T12" y="T13"/>
+              </a:cxn>
+              <a:cxn ang="0">
+                <a:pos x="T14" y="T15"/>
+              </a:cxn>
+              <a:cxn ang="0">
+                <a:pos x="T16" y="T17"/>
+              </a:cxn>
+              <a:cxn ang="0">
+                <a:pos x="T18" y="T19"/>
+              </a:cxn>
+            </a:cxnLst>
+            <a:rect l="0" t="0" r="r" b="b"/>
+            <a:pathLst>
+              <a:path w="2040" h="2040">
+                <a:moveTo>
+                  <a:pt x="1020" y="2040"/>
+                </a:moveTo>
+                <a:cubicBezTo>
+                  <a:pt x="456" y="2040"/>
+                  <a:pt x="0" y="1584"/>
+                  <a:pt x="0" y="1020"/>
+                </a:cubicBezTo>
+                <a:cubicBezTo>
+                  <a:pt x="0" y="457"/>
+                  <a:pt x="456" y="0"/>
+                  <a:pt x="1020" y="0"/>
+                </a:cubicBezTo>
+                <a:cubicBezTo>
+                  <a:pt x="1584" y="0"/>
+                  <a:pt x="2040" y="456"/>
+                  <a:pt x="2040" y="1020"/>
+                </a:cubicBezTo>
+                <a:cubicBezTo>
+                  <a:pt x="2040" y="1584"/>
+                  <a:pt x="1584" y="2040"/>
+                  <a:pt x="1020" y="2040"/>
+                </a:cubicBezTo>
+                <a:close/>
+                <a:moveTo>
+                  <a:pt x="1020" y="40"/>
+                </a:moveTo>
+                <a:cubicBezTo>
+                  <a:pt x="480" y="40"/>
+                  <a:pt x="40" y="480"/>
+                  <a:pt x="40" y="1020"/>
+                </a:cubicBezTo>
+                <a:cubicBezTo>
+                  <a:pt x="40" y="1561"/>
+                  <a:pt x="480" y="2000"/>
+                  <a:pt x="1020" y="2000"/>
+                </a:cubicBezTo>
+                <a:cubicBezTo>
+                  <a:pt x="1561" y="2000"/>
+                  <a:pt x="2000" y="1561"/>
+                  <a:pt x="2000" y="1020"/>
+                </a:cubicBezTo>
+                <a:cubicBezTo>
+                  <a:pt x="2000" y="480"/>
+                  <a:pt x="1561" y="40"/>
+                  <a:pt x="1020" y="40"/>
+                </a:cubicBezTo>
+                <a:close/>
+              </a:path>
+            </a:pathLst>
+          </a:custGeom>
+          <a:gradFill>
+            <a:gsLst>
+              <a:gs pos="65000">
+                <a:srgbClr val="ED245C"/>
+              </a:gs>
+              <a:gs pos="35000">
+                <a:srgbClr val="ED245C">
+                  <a:alpha val="0"/>
+                </a:srgbClr>
+              </a:gs>
+              <a:gs pos="96000">
+                <a:srgbClr val="ED245C"/>
+              </a:gs>
+              <a:gs pos="0">
+                <a:srgbClr val="ED245C">
+                  <a:alpha val="0"/>
+                </a:srgbClr>
+              </a:gs>
+            </a:gsLst>
+            <a:lin ang="20400000" scaled="0"/>
+          </a:gradFill>
+          <a:ln>
+            <a:noFill/>
+          </a:ln>
+        </p:spPr>
+        <p:txBody>
+          <a:bodyPr vert="horz" wrap="square" lIns="91440" tIns="45720" rIns="91440" bIns="45720" numCol="1" anchor="t" anchorCtr="0" compatLnSpc="1">
+            <a:prstTxWarp prst="textNoShape">
+              <a:avLst/>
+            </a:prstTxWarp>
+          </a:bodyPr>
+          <a:lstStyle/>
+          <a:p>
+            <a:endParaRPr lang="en-US" dirty="0"/>
+          </a:p>
+        </p:txBody>
+      </p:sp>
+      <p:sp>
+        <p:nvSpPr>
+          <p:cNvPr id="11" name="Oval 10">
+            <a:extLst>
+              <a:ext uri="{FF2B5EF4-FFF2-40B4-BE49-F238E27FC236}">
+                <a16:creationId xmlns:a16="http://schemas.microsoft.com/office/drawing/2014/main" id="{2493D8E8-A8E8-4756-8B3E-49DF9B146BD4}"/>
+              </a:ext>
+            </a:extLst>
+          </p:cNvPr>
+          <p:cNvSpPr/>
+          <p:nvPr/>
+        </p:nvSpPr>
+        <p:spPr>
+          <a:xfrm>
+            <a:off x="5334739" y="1841665"/>
+            <a:ext cx="275772" cy="275772"/>
+          </a:xfrm>
+          <a:prstGeom prst="ellipse">
+            <a:avLst/>
+          </a:prstGeom>
+          <a:solidFill>
+            <a:srgbClr val="ED245C"/>
+          </a:solidFill>
+          <a:ln>
+            <a:noFill/>
+          </a:ln>
+        </p:spPr>
+        <p:style>
+          <a:lnRef idx="2">
+            <a:schemeClr val="accent1">
+              <a:shade val="50000"/>
+            </a:schemeClr>
+          </a:lnRef>
+          <a:fillRef idx="1">
+            <a:schemeClr val="accent1"/>
+          </a:fillRef>
+          <a:effectRef idx="0">
+            <a:schemeClr val="accent1"/>
+          </a:effectRef>
+          <a:fontRef idx="minor">
+            <a:schemeClr val="lt1"/>
+          </a:fontRef>
+        </p:style>
+        <p:txBody>
+          <a:bodyPr rtlCol="0" anchor="ctr"/>
+          <a:lstStyle/>
+          <a:p>
+            <a:pPr algn="ctr"/>
+            <a:endParaRPr lang="en-US"/>
+          </a:p>
+        </p:txBody>
+      </p:sp>
+      <p:sp>
+        <p:nvSpPr>
+          <p:cNvPr id="12" name="Oval 11">
+            <a:extLst>
+              <a:ext uri="{FF2B5EF4-FFF2-40B4-BE49-F238E27FC236}">
+                <a16:creationId xmlns:a16="http://schemas.microsoft.com/office/drawing/2014/main" id="{5B2DC76E-061A-40F9-A748-50F7464FB4AE}"/>
+              </a:ext>
+            </a:extLst>
+          </p:cNvPr>
+          <p:cNvSpPr/>
+          <p:nvPr/>
+        </p:nvSpPr>
+        <p:spPr>
+          <a:xfrm>
+            <a:off x="5714993" y="3069823"/>
+            <a:ext cx="275772" cy="275772"/>
+          </a:xfrm>
+          <a:prstGeom prst="ellipse">
+            <a:avLst/>
+          </a:prstGeom>
+          <a:solidFill>
+            <a:srgbClr val="ED245C"/>
+          </a:solidFill>
+          <a:ln>
+            <a:noFill/>
+          </a:ln>
+        </p:spPr>
+        <p:style>
+          <a:lnRef idx="2">
+            <a:schemeClr val="accent1">
+              <a:shade val="50000"/>
+            </a:schemeClr>
+          </a:lnRef>
+          <a:fillRef idx="1">
+            <a:schemeClr val="accent1"/>
+          </a:fillRef>
+          <a:effectRef idx="0">
+            <a:schemeClr val="accent1"/>
+          </a:effectRef>
+          <a:fontRef idx="minor">
+            <a:schemeClr val="lt1"/>
+          </a:fontRef>
+        </p:style>
+        <p:txBody>
+          <a:bodyPr rtlCol="0" anchor="ctr"/>
+          <a:lstStyle/>
+          <a:p>
+            <a:pPr algn="ctr"/>
+            <a:endParaRPr lang="en-US"/>
+          </a:p>
+        </p:txBody>
+      </p:sp>
+      <p:sp>
+        <p:nvSpPr>
+          <p:cNvPr id="13" name="Oval 12">
+            <a:extLst>
+              <a:ext uri="{FF2B5EF4-FFF2-40B4-BE49-F238E27FC236}">
+                <a16:creationId xmlns:a16="http://schemas.microsoft.com/office/drawing/2014/main" id="{F8BEA3CB-4082-43AF-B340-29BC94E02091}"/>
+              </a:ext>
+            </a:extLst>
+          </p:cNvPr>
+          <p:cNvSpPr/>
+          <p:nvPr/>
+        </p:nvSpPr>
+        <p:spPr>
+          <a:xfrm>
+            <a:off x="5442855" y="4297981"/>
+            <a:ext cx="275772" cy="275772"/>
+          </a:xfrm>
+          <a:prstGeom prst="ellipse">
+            <a:avLst/>
+          </a:prstGeom>
+          <a:solidFill>
+            <a:srgbClr val="ED245C"/>
+          </a:solidFill>
+          <a:ln>
+            <a:noFill/>
+          </a:ln>
+        </p:spPr>
+        <p:style>
+          <a:lnRef idx="2">
+            <a:schemeClr val="accent1">
+              <a:shade val="50000"/>
+            </a:schemeClr>
+          </a:lnRef>
+          <a:fillRef idx="1">
+            <a:schemeClr val="accent1"/>
+          </a:fillRef>
+          <a:effectRef idx="0">
+            <a:schemeClr val="accent1"/>
+          </a:effectRef>
+          <a:fontRef idx="minor">
+            <a:schemeClr val="lt1"/>
+          </a:fontRef>
+        </p:style>
+        <p:txBody>
+          <a:bodyPr rtlCol="0" anchor="ctr"/>
+          <a:lstStyle/>
+          <a:p>
+            <a:pPr algn="ctr"/>
+            <a:endParaRPr lang="en-US"/>
+          </a:p>
+        </p:txBody>
+      </p:sp>
+      <p:sp>
+        <p:nvSpPr>
+          <p:cNvPr id="15" name="Oval 14">
+            <a:extLst>
+              <a:ext uri="{FF2B5EF4-FFF2-40B4-BE49-F238E27FC236}">
+                <a16:creationId xmlns:a16="http://schemas.microsoft.com/office/drawing/2014/main" id="{09907629-90EA-4E08-8C07-BD1184FB9A4D}"/>
+              </a:ext>
+            </a:extLst>
+          </p:cNvPr>
+          <p:cNvSpPr/>
+          <p:nvPr/>
+        </p:nvSpPr>
+        <p:spPr>
+          <a:xfrm>
+            <a:off x="3947829" y="5526139"/>
+            <a:ext cx="275772" cy="275772"/>
+          </a:xfrm>
+          <a:prstGeom prst="ellipse">
+            <a:avLst/>
+          </a:prstGeom>
+          <a:solidFill>
+            <a:srgbClr val="ED245C"/>
+          </a:solidFill>
+          <a:ln>
+            <a:noFill/>
+          </a:ln>
+        </p:spPr>
+        <p:style>
+          <a:lnRef idx="2">
+            <a:schemeClr val="accent1">
+              <a:shade val="50000"/>
+            </a:schemeClr>
+          </a:lnRef>
+          <a:fillRef idx="1">
+            <a:schemeClr val="accent1"/>
+          </a:fillRef>
+          <a:effectRef idx="0">
+            <a:schemeClr val="accent1"/>
+          </a:effectRef>
+          <a:fontRef idx="minor">
+            <a:schemeClr val="lt1"/>
+          </a:fontRef>
+        </p:style>
+        <p:txBody>
+          <a:bodyPr rtlCol="0" anchor="ctr"/>
+          <a:lstStyle/>
+          <a:p>
+            <a:pPr algn="ctr"/>
+            <a:endParaRPr lang="en-US"/>
+          </a:p>
+        </p:txBody>
+      </p:sp>
+      <p:sp>
+        <p:nvSpPr>
+          <p:cNvPr id="23" name="TextBox 22">
+            <a:extLst>
+              <a:ext uri="{FF2B5EF4-FFF2-40B4-BE49-F238E27FC236}">
+                <a16:creationId xmlns:a16="http://schemas.microsoft.com/office/drawing/2014/main" id="{010D8CB8-942C-4F48-AB7C-2D3C308CDC29}"/>
+              </a:ext>
+            </a:extLst>
+          </p:cNvPr>
+          <p:cNvSpPr txBox="1"/>
+          <p:nvPr/>
+        </p:nvSpPr>
+        <p:spPr>
+          <a:xfrm>
+            <a:off x="6093187" y="195946"/>
+            <a:ext cx="4814299" cy="707886"/>
+          </a:xfrm>
+          <a:prstGeom prst="rect">
+            <a:avLst/>
+          </a:prstGeom>
+          <a:noFill/>
+        </p:spPr>
+        <p:txBody>
+          <a:bodyPr wrap="square" rtlCol="0" anchor="t">
+            <a:spAutoFit/>
+          </a:bodyPr>
+          <a:lstStyle/>
+          <a:p>
+            <a:pPr algn="r"/>
+            <a:r>
+              <a:rPr lang="ja-JP" altLang="en-US" sz="4000" b="1">
+                <a:solidFill>
+                  <a:srgbClr val="ED245C"/>
+                </a:solidFill>
+                <a:latin typeface="MS Gothic"/>
+                <a:ea typeface="MS Gothic"/>
+              </a:rPr>
+              <a:t>コマンド一覧</a:t>
+            </a:r>
+            <a:endParaRPr lang="en-US" altLang="ja-JP" sz="4000" b="1">
+              <a:solidFill>
+                <a:srgbClr val="ED245C"/>
+              </a:solidFill>
+              <a:latin typeface="MS Gothic"/>
+              <a:ea typeface="MS Gothic"/>
+            </a:endParaRPr>
+          </a:p>
+        </p:txBody>
+      </p:sp>
+      <p:sp>
+        <p:nvSpPr>
+          <p:cNvPr id="24" name="Rectangle 23">
+            <a:extLst>
+              <a:ext uri="{FF2B5EF4-FFF2-40B4-BE49-F238E27FC236}">
+                <a16:creationId xmlns:a16="http://schemas.microsoft.com/office/drawing/2014/main" id="{46814245-0555-4B01-813C-E83C5375D61D}"/>
+              </a:ext>
+            </a:extLst>
+          </p:cNvPr>
+          <p:cNvSpPr/>
+          <p:nvPr/>
+        </p:nvSpPr>
+        <p:spPr>
+          <a:xfrm>
+            <a:off x="6842487" y="2144363"/>
+            <a:ext cx="4748984" cy="830997"/>
+          </a:xfrm>
+          <a:prstGeom prst="rect">
+            <a:avLst/>
+          </a:prstGeom>
+        </p:spPr>
+        <p:txBody>
+          <a:bodyPr wrap="square" anchor="t">
+            <a:spAutoFit/>
+          </a:bodyPr>
+          <a:lstStyle/>
+          <a:p>
+            <a:r>
+              <a:rPr lang="ja-JP" altLang="en-US" sz="2400" dirty="0">
+                <a:solidFill>
+                  <a:srgbClr val="1A191E"/>
+                </a:solidFill>
+                <a:latin typeface="MS Gothic"/>
+                <a:ea typeface="MS Gothic"/>
+                <a:cs typeface="Times New Roman"/>
+              </a:rPr>
+              <a:t>カメラの動きを停止できる</a:t>
+            </a:r>
+            <a:endParaRPr lang="ja-JP" sz="2400" dirty="0">
+              <a:latin typeface="MS Gothic"/>
+              <a:ea typeface="MS Gothic"/>
+            </a:endParaRPr>
+          </a:p>
+          <a:p>
+            <a:r>
+              <a:rPr lang="ja-JP" altLang="en-US" sz="2400" dirty="0">
+                <a:solidFill>
+                  <a:srgbClr val="1A191E"/>
+                </a:solidFill>
+                <a:latin typeface="MS Gothic"/>
+                <a:ea typeface="MS Gothic"/>
+                <a:cs typeface="Times New Roman"/>
+              </a:rPr>
+              <a:t>一回しか使えないが強力</a:t>
+            </a:r>
+            <a:endParaRPr lang="ja-JP" sz="2400" dirty="0"/>
+          </a:p>
+        </p:txBody>
+      </p:sp>
+      <p:sp>
+        <p:nvSpPr>
+          <p:cNvPr id="28" name="TextBox 27">
+            <a:extLst>
+              <a:ext uri="{FF2B5EF4-FFF2-40B4-BE49-F238E27FC236}">
+                <a16:creationId xmlns:a16="http://schemas.microsoft.com/office/drawing/2014/main" id="{59C015EA-7E4B-4E83-A550-3465349C9171}"/>
+              </a:ext>
+            </a:extLst>
+          </p:cNvPr>
+          <p:cNvSpPr txBox="1"/>
+          <p:nvPr/>
+        </p:nvSpPr>
+        <p:spPr>
+          <a:xfrm>
+            <a:off x="6777777" y="1558478"/>
+            <a:ext cx="2272600" cy="584775"/>
+          </a:xfrm>
+          <a:prstGeom prst="rect">
+            <a:avLst/>
+          </a:prstGeom>
+          <a:noFill/>
+        </p:spPr>
+        <p:txBody>
+          <a:bodyPr wrap="square" rtlCol="0" anchor="t">
+            <a:spAutoFit/>
+          </a:bodyPr>
+          <a:lstStyle/>
+          <a:p>
+            <a:r>
+              <a:rPr lang="ja-JP" altLang="en-US" sz="3200">
+                <a:solidFill>
+                  <a:srgbClr val="ED245C"/>
+                </a:solidFill>
+                <a:latin typeface="MS Gothic"/>
+                <a:ea typeface="MS Gothic"/>
+              </a:rPr>
+              <a:t>ハッキング</a:t>
+            </a:r>
+            <a:endParaRPr lang="en-US" sz="3200">
+              <a:solidFill>
+                <a:srgbClr val="ED245C"/>
+              </a:solidFill>
+              <a:latin typeface="MS Gothic"/>
+              <a:ea typeface="MS Gothic"/>
+            </a:endParaRPr>
+          </a:p>
+        </p:txBody>
+      </p:sp>
+      <p:sp>
+        <p:nvSpPr>
+          <p:cNvPr id="29" name="TextBox 28">
+            <a:extLst>
+              <a:ext uri="{FF2B5EF4-FFF2-40B4-BE49-F238E27FC236}">
+                <a16:creationId xmlns:a16="http://schemas.microsoft.com/office/drawing/2014/main" id="{4473D626-7138-4D8E-8FB8-CB389E388728}"/>
+              </a:ext>
+            </a:extLst>
+          </p:cNvPr>
+          <p:cNvSpPr txBox="1"/>
+          <p:nvPr/>
+        </p:nvSpPr>
+        <p:spPr>
+          <a:xfrm>
+            <a:off x="6779279" y="2921367"/>
+            <a:ext cx="2742500" cy="584775"/>
+          </a:xfrm>
+          <a:prstGeom prst="rect">
+            <a:avLst/>
+          </a:prstGeom>
+          <a:noFill/>
+        </p:spPr>
+        <p:txBody>
+          <a:bodyPr wrap="square" rtlCol="0" anchor="t">
+            <a:spAutoFit/>
+          </a:bodyPr>
+          <a:lstStyle/>
+          <a:p>
+            <a:r>
+              <a:rPr lang="ja-JP" altLang="en-US" sz="3200">
+                <a:solidFill>
+                  <a:srgbClr val="ED245C"/>
+                </a:solidFill>
+                <a:latin typeface="MS Gothic"/>
+                <a:ea typeface="MS Gothic"/>
+              </a:rPr>
+              <a:t>催涙スプレー</a:t>
+            </a:r>
+            <a:endParaRPr lang="en-US" sz="3200" dirty="0">
+              <a:solidFill>
+                <a:srgbClr val="ED245C"/>
+              </a:solidFill>
+              <a:latin typeface="MS Gothic"/>
+              <a:ea typeface="MS Gothic"/>
+            </a:endParaRPr>
+          </a:p>
+        </p:txBody>
+      </p:sp>
+      <p:sp>
+        <p:nvSpPr>
+          <p:cNvPr id="32" name="Rectangle 23">
+            <a:extLst>
+              <a:ext uri="{FF2B5EF4-FFF2-40B4-BE49-F238E27FC236}">
+                <a16:creationId xmlns:a16="http://schemas.microsoft.com/office/drawing/2014/main" id="{710D26E1-999A-42CA-BE70-AB09AA45BAAE}"/>
+              </a:ext>
+            </a:extLst>
+          </p:cNvPr>
+          <p:cNvSpPr/>
+          <p:nvPr/>
+        </p:nvSpPr>
+        <p:spPr>
+          <a:xfrm>
+            <a:off x="6838254" y="3524429"/>
+            <a:ext cx="4748984" cy="830997"/>
+          </a:xfrm>
+          <a:prstGeom prst="rect">
+            <a:avLst/>
+          </a:prstGeom>
+        </p:spPr>
+        <p:txBody>
+          <a:bodyPr wrap="square" anchor="t">
+            <a:spAutoFit/>
+          </a:bodyPr>
+          <a:lstStyle/>
+          <a:p>
+            <a:r>
+              <a:rPr lang="ja-JP" altLang="en-US" sz="2400">
+                <a:solidFill>
+                  <a:srgbClr val="1A191E"/>
+                </a:solidFill>
+                <a:latin typeface="MS Gothic"/>
+                <a:ea typeface="MS Gothic"/>
+                <a:cs typeface="Times New Roman"/>
+              </a:rPr>
+              <a:t>敵の視界を奪い,動きを止めることができる</a:t>
+            </a:r>
+          </a:p>
+        </p:txBody>
+      </p:sp>
+      <p:sp>
+        <p:nvSpPr>
+          <p:cNvPr id="33" name="TextBox 28">
+            <a:extLst>
+              <a:ext uri="{FF2B5EF4-FFF2-40B4-BE49-F238E27FC236}">
+                <a16:creationId xmlns:a16="http://schemas.microsoft.com/office/drawing/2014/main" id="{9F0A8CDC-AA77-440F-BA75-CE95F72A3B66}"/>
+              </a:ext>
+            </a:extLst>
+          </p:cNvPr>
+          <p:cNvSpPr txBox="1"/>
+          <p:nvPr/>
+        </p:nvSpPr>
+        <p:spPr>
+          <a:xfrm>
+            <a:off x="6842779" y="4353644"/>
+            <a:ext cx="2272600" cy="584775"/>
+          </a:xfrm>
+          <a:prstGeom prst="rect">
+            <a:avLst/>
+          </a:prstGeom>
+          <a:noFill/>
+        </p:spPr>
+        <p:txBody>
+          <a:bodyPr wrap="square" rtlCol="0" anchor="t">
+            <a:spAutoFit/>
+          </a:bodyPr>
+          <a:lstStyle/>
+          <a:p>
+            <a:r>
+              <a:rPr lang="ja-JP" altLang="en-US" sz="3200">
+                <a:solidFill>
+                  <a:srgbClr val="ED245C"/>
+                </a:solidFill>
+                <a:latin typeface="MS Gothic"/>
+                <a:ea typeface="MS Gothic"/>
+              </a:rPr>
+              <a:t>会話</a:t>
+            </a:r>
+            <a:endParaRPr lang="ja-JP" altLang="en-US" sz="3200" dirty="0">
+              <a:solidFill>
+                <a:srgbClr val="ED245C"/>
+              </a:solidFill>
+              <a:latin typeface="MS Gothic"/>
+              <a:ea typeface="MS Gothic"/>
+            </a:endParaRPr>
+          </a:p>
+        </p:txBody>
+      </p:sp>
+      <p:sp>
+        <p:nvSpPr>
+          <p:cNvPr id="34" name="Rectangle 23">
+            <a:extLst>
+              <a:ext uri="{FF2B5EF4-FFF2-40B4-BE49-F238E27FC236}">
+                <a16:creationId xmlns:a16="http://schemas.microsoft.com/office/drawing/2014/main" id="{D7F20AFE-C9F4-40C3-B84C-8DF5CCB34363}"/>
+              </a:ext>
+            </a:extLst>
+          </p:cNvPr>
+          <p:cNvSpPr/>
+          <p:nvPr/>
+        </p:nvSpPr>
+        <p:spPr>
+          <a:xfrm>
+            <a:off x="6842487" y="5035729"/>
+            <a:ext cx="4748984" cy="461665"/>
+          </a:xfrm>
+          <a:prstGeom prst="rect">
+            <a:avLst/>
+          </a:prstGeom>
+        </p:spPr>
+        <p:txBody>
+          <a:bodyPr wrap="square" anchor="t">
+            <a:spAutoFit/>
+          </a:bodyPr>
+          <a:lstStyle/>
+          <a:p>
+            <a:r>
+              <a:rPr lang="ja-JP" altLang="en-US" sz="2400">
+                <a:solidFill>
+                  <a:srgbClr val="1A191E"/>
+                </a:solidFill>
+                <a:latin typeface="MS Gothic"/>
+                <a:ea typeface="MS Gothic"/>
+                <a:cs typeface="Times New Roman"/>
+              </a:rPr>
+              <a:t>敵の視界を固定できる</a:t>
+            </a:r>
+            <a:endParaRPr lang="ja-JP" sz="2400">
+              <a:latin typeface="MS Gothic"/>
+              <a:ea typeface="MS Gothic"/>
+            </a:endParaRPr>
+          </a:p>
+        </p:txBody>
+      </p:sp>
+      <p:sp>
+        <p:nvSpPr>
+          <p:cNvPr id="14" name="Freeform 13">
+            <a:extLst>
+              <a:ext uri="{FF2B5EF4-FFF2-40B4-BE49-F238E27FC236}">
+                <a16:creationId xmlns:a16="http://schemas.microsoft.com/office/drawing/2014/main" id="{1C8566AF-4115-48AF-8D1D-9B3CDF432E46}"/>
+              </a:ext>
+            </a:extLst>
+          </p:cNvPr>
+          <p:cNvSpPr>
+            <a:spLocks/>
+          </p:cNvSpPr>
+          <p:nvPr/>
+        </p:nvSpPr>
+        <p:spPr bwMode="auto">
+          <a:xfrm>
+            <a:off x="1251178" y="54"/>
+            <a:ext cx="1222172" cy="1044481"/>
+          </a:xfrm>
+          <a:custGeom>
+            <a:avLst/>
+            <a:gdLst>
+              <a:gd name="T0" fmla="*/ 282 w 282"/>
+              <a:gd name="T1" fmla="*/ 0 h 241"/>
+              <a:gd name="T2" fmla="*/ 40 w 282"/>
+              <a:gd name="T3" fmla="*/ 241 h 241"/>
+              <a:gd name="T4" fmla="*/ 0 w 282"/>
+              <a:gd name="T5" fmla="*/ 241 h 241"/>
+              <a:gd name="T6" fmla="*/ 242 w 282"/>
+              <a:gd name="T7" fmla="*/ 0 h 241"/>
+              <a:gd name="T8" fmla="*/ 282 w 282"/>
+              <a:gd name="T9" fmla="*/ 0 h 241"/>
+            </a:gdLst>
+            <a:ahLst/>
+            <a:cxnLst>
+              <a:cxn ang="0">
+                <a:pos x="T0" y="T1"/>
+              </a:cxn>
+              <a:cxn ang="0">
+                <a:pos x="T2" y="T3"/>
+              </a:cxn>
+              <a:cxn ang="0">
+                <a:pos x="T4" y="T5"/>
+              </a:cxn>
+              <a:cxn ang="0">
+                <a:pos x="T6" y="T7"/>
+              </a:cxn>
+              <a:cxn ang="0">
+                <a:pos x="T8" y="T9"/>
+              </a:cxn>
+            </a:cxnLst>
+            <a:rect l="0" t="0" r="r" b="b"/>
+            <a:pathLst>
+              <a:path w="282" h="241">
+                <a:moveTo>
+                  <a:pt x="282" y="0"/>
+                </a:moveTo>
+                <a:lnTo>
+                  <a:pt x="40" y="241"/>
+                </a:lnTo>
+                <a:lnTo>
+                  <a:pt x="0" y="241"/>
+                </a:lnTo>
+                <a:lnTo>
+                  <a:pt x="242" y="0"/>
+                </a:lnTo>
+                <a:lnTo>
+                  <a:pt x="282" y="0"/>
+                </a:lnTo>
+                <a:close/>
+              </a:path>
+            </a:pathLst>
+          </a:custGeom>
+          <a:solidFill>
+            <a:srgbClr val="ED245C"/>
+          </a:solidFill>
+          <a:ln>
+            <a:noFill/>
+          </a:ln>
+        </p:spPr>
+        <p:txBody>
+          <a:bodyPr vert="horz" wrap="square" lIns="91440" tIns="45720" rIns="91440" bIns="45720" numCol="1" anchor="t" anchorCtr="0" compatLnSpc="1">
+            <a:prstTxWarp prst="textNoShape">
+              <a:avLst/>
+            </a:prstTxWarp>
+          </a:bodyPr>
+          <a:lstStyle/>
+          <a:p>
+            <a:endParaRPr lang="en-US"/>
+          </a:p>
+        </p:txBody>
+      </p:sp>
+      <p:sp>
+        <p:nvSpPr>
+          <p:cNvPr id="18" name="Freeform 11">
+            <a:extLst>
+              <a:ext uri="{FF2B5EF4-FFF2-40B4-BE49-F238E27FC236}">
+                <a16:creationId xmlns:a16="http://schemas.microsoft.com/office/drawing/2014/main" id="{588B704A-047D-4DCC-B385-5A76C7E94548}"/>
+              </a:ext>
+            </a:extLst>
+          </p:cNvPr>
+          <p:cNvSpPr>
+            <a:spLocks/>
+          </p:cNvSpPr>
+          <p:nvPr/>
+        </p:nvSpPr>
+        <p:spPr bwMode="auto">
+          <a:xfrm>
+            <a:off x="-1243745" y="798940"/>
+            <a:ext cx="3328468" cy="3142109"/>
+          </a:xfrm>
+          <a:custGeom>
+            <a:avLst/>
+            <a:gdLst>
+              <a:gd name="T0" fmla="*/ 768 w 768"/>
+              <a:gd name="T1" fmla="*/ 0 h 725"/>
+              <a:gd name="T2" fmla="*/ 40 w 768"/>
+              <a:gd name="T3" fmla="*/ 725 h 725"/>
+              <a:gd name="T4" fmla="*/ 0 w 768"/>
+              <a:gd name="T5" fmla="*/ 725 h 725"/>
+              <a:gd name="T6" fmla="*/ 728 w 768"/>
+              <a:gd name="T7" fmla="*/ 0 h 725"/>
+              <a:gd name="T8" fmla="*/ 768 w 768"/>
+              <a:gd name="T9" fmla="*/ 0 h 725"/>
+            </a:gdLst>
+            <a:ahLst/>
+            <a:cxnLst>
+              <a:cxn ang="0">
+                <a:pos x="T0" y="T1"/>
+              </a:cxn>
+              <a:cxn ang="0">
+                <a:pos x="T2" y="T3"/>
+              </a:cxn>
+              <a:cxn ang="0">
+                <a:pos x="T4" y="T5"/>
+              </a:cxn>
+              <a:cxn ang="0">
+                <a:pos x="T6" y="T7"/>
+              </a:cxn>
+              <a:cxn ang="0">
+                <a:pos x="T8" y="T9"/>
+              </a:cxn>
+            </a:cxnLst>
+            <a:rect l="0" t="0" r="r" b="b"/>
+            <a:pathLst>
+              <a:path w="768" h="725">
+                <a:moveTo>
+                  <a:pt x="768" y="0"/>
+                </a:moveTo>
+                <a:lnTo>
+                  <a:pt x="40" y="725"/>
+                </a:lnTo>
+                <a:lnTo>
+                  <a:pt x="0" y="725"/>
+                </a:lnTo>
+                <a:lnTo>
+                  <a:pt x="728" y="0"/>
+                </a:lnTo>
+                <a:lnTo>
+                  <a:pt x="768" y="0"/>
+                </a:lnTo>
+                <a:close/>
+              </a:path>
+            </a:pathLst>
+          </a:custGeom>
+          <a:solidFill>
+            <a:srgbClr val="ED245C"/>
+          </a:solidFill>
+          <a:ln>
+            <a:noFill/>
+          </a:ln>
+        </p:spPr>
+        <p:txBody>
+          <a:bodyPr vert="horz" wrap="square" lIns="91440" tIns="45720" rIns="91440" bIns="45720" numCol="1" anchor="t" anchorCtr="0" compatLnSpc="1">
+            <a:prstTxWarp prst="textNoShape">
+              <a:avLst/>
+            </a:prstTxWarp>
+          </a:bodyPr>
+          <a:lstStyle/>
+          <a:p>
+            <a:endParaRPr lang="en-US"/>
+          </a:p>
+        </p:txBody>
+      </p:sp>
+      <p:sp>
+        <p:nvSpPr>
+          <p:cNvPr id="20" name="Freeform 12">
+            <a:extLst>
+              <a:ext uri="{FF2B5EF4-FFF2-40B4-BE49-F238E27FC236}">
+                <a16:creationId xmlns:a16="http://schemas.microsoft.com/office/drawing/2014/main" id="{80A55E38-6C81-4195-90C0-0919B5B3370D}"/>
+              </a:ext>
+            </a:extLst>
+          </p:cNvPr>
+          <p:cNvSpPr>
+            <a:spLocks/>
+          </p:cNvSpPr>
+          <p:nvPr/>
+        </p:nvSpPr>
+        <p:spPr bwMode="auto">
+          <a:xfrm>
+            <a:off x="-206757" y="-2537"/>
+            <a:ext cx="2279654" cy="2097628"/>
+          </a:xfrm>
+          <a:custGeom>
+            <a:avLst/>
+            <a:gdLst>
+              <a:gd name="T0" fmla="*/ 526 w 526"/>
+              <a:gd name="T1" fmla="*/ 0 h 484"/>
+              <a:gd name="T2" fmla="*/ 40 w 526"/>
+              <a:gd name="T3" fmla="*/ 484 h 484"/>
+              <a:gd name="T4" fmla="*/ 0 w 526"/>
+              <a:gd name="T5" fmla="*/ 484 h 484"/>
+              <a:gd name="T6" fmla="*/ 486 w 526"/>
+              <a:gd name="T7" fmla="*/ 0 h 484"/>
+              <a:gd name="T8" fmla="*/ 526 w 526"/>
+              <a:gd name="T9" fmla="*/ 0 h 484"/>
+            </a:gdLst>
+            <a:ahLst/>
+            <a:cxnLst>
+              <a:cxn ang="0">
+                <a:pos x="T0" y="T1"/>
+              </a:cxn>
+              <a:cxn ang="0">
+                <a:pos x="T2" y="T3"/>
+              </a:cxn>
+              <a:cxn ang="0">
+                <a:pos x="T4" y="T5"/>
+              </a:cxn>
+              <a:cxn ang="0">
+                <a:pos x="T6" y="T7"/>
+              </a:cxn>
+              <a:cxn ang="0">
+                <a:pos x="T8" y="T9"/>
+              </a:cxn>
+            </a:cxnLst>
+            <a:rect l="0" t="0" r="r" b="b"/>
+            <a:pathLst>
+              <a:path w="526" h="484">
+                <a:moveTo>
+                  <a:pt x="526" y="0"/>
+                </a:moveTo>
+                <a:lnTo>
+                  <a:pt x="40" y="484"/>
+                </a:lnTo>
+                <a:lnTo>
+                  <a:pt x="0" y="484"/>
+                </a:lnTo>
+                <a:lnTo>
+                  <a:pt x="486" y="0"/>
+                </a:lnTo>
+                <a:lnTo>
+                  <a:pt x="526" y="0"/>
+                </a:lnTo>
+                <a:close/>
+              </a:path>
+            </a:pathLst>
+          </a:custGeom>
+          <a:solidFill>
+            <a:srgbClr val="343434"/>
+          </a:solidFill>
+          <a:ln>
+            <a:noFill/>
+          </a:ln>
+          <a:extLst>
+            <a:ext uri="{91240B29-F687-4F45-9708-019B960494DF}">
+              <a14:hiddenLine xmlns:a14="http://schemas.microsoft.com/office/drawing/2010/main" w="9525">
+                <a:solidFill>
+                  <a:srgbClr val="000000"/>
+                </a:solidFill>
+                <a:round/>
+                <a:headEnd/>
+                <a:tailEnd/>
+              </a14:hiddenLine>
+            </a:ext>
+          </a:extLst>
+        </p:spPr>
+        <p:txBody>
+          <a:bodyPr vert="horz" wrap="square" lIns="91440" tIns="45720" rIns="91440" bIns="45720" numCol="1" anchor="t" anchorCtr="0" compatLnSpc="1">
+            <a:prstTxWarp prst="textNoShape">
+              <a:avLst/>
+            </a:prstTxWarp>
+          </a:bodyPr>
+          <a:lstStyle/>
+          <a:p>
+            <a:endParaRPr lang="en-US"/>
+          </a:p>
+        </p:txBody>
+      </p:sp>
+      <p:sp>
+        <p:nvSpPr>
+          <p:cNvPr id="22" name="Freeform 13">
+            <a:extLst>
+              <a:ext uri="{FF2B5EF4-FFF2-40B4-BE49-F238E27FC236}">
+                <a16:creationId xmlns:a16="http://schemas.microsoft.com/office/drawing/2014/main" id="{16E200AE-3CDF-435F-875A-EBA861D57346}"/>
+              </a:ext>
+            </a:extLst>
+          </p:cNvPr>
+          <p:cNvSpPr>
+            <a:spLocks/>
+          </p:cNvSpPr>
+          <p:nvPr/>
+        </p:nvSpPr>
+        <p:spPr bwMode="auto">
+          <a:xfrm>
+            <a:off x="61784" y="1192268"/>
+            <a:ext cx="1222172" cy="1044481"/>
+          </a:xfrm>
+          <a:custGeom>
+            <a:avLst/>
+            <a:gdLst>
+              <a:gd name="T0" fmla="*/ 282 w 282"/>
+              <a:gd name="T1" fmla="*/ 0 h 241"/>
+              <a:gd name="T2" fmla="*/ 40 w 282"/>
+              <a:gd name="T3" fmla="*/ 241 h 241"/>
+              <a:gd name="T4" fmla="*/ 0 w 282"/>
+              <a:gd name="T5" fmla="*/ 241 h 241"/>
+              <a:gd name="T6" fmla="*/ 242 w 282"/>
+              <a:gd name="T7" fmla="*/ 0 h 241"/>
+              <a:gd name="T8" fmla="*/ 282 w 282"/>
+              <a:gd name="T9" fmla="*/ 0 h 241"/>
+            </a:gdLst>
+            <a:ahLst/>
+            <a:cxnLst>
+              <a:cxn ang="0">
+                <a:pos x="T0" y="T1"/>
+              </a:cxn>
+              <a:cxn ang="0">
+                <a:pos x="T2" y="T3"/>
+              </a:cxn>
+              <a:cxn ang="0">
+                <a:pos x="T4" y="T5"/>
+              </a:cxn>
+              <a:cxn ang="0">
+                <a:pos x="T6" y="T7"/>
+              </a:cxn>
+              <a:cxn ang="0">
+                <a:pos x="T8" y="T9"/>
+              </a:cxn>
+            </a:cxnLst>
+            <a:rect l="0" t="0" r="r" b="b"/>
+            <a:pathLst>
+              <a:path w="282" h="241">
+                <a:moveTo>
+                  <a:pt x="282" y="0"/>
+                </a:moveTo>
+                <a:lnTo>
+                  <a:pt x="40" y="241"/>
+                </a:lnTo>
+                <a:lnTo>
+                  <a:pt x="0" y="241"/>
+                </a:lnTo>
+                <a:lnTo>
+                  <a:pt x="242" y="0"/>
+                </a:lnTo>
+                <a:lnTo>
+                  <a:pt x="282" y="0"/>
+                </a:lnTo>
+                <a:close/>
+              </a:path>
+            </a:pathLst>
+          </a:custGeom>
+          <a:solidFill>
+            <a:srgbClr val="ED245C"/>
+          </a:solidFill>
+          <a:ln>
+            <a:noFill/>
+          </a:ln>
+        </p:spPr>
+        <p:txBody>
+          <a:bodyPr vert="horz" wrap="square" lIns="91440" tIns="45720" rIns="91440" bIns="45720" numCol="1" anchor="t" anchorCtr="0" compatLnSpc="1">
+            <a:prstTxWarp prst="textNoShape">
+              <a:avLst/>
+            </a:prstTxWarp>
+          </a:bodyPr>
+          <a:lstStyle/>
+          <a:p>
+            <a:endParaRPr lang="en-US"/>
+          </a:p>
+        </p:txBody>
+      </p:sp>
+      <p:sp>
+        <p:nvSpPr>
+          <p:cNvPr id="4" name="TextBox 7">
+            <a:extLst>
+              <a:ext uri="{FF2B5EF4-FFF2-40B4-BE49-F238E27FC236}">
+                <a16:creationId xmlns:a16="http://schemas.microsoft.com/office/drawing/2014/main" id="{41AA295D-369F-4F5F-8F18-883CD5C7595A}"/>
+              </a:ext>
+            </a:extLst>
+          </p:cNvPr>
+          <p:cNvSpPr txBox="1"/>
+          <p:nvPr/>
+        </p:nvSpPr>
+        <p:spPr>
+          <a:xfrm>
+            <a:off x="425509" y="5323571"/>
+            <a:ext cx="923429" cy="1323439"/>
+          </a:xfrm>
+          <a:prstGeom prst="rect">
+            <a:avLst/>
+          </a:prstGeom>
+          <a:noFill/>
+        </p:spPr>
+        <p:txBody>
+          <a:bodyPr wrap="square" rtlCol="0" anchor="t">
+            <a:spAutoFit/>
+          </a:bodyPr>
+          <a:lstStyle/>
+          <a:p>
+            <a:r>
+              <a:rPr lang="en-US" sz="8000" dirty="0">
+                <a:solidFill>
+                  <a:schemeClr val="bg1"/>
+                </a:solidFill>
+                <a:latin typeface="Roboto Black"/>
+                <a:ea typeface="Roboto Black" panose="02000000000000000000" pitchFamily="2" charset="0"/>
+              </a:rPr>
+              <a:t>5</a:t>
+            </a:r>
+            <a:endParaRPr lang="en-US" sz="8000" dirty="0">
+              <a:solidFill>
+                <a:schemeClr val="bg1"/>
+              </a:solidFill>
+              <a:latin typeface="Roboto Black" panose="02000000000000000000" pitchFamily="2" charset="0"/>
+              <a:ea typeface="Roboto Black" panose="02000000000000000000" pitchFamily="2" charset="0"/>
+            </a:endParaRPr>
+          </a:p>
+        </p:txBody>
+      </p:sp>
+      <p:sp>
+        <p:nvSpPr>
+          <p:cNvPr id="5" name="スライド番号プレースホルダー 4">
+            <a:extLst>
+              <a:ext uri="{FF2B5EF4-FFF2-40B4-BE49-F238E27FC236}">
+                <a16:creationId xmlns:a16="http://schemas.microsoft.com/office/drawing/2014/main" id="{60012D7E-C5C0-49C0-B544-AA03826D0B59}"/>
+              </a:ext>
+            </a:extLst>
+          </p:cNvPr>
+          <p:cNvSpPr>
+            <a:spLocks noGrp="1"/>
+          </p:cNvSpPr>
+          <p:nvPr>
+            <p:ph type="sldNum" sz="quarter" idx="12"/>
+          </p:nvPr>
+        </p:nvSpPr>
+        <p:spPr/>
+        <p:txBody>
+          <a:bodyPr/>
+          <a:lstStyle/>
+          <a:p>
+            <a:fld id="{A4CA1C59-5788-4CA8-919D-639ED9581D45}" type="slidenum">
+              <a:rPr lang="en-US" smtClean="0"/>
+              <a:t>5</a:t>
+            </a:fld>
+            <a:endParaRPr lang="en-US"/>
+          </a:p>
+        </p:txBody>
+      </p:sp>
+    </p:spTree>
+    <p:extLst>
+      <p:ext uri="{BB962C8B-B14F-4D97-AF65-F5344CB8AC3E}">
+        <p14:creationId xmlns:p14="http://schemas.microsoft.com/office/powerpoint/2010/main" val="1465456182"/>
       </p:ext>
     </p:extLst>
   </p:cSld>
@@ -27790,7 +29164,7 @@
         </p:nvSpPr>
         <p:spPr>
           <a:xfrm>
-            <a:off x="6305050" y="157846"/>
+            <a:off x="6163939" y="214290"/>
             <a:ext cx="4814299" cy="707886"/>
           </a:xfrm>
           <a:prstGeom prst="rect">
@@ -27806,22 +29180,15 @@
           <a:p>
             <a:pPr algn="r"/>
             <a:r>
-              <a:rPr lang="ja-JP" altLang="en-US" sz="4000" b="1">
+              <a:rPr lang="ja-JP" altLang="en-US" sz="4000" b="1" dirty="0">
                 <a:solidFill>
                   <a:srgbClr val="ED245C"/>
                 </a:solidFill>
-                <a:latin typeface="Roboto Medium"/>
+                <a:latin typeface="MS Gothic"/>
                 <a:ea typeface="MS Gothic"/>
               </a:rPr>
-              <a:t>開発進捗過程・状況</a:t>
+              <a:t>狙う賞</a:t>
             </a:r>
-            <a:endParaRPr lang="ja-JP" altLang="en-US" sz="4000" b="1" dirty="0">
-              <a:solidFill>
-                <a:srgbClr val="ED245C"/>
-              </a:solidFill>
-              <a:latin typeface="Roboto Medium" panose="02000000000000000000" pitchFamily="2" charset="0"/>
-              <a:ea typeface="MS Gothic"/>
-            </a:endParaRPr>
           </a:p>
         </p:txBody>
       </p:sp>
@@ -29414,6 +30781,1903 @@
       </p:grpSp>
       <p:sp>
         <p:nvSpPr>
+          <p:cNvPr id="3" name="テキスト ボックス 2">
+            <a:extLst>
+              <a:ext uri="{FF2B5EF4-FFF2-40B4-BE49-F238E27FC236}">
+                <a16:creationId xmlns:a16="http://schemas.microsoft.com/office/drawing/2014/main" id="{9F708B3E-16E9-4063-802D-8E8A3CDB277E}"/>
+              </a:ext>
+            </a:extLst>
+          </p:cNvPr>
+          <p:cNvSpPr txBox="1"/>
+          <p:nvPr/>
+        </p:nvSpPr>
+        <p:spPr>
+          <a:xfrm>
+            <a:off x="452926" y="2130584"/>
+            <a:ext cx="7794976" cy="2985433"/>
+          </a:xfrm>
+          <a:prstGeom prst="rect">
+            <a:avLst/>
+          </a:prstGeom>
+          <a:noFill/>
+        </p:spPr>
+        <p:txBody>
+          <a:bodyPr rot="0" spcFirstLastPara="0" vertOverflow="overflow" horzOverflow="overflow" vert="horz" wrap="square" lIns="91440" tIns="45720" rIns="91440" bIns="45720" numCol="1" spcCol="0" rtlCol="0" fromWordArt="0" anchor="t" anchorCtr="0" forceAA="0" compatLnSpc="1">
+            <a:prstTxWarp prst="textNoShape">
+              <a:avLst/>
+            </a:prstTxWarp>
+            <a:spAutoFit/>
+          </a:bodyPr>
+          <a:lstStyle/>
+          <a:p>
+            <a:pPr marL="571500" indent="-571500" algn="l">
+              <a:buFont typeface="Arial"/>
+              <a:buChar char="•"/>
+            </a:pPr>
+            <a:r>
+              <a:rPr lang="ja-JP" altLang="en-US" sz="3200" dirty="0">
+                <a:latin typeface="MS Gothic"/>
+                <a:ea typeface="MS Gothic"/>
+                <a:cs typeface="Calibri"/>
+              </a:rPr>
+              <a:t>敵キャラクターの動きを最適化</a:t>
+            </a:r>
+          </a:p>
+          <a:p>
+            <a:r>
+              <a:rPr lang="ja-JP" altLang="en-US" sz="2000" dirty="0">
+                <a:latin typeface="MS Gothic"/>
+                <a:ea typeface="MS Gothic"/>
+                <a:cs typeface="Calibri"/>
+              </a:rPr>
+              <a:t>最短距離のプレイヤーを追跡</a:t>
+            </a:r>
+          </a:p>
+          <a:p>
+            <a:endParaRPr lang="ja-JP" altLang="en-US" sz="2000" dirty="0">
+              <a:latin typeface="MS Gothic"/>
+              <a:ea typeface="MS Gothic"/>
+              <a:cs typeface="Calibri"/>
+            </a:endParaRPr>
+          </a:p>
+          <a:p>
+            <a:pPr marL="571500" indent="-571500">
+              <a:buFont typeface="Arial"/>
+              <a:buChar char="•"/>
+            </a:pPr>
+            <a:r>
+              <a:rPr lang="ja-JP" altLang="en-US" sz="3200" dirty="0">
+                <a:latin typeface="MS Gothic"/>
+                <a:ea typeface="MS Gothic"/>
+                <a:cs typeface="Calibri"/>
+              </a:rPr>
+              <a:t>SDLのみで作成</a:t>
+            </a:r>
+          </a:p>
+          <a:p>
+            <a:r>
+              <a:rPr lang="ja-JP" altLang="en-US" sz="2000" dirty="0">
+                <a:latin typeface="MS Gothic"/>
+                <a:ea typeface="MS Gothic"/>
+                <a:cs typeface="Calibri"/>
+              </a:rPr>
+              <a:t>(例)当たり判定に</a:t>
+            </a:r>
+            <a:r>
+              <a:rPr lang="ja-JP" sz="2000" dirty="0">
+                <a:ea typeface="+mn-lt"/>
+                <a:cs typeface="+mn-lt"/>
+              </a:rPr>
+              <a:t>SDL_IntersectRect関数を使用</a:t>
+            </a:r>
+            <a:endParaRPr lang="ja-JP" altLang="en-US" sz="2000" dirty="0">
+              <a:latin typeface="Calibri"/>
+              <a:ea typeface="MS Gothic"/>
+              <a:cs typeface="Calibri"/>
+            </a:endParaRPr>
+          </a:p>
+          <a:p>
+            <a:pPr marL="571500" indent="-571500">
+              <a:buFont typeface="Arial"/>
+              <a:buChar char="•"/>
+            </a:pPr>
+            <a:endParaRPr lang="ja-JP" altLang="en-US" sz="3200" dirty="0">
+              <a:latin typeface="MS Gothic"/>
+              <a:ea typeface="MS Gothic"/>
+              <a:cs typeface="Calibri"/>
+            </a:endParaRPr>
+          </a:p>
+          <a:p>
+            <a:pPr marL="571500" indent="-571500">
+              <a:buFont typeface="Arial"/>
+              <a:buChar char="•"/>
+            </a:pPr>
+            <a:r>
+              <a:rPr lang="ja-JP" altLang="en-US" sz="3200" dirty="0">
+                <a:latin typeface="MS Gothic"/>
+                <a:ea typeface="MS Gothic"/>
+                <a:cs typeface="Calibri"/>
+              </a:rPr>
+              <a:t>新規性</a:t>
+            </a:r>
+          </a:p>
+        </p:txBody>
+      </p:sp>
+      <p:sp>
+        <p:nvSpPr>
+          <p:cNvPr id="4" name="テキスト ボックス 3">
+            <a:extLst>
+              <a:ext uri="{FF2B5EF4-FFF2-40B4-BE49-F238E27FC236}">
+                <a16:creationId xmlns:a16="http://schemas.microsoft.com/office/drawing/2014/main" id="{AE57D582-D34D-4B8A-9297-49A6F72C8DEF}"/>
+              </a:ext>
+            </a:extLst>
+          </p:cNvPr>
+          <p:cNvSpPr txBox="1"/>
+          <p:nvPr/>
+        </p:nvSpPr>
+        <p:spPr>
+          <a:xfrm>
+            <a:off x="452926" y="1300546"/>
+            <a:ext cx="2743200" cy="707886"/>
+          </a:xfrm>
+          <a:prstGeom prst="rect">
+            <a:avLst/>
+          </a:prstGeom>
+          <a:noFill/>
+        </p:spPr>
+        <p:txBody>
+          <a:bodyPr rot="0" spcFirstLastPara="0" vertOverflow="overflow" horzOverflow="overflow" vert="horz" wrap="square" lIns="91440" tIns="45720" rIns="91440" bIns="45720" numCol="1" spcCol="0" rtlCol="0" fromWordArt="0" anchor="t" anchorCtr="0" forceAA="0" compatLnSpc="1">
+            <a:prstTxWarp prst="textNoShape">
+              <a:avLst/>
+            </a:prstTxWarp>
+            <a:spAutoFit/>
+          </a:bodyPr>
+          <a:lstStyle/>
+          <a:p>
+            <a:r>
+              <a:rPr lang="ja-JP" altLang="en-US" sz="4000" b="1" dirty="0">
+                <a:solidFill>
+                  <a:srgbClr val="ED245C"/>
+                </a:solidFill>
+                <a:latin typeface="ＭＳ ゴシック"/>
+                <a:ea typeface="ＭＳ ゴシック"/>
+              </a:rPr>
+              <a:t>総合優勝</a:t>
+            </a:r>
+            <a:endParaRPr lang="ja-JP" sz="4000" dirty="0">
+              <a:latin typeface="ＭＳ ゴシック"/>
+              <a:ea typeface="ＭＳ ゴシック"/>
+            </a:endParaRPr>
+          </a:p>
+        </p:txBody>
+      </p:sp>
+      <p:sp>
+        <p:nvSpPr>
+          <p:cNvPr id="2" name="スライド番号プレースホルダー 1">
+            <a:extLst>
+              <a:ext uri="{FF2B5EF4-FFF2-40B4-BE49-F238E27FC236}">
+                <a16:creationId xmlns:a16="http://schemas.microsoft.com/office/drawing/2014/main" id="{BBADCAA2-8F36-41E0-AE86-509218B0108A}"/>
+              </a:ext>
+            </a:extLst>
+          </p:cNvPr>
+          <p:cNvSpPr>
+            <a:spLocks noGrp="1"/>
+          </p:cNvSpPr>
+          <p:nvPr>
+            <p:ph type="sldNum" sz="quarter" idx="12"/>
+          </p:nvPr>
+        </p:nvSpPr>
+        <p:spPr/>
+        <p:txBody>
+          <a:bodyPr/>
+          <a:lstStyle/>
+          <a:p>
+            <a:fld id="{A4CA1C59-5788-4CA8-919D-639ED9581D45}" type="slidenum">
+              <a:rPr lang="en-US" smtClean="0"/>
+              <a:t>6</a:t>
+            </a:fld>
+            <a:endParaRPr lang="en-US"/>
+          </a:p>
+        </p:txBody>
+      </p:sp>
+      <p:pic>
+        <p:nvPicPr>
+          <p:cNvPr id="5" name="図 5" descr="フラグ, 記号 が含まれている画像&#10;&#10;非常に高い精度で生成された説明">
+            <a:extLst>
+              <a:ext uri="{FF2B5EF4-FFF2-40B4-BE49-F238E27FC236}">
+                <a16:creationId xmlns:a16="http://schemas.microsoft.com/office/drawing/2014/main" id="{5F8722C0-AD6B-4725-BB57-881E98F716D0}"/>
+              </a:ext>
+            </a:extLst>
+          </p:cNvPr>
+          <p:cNvPicPr>
+            <a:picLocks noChangeAspect="1"/>
+          </p:cNvPicPr>
+          <p:nvPr/>
+        </p:nvPicPr>
+        <p:blipFill>
+          <a:blip r:embed="rId2"/>
+          <a:stretch>
+            <a:fillRect/>
+          </a:stretch>
+        </p:blipFill>
+        <p:spPr>
+          <a:xfrm>
+            <a:off x="7321115" y="2763880"/>
+            <a:ext cx="4665134" cy="3497171"/>
+          </a:xfrm>
+          <a:prstGeom prst="rect">
+            <a:avLst/>
+          </a:prstGeom>
+        </p:spPr>
+      </p:pic>
+    </p:spTree>
+    <p:extLst>
+      <p:ext uri="{BB962C8B-B14F-4D97-AF65-F5344CB8AC3E}">
+        <p14:creationId xmlns:p14="http://schemas.microsoft.com/office/powerpoint/2010/main" val="1409115330"/>
+      </p:ext>
+    </p:extLst>
+  </p:cSld>
+  <p:clrMapOvr>
+    <a:masterClrMapping/>
+  </p:clrMapOvr>
+</p:sld>
+</file>
+
+<file path=ppt/slides/slide7.xml><?xml version="1.0" encoding="utf-8"?>
+<p:sld xmlns:a="http://schemas.openxmlformats.org/drawingml/2006/main" xmlns:r="http://schemas.openxmlformats.org/officeDocument/2006/relationships" xmlns:p="http://schemas.openxmlformats.org/presentationml/2006/main">
+  <p:cSld>
+    <p:spTree>
+      <p:nvGrpSpPr>
+        <p:cNvPr id="1" name=""/>
+        <p:cNvGrpSpPr/>
+        <p:nvPr/>
+      </p:nvGrpSpPr>
+      <p:grpSpPr>
+        <a:xfrm>
+          <a:off x="0" y="0"/>
+          <a:ext cx="0" cy="0"/>
+          <a:chOff x="0" y="0"/>
+          <a:chExt cx="0" cy="0"/>
+        </a:xfrm>
+      </p:grpSpPr>
+      <p:sp>
+        <p:nvSpPr>
+          <p:cNvPr id="11" name="TextBox 10">
+            <a:extLst>
+              <a:ext uri="{FF2B5EF4-FFF2-40B4-BE49-F238E27FC236}">
+                <a16:creationId xmlns:a16="http://schemas.microsoft.com/office/drawing/2014/main" id="{DBCF25FA-F6D0-4AD1-B1E6-05832CAD4C08}"/>
+              </a:ext>
+            </a:extLst>
+          </p:cNvPr>
+          <p:cNvSpPr txBox="1"/>
+          <p:nvPr/>
+        </p:nvSpPr>
+        <p:spPr>
+          <a:xfrm>
+            <a:off x="6305050" y="157846"/>
+            <a:ext cx="4814299" cy="707886"/>
+          </a:xfrm>
+          <a:prstGeom prst="rect">
+            <a:avLst/>
+          </a:prstGeom>
+          <a:noFill/>
+        </p:spPr>
+        <p:txBody>
+          <a:bodyPr wrap="square" rtlCol="0" anchor="t">
+            <a:spAutoFit/>
+          </a:bodyPr>
+          <a:lstStyle/>
+          <a:p>
+            <a:pPr algn="r"/>
+            <a:r>
+              <a:rPr lang="ja-JP" altLang="en-US" sz="4000" b="1">
+                <a:solidFill>
+                  <a:srgbClr val="ED245C"/>
+                </a:solidFill>
+                <a:latin typeface="Roboto Medium"/>
+                <a:ea typeface="MS Gothic"/>
+              </a:rPr>
+              <a:t>開発進捗過程・状況</a:t>
+            </a:r>
+            <a:endParaRPr lang="ja-JP" altLang="en-US" sz="4000" b="1" dirty="0">
+              <a:solidFill>
+                <a:srgbClr val="ED245C"/>
+              </a:solidFill>
+              <a:latin typeface="Roboto Medium" panose="02000000000000000000" pitchFamily="2" charset="0"/>
+              <a:ea typeface="MS Gothic"/>
+            </a:endParaRPr>
+          </a:p>
+        </p:txBody>
+      </p:sp>
+      <p:grpSp>
+        <p:nvGrpSpPr>
+          <p:cNvPr id="30" name="Group 29">
+            <a:extLst>
+              <a:ext uri="{FF2B5EF4-FFF2-40B4-BE49-F238E27FC236}">
+                <a16:creationId xmlns:a16="http://schemas.microsoft.com/office/drawing/2014/main" id="{B5C8D31D-ADA0-4D22-9A6B-8661CB1F0E81}"/>
+              </a:ext>
+            </a:extLst>
+          </p:cNvPr>
+          <p:cNvGrpSpPr/>
+          <p:nvPr/>
+        </p:nvGrpSpPr>
+        <p:grpSpPr>
+          <a:xfrm>
+            <a:off x="10429031" y="4301942"/>
+            <a:ext cx="696478" cy="284728"/>
+            <a:chOff x="6577013" y="4794250"/>
+            <a:chExt cx="3351213" cy="1370013"/>
+          </a:xfrm>
+          <a:solidFill>
+            <a:schemeClr val="bg1"/>
+          </a:solidFill>
+        </p:grpSpPr>
+        <p:sp>
+          <p:nvSpPr>
+            <p:cNvPr id="19" name="Freeform 15">
+              <a:extLst>
+                <a:ext uri="{FF2B5EF4-FFF2-40B4-BE49-F238E27FC236}">
+                  <a16:creationId xmlns:a16="http://schemas.microsoft.com/office/drawing/2014/main" id="{B96F1076-D2E4-4ED7-91EB-BFCFDD4160C2}"/>
+                </a:ext>
+              </a:extLst>
+            </p:cNvPr>
+            <p:cNvSpPr>
+              <a:spLocks/>
+            </p:cNvSpPr>
+            <p:nvPr/>
+          </p:nvSpPr>
+          <p:spPr bwMode="auto">
+            <a:xfrm>
+              <a:off x="7935913" y="5095875"/>
+              <a:ext cx="412750" cy="411163"/>
+            </a:xfrm>
+            <a:custGeom>
+              <a:avLst/>
+              <a:gdLst>
+                <a:gd name="T0" fmla="*/ 158 w 181"/>
+                <a:gd name="T1" fmla="*/ 0 h 181"/>
+                <a:gd name="T2" fmla="*/ 0 w 181"/>
+                <a:gd name="T3" fmla="*/ 158 h 181"/>
+                <a:gd name="T4" fmla="*/ 22 w 181"/>
+                <a:gd name="T5" fmla="*/ 181 h 181"/>
+                <a:gd name="T6" fmla="*/ 45 w 181"/>
+                <a:gd name="T7" fmla="*/ 158 h 181"/>
+                <a:gd name="T8" fmla="*/ 158 w 181"/>
+                <a:gd name="T9" fmla="*/ 45 h 181"/>
+                <a:gd name="T10" fmla="*/ 181 w 181"/>
+                <a:gd name="T11" fmla="*/ 22 h 181"/>
+                <a:gd name="T12" fmla="*/ 158 w 181"/>
+                <a:gd name="T13" fmla="*/ 0 h 181"/>
+              </a:gdLst>
+              <a:ahLst/>
+              <a:cxnLst>
+                <a:cxn ang="0">
+                  <a:pos x="T0" y="T1"/>
+                </a:cxn>
+                <a:cxn ang="0">
+                  <a:pos x="T2" y="T3"/>
+                </a:cxn>
+                <a:cxn ang="0">
+                  <a:pos x="T4" y="T5"/>
+                </a:cxn>
+                <a:cxn ang="0">
+                  <a:pos x="T6" y="T7"/>
+                </a:cxn>
+                <a:cxn ang="0">
+                  <a:pos x="T8" y="T9"/>
+                </a:cxn>
+                <a:cxn ang="0">
+                  <a:pos x="T10" y="T11"/>
+                </a:cxn>
+                <a:cxn ang="0">
+                  <a:pos x="T12" y="T13"/>
+                </a:cxn>
+              </a:cxnLst>
+              <a:rect l="0" t="0" r="r" b="b"/>
+              <a:pathLst>
+                <a:path w="181" h="181">
+                  <a:moveTo>
+                    <a:pt x="158" y="0"/>
+                  </a:moveTo>
+                  <a:cubicBezTo>
+                    <a:pt x="71" y="0"/>
+                    <a:pt x="0" y="71"/>
+                    <a:pt x="0" y="158"/>
+                  </a:cubicBezTo>
+                  <a:cubicBezTo>
+                    <a:pt x="0" y="171"/>
+                    <a:pt x="10" y="181"/>
+                    <a:pt x="22" y="181"/>
+                  </a:cubicBezTo>
+                  <a:cubicBezTo>
+                    <a:pt x="35" y="181"/>
+                    <a:pt x="45" y="171"/>
+                    <a:pt x="45" y="158"/>
+                  </a:cubicBezTo>
+                  <a:cubicBezTo>
+                    <a:pt x="45" y="96"/>
+                    <a:pt x="96" y="45"/>
+                    <a:pt x="158" y="45"/>
+                  </a:cubicBezTo>
+                  <a:cubicBezTo>
+                    <a:pt x="171" y="45"/>
+                    <a:pt x="181" y="35"/>
+                    <a:pt x="181" y="22"/>
+                  </a:cubicBezTo>
+                  <a:cubicBezTo>
+                    <a:pt x="181" y="10"/>
+                    <a:pt x="171" y="0"/>
+                    <a:pt x="158" y="0"/>
+                  </a:cubicBezTo>
+                  <a:close/>
+                </a:path>
+              </a:pathLst>
+            </a:custGeom>
+            <a:grpFill/>
+            <a:ln>
+              <a:noFill/>
+            </a:ln>
+            <a:extLst>
+              <a:ext uri="{91240B29-F687-4F45-9708-019B960494DF}">
+                <a14:hiddenLine xmlns:a14="http://schemas.microsoft.com/office/drawing/2010/main" w="9525">
+                  <a:solidFill>
+                    <a:srgbClr val="000000"/>
+                  </a:solidFill>
+                  <a:round/>
+                  <a:headEnd/>
+                  <a:tailEnd/>
+                </a14:hiddenLine>
+              </a:ext>
+            </a:extLst>
+          </p:spPr>
+          <p:txBody>
+            <a:bodyPr vert="horz" wrap="square" lIns="91440" tIns="45720" rIns="91440" bIns="45720" numCol="1" anchor="t" anchorCtr="0" compatLnSpc="1">
+              <a:prstTxWarp prst="textNoShape">
+                <a:avLst/>
+              </a:prstTxWarp>
+            </a:bodyPr>
+            <a:lstStyle/>
+            <a:p>
+              <a:endParaRPr lang="en-US"/>
+            </a:p>
+          </p:txBody>
+        </p:sp>
+        <p:sp>
+          <p:nvSpPr>
+            <p:cNvPr id="20" name="Freeform 16">
+              <a:extLst>
+                <a:ext uri="{FF2B5EF4-FFF2-40B4-BE49-F238E27FC236}">
+                  <a16:creationId xmlns:a16="http://schemas.microsoft.com/office/drawing/2014/main" id="{5DA03FF2-5367-4CCE-B203-8016EB4156F0}"/>
+                </a:ext>
+              </a:extLst>
+            </p:cNvPr>
+            <p:cNvSpPr>
+              <a:spLocks noEditPoints="1"/>
+            </p:cNvSpPr>
+            <p:nvPr/>
+          </p:nvSpPr>
+          <p:spPr bwMode="auto">
+            <a:xfrm>
+              <a:off x="6577013" y="4794250"/>
+              <a:ext cx="3351213" cy="1339850"/>
+            </a:xfrm>
+            <a:custGeom>
+              <a:avLst/>
+              <a:gdLst>
+                <a:gd name="T0" fmla="*/ 932 w 1472"/>
+                <a:gd name="T1" fmla="*/ 92 h 591"/>
+                <a:gd name="T2" fmla="*/ 727 w 1472"/>
+                <a:gd name="T3" fmla="*/ 0 h 591"/>
+                <a:gd name="T4" fmla="*/ 522 w 1472"/>
+                <a:gd name="T5" fmla="*/ 92 h 591"/>
+                <a:gd name="T6" fmla="*/ 0 w 1472"/>
+                <a:gd name="T7" fmla="*/ 92 h 591"/>
+                <a:gd name="T8" fmla="*/ 0 w 1472"/>
+                <a:gd name="T9" fmla="*/ 476 h 591"/>
+                <a:gd name="T10" fmla="*/ 503 w 1472"/>
+                <a:gd name="T11" fmla="*/ 476 h 591"/>
+                <a:gd name="T12" fmla="*/ 727 w 1472"/>
+                <a:gd name="T13" fmla="*/ 591 h 591"/>
+                <a:gd name="T14" fmla="*/ 951 w 1472"/>
+                <a:gd name="T15" fmla="*/ 476 h 591"/>
+                <a:gd name="T16" fmla="*/ 1472 w 1472"/>
+                <a:gd name="T17" fmla="*/ 476 h 591"/>
+                <a:gd name="T18" fmla="*/ 1472 w 1472"/>
+                <a:gd name="T19" fmla="*/ 92 h 591"/>
+                <a:gd name="T20" fmla="*/ 932 w 1472"/>
+                <a:gd name="T21" fmla="*/ 92 h 591"/>
+                <a:gd name="T22" fmla="*/ 448 w 1472"/>
+                <a:gd name="T23" fmla="*/ 380 h 591"/>
+                <a:gd name="T24" fmla="*/ 64 w 1472"/>
+                <a:gd name="T25" fmla="*/ 380 h 591"/>
+                <a:gd name="T26" fmla="*/ 64 w 1472"/>
+                <a:gd name="T27" fmla="*/ 316 h 591"/>
+                <a:gd name="T28" fmla="*/ 448 w 1472"/>
+                <a:gd name="T29" fmla="*/ 316 h 591"/>
+                <a:gd name="T30" fmla="*/ 448 w 1472"/>
+                <a:gd name="T31" fmla="*/ 380 h 591"/>
+                <a:gd name="T32" fmla="*/ 448 w 1472"/>
+                <a:gd name="T33" fmla="*/ 252 h 591"/>
+                <a:gd name="T34" fmla="*/ 64 w 1472"/>
+                <a:gd name="T35" fmla="*/ 252 h 591"/>
+                <a:gd name="T36" fmla="*/ 64 w 1472"/>
+                <a:gd name="T37" fmla="*/ 188 h 591"/>
+                <a:gd name="T38" fmla="*/ 448 w 1472"/>
+                <a:gd name="T39" fmla="*/ 188 h 591"/>
+                <a:gd name="T40" fmla="*/ 448 w 1472"/>
+                <a:gd name="T41" fmla="*/ 252 h 591"/>
+                <a:gd name="T42" fmla="*/ 855 w 1472"/>
+                <a:gd name="T43" fmla="*/ 464 h 591"/>
+                <a:gd name="T44" fmla="*/ 727 w 1472"/>
+                <a:gd name="T45" fmla="*/ 507 h 591"/>
+                <a:gd name="T46" fmla="*/ 600 w 1472"/>
+                <a:gd name="T47" fmla="*/ 464 h 591"/>
+                <a:gd name="T48" fmla="*/ 512 w 1472"/>
+                <a:gd name="T49" fmla="*/ 291 h 591"/>
+                <a:gd name="T50" fmla="*/ 636 w 1472"/>
+                <a:gd name="T51" fmla="*/ 96 h 591"/>
+                <a:gd name="T52" fmla="*/ 727 w 1472"/>
+                <a:gd name="T53" fmla="*/ 76 h 591"/>
+                <a:gd name="T54" fmla="*/ 818 w 1472"/>
+                <a:gd name="T55" fmla="*/ 96 h 591"/>
+                <a:gd name="T56" fmla="*/ 942 w 1472"/>
+                <a:gd name="T57" fmla="*/ 291 h 591"/>
+                <a:gd name="T58" fmla="*/ 855 w 1472"/>
+                <a:gd name="T59" fmla="*/ 464 h 591"/>
+                <a:gd name="T60" fmla="*/ 1408 w 1472"/>
+                <a:gd name="T61" fmla="*/ 380 h 591"/>
+                <a:gd name="T62" fmla="*/ 1024 w 1472"/>
+                <a:gd name="T63" fmla="*/ 380 h 591"/>
+                <a:gd name="T64" fmla="*/ 1024 w 1472"/>
+                <a:gd name="T65" fmla="*/ 316 h 591"/>
+                <a:gd name="T66" fmla="*/ 1408 w 1472"/>
+                <a:gd name="T67" fmla="*/ 316 h 591"/>
+                <a:gd name="T68" fmla="*/ 1408 w 1472"/>
+                <a:gd name="T69" fmla="*/ 380 h 591"/>
+                <a:gd name="T70" fmla="*/ 1408 w 1472"/>
+                <a:gd name="T71" fmla="*/ 252 h 591"/>
+                <a:gd name="T72" fmla="*/ 1024 w 1472"/>
+                <a:gd name="T73" fmla="*/ 252 h 591"/>
+                <a:gd name="T74" fmla="*/ 1024 w 1472"/>
+                <a:gd name="T75" fmla="*/ 188 h 591"/>
+                <a:gd name="T76" fmla="*/ 1408 w 1472"/>
+                <a:gd name="T77" fmla="*/ 188 h 591"/>
+                <a:gd name="T78" fmla="*/ 1408 w 1472"/>
+                <a:gd name="T79" fmla="*/ 252 h 591"/>
+              </a:gdLst>
+              <a:ahLst/>
+              <a:cxnLst>
+                <a:cxn ang="0">
+                  <a:pos x="T0" y="T1"/>
+                </a:cxn>
+                <a:cxn ang="0">
+                  <a:pos x="T2" y="T3"/>
+                </a:cxn>
+                <a:cxn ang="0">
+                  <a:pos x="T4" y="T5"/>
+                </a:cxn>
+                <a:cxn ang="0">
+                  <a:pos x="T6" y="T7"/>
+                </a:cxn>
+                <a:cxn ang="0">
+                  <a:pos x="T8" y="T9"/>
+                </a:cxn>
+                <a:cxn ang="0">
+                  <a:pos x="T10" y="T11"/>
+                </a:cxn>
+                <a:cxn ang="0">
+                  <a:pos x="T12" y="T13"/>
+                </a:cxn>
+                <a:cxn ang="0">
+                  <a:pos x="T14" y="T15"/>
+                </a:cxn>
+                <a:cxn ang="0">
+                  <a:pos x="T16" y="T17"/>
+                </a:cxn>
+                <a:cxn ang="0">
+                  <a:pos x="T18" y="T19"/>
+                </a:cxn>
+                <a:cxn ang="0">
+                  <a:pos x="T20" y="T21"/>
+                </a:cxn>
+                <a:cxn ang="0">
+                  <a:pos x="T22" y="T23"/>
+                </a:cxn>
+                <a:cxn ang="0">
+                  <a:pos x="T24" y="T25"/>
+                </a:cxn>
+                <a:cxn ang="0">
+                  <a:pos x="T26" y="T27"/>
+                </a:cxn>
+                <a:cxn ang="0">
+                  <a:pos x="T28" y="T29"/>
+                </a:cxn>
+                <a:cxn ang="0">
+                  <a:pos x="T30" y="T31"/>
+                </a:cxn>
+                <a:cxn ang="0">
+                  <a:pos x="T32" y="T33"/>
+                </a:cxn>
+                <a:cxn ang="0">
+                  <a:pos x="T34" y="T35"/>
+                </a:cxn>
+                <a:cxn ang="0">
+                  <a:pos x="T36" y="T37"/>
+                </a:cxn>
+                <a:cxn ang="0">
+                  <a:pos x="T38" y="T39"/>
+                </a:cxn>
+                <a:cxn ang="0">
+                  <a:pos x="T40" y="T41"/>
+                </a:cxn>
+                <a:cxn ang="0">
+                  <a:pos x="T42" y="T43"/>
+                </a:cxn>
+                <a:cxn ang="0">
+                  <a:pos x="T44" y="T45"/>
+                </a:cxn>
+                <a:cxn ang="0">
+                  <a:pos x="T46" y="T47"/>
+                </a:cxn>
+                <a:cxn ang="0">
+                  <a:pos x="T48" y="T49"/>
+                </a:cxn>
+                <a:cxn ang="0">
+                  <a:pos x="T50" y="T51"/>
+                </a:cxn>
+                <a:cxn ang="0">
+                  <a:pos x="T52" y="T53"/>
+                </a:cxn>
+                <a:cxn ang="0">
+                  <a:pos x="T54" y="T55"/>
+                </a:cxn>
+                <a:cxn ang="0">
+                  <a:pos x="T56" y="T57"/>
+                </a:cxn>
+                <a:cxn ang="0">
+                  <a:pos x="T58" y="T59"/>
+                </a:cxn>
+                <a:cxn ang="0">
+                  <a:pos x="T60" y="T61"/>
+                </a:cxn>
+                <a:cxn ang="0">
+                  <a:pos x="T62" y="T63"/>
+                </a:cxn>
+                <a:cxn ang="0">
+                  <a:pos x="T64" y="T65"/>
+                </a:cxn>
+                <a:cxn ang="0">
+                  <a:pos x="T66" y="T67"/>
+                </a:cxn>
+                <a:cxn ang="0">
+                  <a:pos x="T68" y="T69"/>
+                </a:cxn>
+                <a:cxn ang="0">
+                  <a:pos x="T70" y="T71"/>
+                </a:cxn>
+                <a:cxn ang="0">
+                  <a:pos x="T72" y="T73"/>
+                </a:cxn>
+                <a:cxn ang="0">
+                  <a:pos x="T74" y="T75"/>
+                </a:cxn>
+                <a:cxn ang="0">
+                  <a:pos x="T76" y="T77"/>
+                </a:cxn>
+                <a:cxn ang="0">
+                  <a:pos x="T78" y="T79"/>
+                </a:cxn>
+              </a:cxnLst>
+              <a:rect l="0" t="0" r="r" b="b"/>
+              <a:pathLst>
+                <a:path w="1472" h="591">
+                  <a:moveTo>
+                    <a:pt x="932" y="92"/>
+                  </a:moveTo>
+                  <a:cubicBezTo>
+                    <a:pt x="880" y="35"/>
+                    <a:pt x="808" y="0"/>
+                    <a:pt x="727" y="0"/>
+                  </a:cubicBezTo>
+                  <a:cubicBezTo>
+                    <a:pt x="646" y="0"/>
+                    <a:pt x="574" y="35"/>
+                    <a:pt x="522" y="92"/>
+                  </a:cubicBezTo>
+                  <a:cubicBezTo>
+                    <a:pt x="0" y="92"/>
+                    <a:pt x="0" y="92"/>
+                    <a:pt x="0" y="92"/>
+                  </a:cubicBezTo>
+                  <a:cubicBezTo>
+                    <a:pt x="0" y="476"/>
+                    <a:pt x="0" y="476"/>
+                    <a:pt x="0" y="476"/>
+                  </a:cubicBezTo>
+                  <a:cubicBezTo>
+                    <a:pt x="503" y="476"/>
+                    <a:pt x="503" y="476"/>
+                    <a:pt x="503" y="476"/>
+                  </a:cubicBezTo>
+                  <a:cubicBezTo>
+                    <a:pt x="555" y="546"/>
+                    <a:pt x="636" y="591"/>
+                    <a:pt x="727" y="591"/>
+                  </a:cubicBezTo>
+                  <a:cubicBezTo>
+                    <a:pt x="818" y="591"/>
+                    <a:pt x="899" y="546"/>
+                    <a:pt x="951" y="476"/>
+                  </a:cubicBezTo>
+                  <a:cubicBezTo>
+                    <a:pt x="1472" y="476"/>
+                    <a:pt x="1472" y="476"/>
+                    <a:pt x="1472" y="476"/>
+                  </a:cubicBezTo>
+                  <a:cubicBezTo>
+                    <a:pt x="1472" y="92"/>
+                    <a:pt x="1472" y="92"/>
+                    <a:pt x="1472" y="92"/>
+                  </a:cubicBezTo>
+                  <a:lnTo>
+                    <a:pt x="932" y="92"/>
+                  </a:lnTo>
+                  <a:close/>
+                  <a:moveTo>
+                    <a:pt x="448" y="380"/>
+                  </a:moveTo>
+                  <a:cubicBezTo>
+                    <a:pt x="64" y="380"/>
+                    <a:pt x="64" y="380"/>
+                    <a:pt x="64" y="380"/>
+                  </a:cubicBezTo>
+                  <a:cubicBezTo>
+                    <a:pt x="64" y="316"/>
+                    <a:pt x="64" y="316"/>
+                    <a:pt x="64" y="316"/>
+                  </a:cubicBezTo>
+                  <a:cubicBezTo>
+                    <a:pt x="448" y="316"/>
+                    <a:pt x="448" y="316"/>
+                    <a:pt x="448" y="316"/>
+                  </a:cubicBezTo>
+                  <a:lnTo>
+                    <a:pt x="448" y="380"/>
+                  </a:lnTo>
+                  <a:close/>
+                  <a:moveTo>
+                    <a:pt x="448" y="252"/>
+                  </a:moveTo>
+                  <a:cubicBezTo>
+                    <a:pt x="64" y="252"/>
+                    <a:pt x="64" y="252"/>
+                    <a:pt x="64" y="252"/>
+                  </a:cubicBezTo>
+                  <a:cubicBezTo>
+                    <a:pt x="64" y="188"/>
+                    <a:pt x="64" y="188"/>
+                    <a:pt x="64" y="188"/>
+                  </a:cubicBezTo>
+                  <a:cubicBezTo>
+                    <a:pt x="448" y="188"/>
+                    <a:pt x="448" y="188"/>
+                    <a:pt x="448" y="188"/>
+                  </a:cubicBezTo>
+                  <a:lnTo>
+                    <a:pt x="448" y="252"/>
+                  </a:lnTo>
+                  <a:close/>
+                  <a:moveTo>
+                    <a:pt x="855" y="464"/>
+                  </a:moveTo>
+                  <a:cubicBezTo>
+                    <a:pt x="819" y="491"/>
+                    <a:pt x="775" y="507"/>
+                    <a:pt x="727" y="507"/>
+                  </a:cubicBezTo>
+                  <a:cubicBezTo>
+                    <a:pt x="680" y="507"/>
+                    <a:pt x="635" y="491"/>
+                    <a:pt x="600" y="464"/>
+                  </a:cubicBezTo>
+                  <a:cubicBezTo>
+                    <a:pt x="546" y="426"/>
+                    <a:pt x="512" y="362"/>
+                    <a:pt x="512" y="291"/>
+                  </a:cubicBezTo>
+                  <a:cubicBezTo>
+                    <a:pt x="512" y="205"/>
+                    <a:pt x="563" y="131"/>
+                    <a:pt x="636" y="96"/>
+                  </a:cubicBezTo>
+                  <a:cubicBezTo>
+                    <a:pt x="664" y="83"/>
+                    <a:pt x="695" y="76"/>
+                    <a:pt x="727" y="76"/>
+                  </a:cubicBezTo>
+                  <a:cubicBezTo>
+                    <a:pt x="760" y="76"/>
+                    <a:pt x="790" y="83"/>
+                    <a:pt x="818" y="96"/>
+                  </a:cubicBezTo>
+                  <a:cubicBezTo>
+                    <a:pt x="892" y="131"/>
+                    <a:pt x="942" y="205"/>
+                    <a:pt x="942" y="291"/>
+                  </a:cubicBezTo>
+                  <a:cubicBezTo>
+                    <a:pt x="942" y="362"/>
+                    <a:pt x="908" y="426"/>
+                    <a:pt x="855" y="464"/>
+                  </a:cubicBezTo>
+                  <a:close/>
+                  <a:moveTo>
+                    <a:pt x="1408" y="380"/>
+                  </a:moveTo>
+                  <a:cubicBezTo>
+                    <a:pt x="1024" y="380"/>
+                    <a:pt x="1024" y="380"/>
+                    <a:pt x="1024" y="380"/>
+                  </a:cubicBezTo>
+                  <a:cubicBezTo>
+                    <a:pt x="1024" y="316"/>
+                    <a:pt x="1024" y="316"/>
+                    <a:pt x="1024" y="316"/>
+                  </a:cubicBezTo>
+                  <a:cubicBezTo>
+                    <a:pt x="1408" y="316"/>
+                    <a:pt x="1408" y="316"/>
+                    <a:pt x="1408" y="316"/>
+                  </a:cubicBezTo>
+                  <a:lnTo>
+                    <a:pt x="1408" y="380"/>
+                  </a:lnTo>
+                  <a:close/>
+                  <a:moveTo>
+                    <a:pt x="1408" y="252"/>
+                  </a:moveTo>
+                  <a:cubicBezTo>
+                    <a:pt x="1024" y="252"/>
+                    <a:pt x="1024" y="252"/>
+                    <a:pt x="1024" y="252"/>
+                  </a:cubicBezTo>
+                  <a:cubicBezTo>
+                    <a:pt x="1024" y="188"/>
+                    <a:pt x="1024" y="188"/>
+                    <a:pt x="1024" y="188"/>
+                  </a:cubicBezTo>
+                  <a:cubicBezTo>
+                    <a:pt x="1408" y="188"/>
+                    <a:pt x="1408" y="188"/>
+                    <a:pt x="1408" y="188"/>
+                  </a:cubicBezTo>
+                  <a:lnTo>
+                    <a:pt x="1408" y="252"/>
+                  </a:lnTo>
+                  <a:close/>
+                </a:path>
+              </a:pathLst>
+            </a:custGeom>
+            <a:grpFill/>
+            <a:ln>
+              <a:noFill/>
+            </a:ln>
+            <a:extLst>
+              <a:ext uri="{91240B29-F687-4F45-9708-019B960494DF}">
+                <a14:hiddenLine xmlns:a14="http://schemas.microsoft.com/office/drawing/2010/main" w="9525">
+                  <a:solidFill>
+                    <a:srgbClr val="000000"/>
+                  </a:solidFill>
+                  <a:round/>
+                  <a:headEnd/>
+                  <a:tailEnd/>
+                </a14:hiddenLine>
+              </a:ext>
+            </a:extLst>
+          </p:spPr>
+          <p:txBody>
+            <a:bodyPr vert="horz" wrap="square" lIns="91440" tIns="45720" rIns="91440" bIns="45720" numCol="1" anchor="t" anchorCtr="0" compatLnSpc="1">
+              <a:prstTxWarp prst="textNoShape">
+                <a:avLst/>
+              </a:prstTxWarp>
+            </a:bodyPr>
+            <a:lstStyle/>
+            <a:p>
+              <a:endParaRPr lang="en-US"/>
+            </a:p>
+          </p:txBody>
+        </p:sp>
+        <p:sp>
+          <p:nvSpPr>
+            <p:cNvPr id="21" name="Rectangle 17">
+              <a:extLst>
+                <a:ext uri="{FF2B5EF4-FFF2-40B4-BE49-F238E27FC236}">
+                  <a16:creationId xmlns:a16="http://schemas.microsoft.com/office/drawing/2014/main" id="{F0C9D5A7-B961-40CF-85D6-5EA8682E2F6F}"/>
+                </a:ext>
+              </a:extLst>
+            </p:cNvPr>
+            <p:cNvSpPr>
+              <a:spLocks noChangeArrowheads="1"/>
+            </p:cNvSpPr>
+            <p:nvPr/>
+          </p:nvSpPr>
+          <p:spPr bwMode="auto">
+            <a:xfrm>
+              <a:off x="6577013" y="5946775"/>
+              <a:ext cx="509588" cy="217488"/>
+            </a:xfrm>
+            <a:prstGeom prst="rect">
+              <a:avLst/>
+            </a:prstGeom>
+            <a:grpFill/>
+            <a:ln>
+              <a:noFill/>
+            </a:ln>
+            <a:extLst>
+              <a:ext uri="{91240B29-F687-4F45-9708-019B960494DF}">
+                <a14:hiddenLine xmlns:a14="http://schemas.microsoft.com/office/drawing/2010/main" w="9525">
+                  <a:solidFill>
+                    <a:srgbClr val="000000"/>
+                  </a:solidFill>
+                  <a:miter lim="800000"/>
+                  <a:headEnd/>
+                  <a:tailEnd/>
+                </a14:hiddenLine>
+              </a:ext>
+            </a:extLst>
+          </p:spPr>
+          <p:txBody>
+            <a:bodyPr vert="horz" wrap="square" lIns="91440" tIns="45720" rIns="91440" bIns="45720" numCol="1" anchor="t" anchorCtr="0" compatLnSpc="1">
+              <a:prstTxWarp prst="textNoShape">
+                <a:avLst/>
+              </a:prstTxWarp>
+            </a:bodyPr>
+            <a:lstStyle/>
+            <a:p>
+              <a:endParaRPr lang="en-US"/>
+            </a:p>
+          </p:txBody>
+        </p:sp>
+        <p:sp>
+          <p:nvSpPr>
+            <p:cNvPr id="22" name="Rectangle 18">
+              <a:extLst>
+                <a:ext uri="{FF2B5EF4-FFF2-40B4-BE49-F238E27FC236}">
+                  <a16:creationId xmlns:a16="http://schemas.microsoft.com/office/drawing/2014/main" id="{851B510B-064C-4BA7-B3A3-319398003715}"/>
+                </a:ext>
+              </a:extLst>
+            </p:cNvPr>
+            <p:cNvSpPr>
+              <a:spLocks noChangeArrowheads="1"/>
+            </p:cNvSpPr>
+            <p:nvPr/>
+          </p:nvSpPr>
+          <p:spPr bwMode="auto">
+            <a:xfrm>
+              <a:off x="9418638" y="5946775"/>
+              <a:ext cx="509588" cy="217488"/>
+            </a:xfrm>
+            <a:prstGeom prst="rect">
+              <a:avLst/>
+            </a:prstGeom>
+            <a:grpFill/>
+            <a:ln>
+              <a:noFill/>
+            </a:ln>
+            <a:extLst>
+              <a:ext uri="{91240B29-F687-4F45-9708-019B960494DF}">
+                <a14:hiddenLine xmlns:a14="http://schemas.microsoft.com/office/drawing/2010/main" w="9525">
+                  <a:solidFill>
+                    <a:srgbClr val="000000"/>
+                  </a:solidFill>
+                  <a:miter lim="800000"/>
+                  <a:headEnd/>
+                  <a:tailEnd/>
+                </a14:hiddenLine>
+              </a:ext>
+            </a:extLst>
+          </p:spPr>
+          <p:txBody>
+            <a:bodyPr vert="horz" wrap="square" lIns="91440" tIns="45720" rIns="91440" bIns="45720" numCol="1" anchor="t" anchorCtr="0" compatLnSpc="1">
+              <a:prstTxWarp prst="textNoShape">
+                <a:avLst/>
+              </a:prstTxWarp>
+            </a:bodyPr>
+            <a:lstStyle/>
+            <a:p>
+              <a:endParaRPr lang="en-US"/>
+            </a:p>
+          </p:txBody>
+        </p:sp>
+      </p:grpSp>
+      <p:grpSp>
+        <p:nvGrpSpPr>
+          <p:cNvPr id="32" name="Group 31">
+            <a:extLst>
+              <a:ext uri="{FF2B5EF4-FFF2-40B4-BE49-F238E27FC236}">
+                <a16:creationId xmlns:a16="http://schemas.microsoft.com/office/drawing/2014/main" id="{730D9532-B6C9-4F23-90E7-EBB9BCE3517B}"/>
+              </a:ext>
+            </a:extLst>
+          </p:cNvPr>
+          <p:cNvGrpSpPr/>
+          <p:nvPr/>
+        </p:nvGrpSpPr>
+        <p:grpSpPr>
+          <a:xfrm>
+            <a:off x="8942028" y="1934442"/>
+            <a:ext cx="711654" cy="709014"/>
+            <a:chOff x="2263775" y="3446463"/>
+            <a:chExt cx="3424238" cy="3411537"/>
+          </a:xfrm>
+          <a:solidFill>
+            <a:schemeClr val="bg1"/>
+          </a:solidFill>
+        </p:grpSpPr>
+        <p:sp>
+          <p:nvSpPr>
+            <p:cNvPr id="23" name="Rectangle 19">
+              <a:extLst>
+                <a:ext uri="{FF2B5EF4-FFF2-40B4-BE49-F238E27FC236}">
+                  <a16:creationId xmlns:a16="http://schemas.microsoft.com/office/drawing/2014/main" id="{68FA955D-6386-4516-89B4-AF043D65454A}"/>
+                </a:ext>
+              </a:extLst>
+            </p:cNvPr>
+            <p:cNvSpPr>
+              <a:spLocks noChangeArrowheads="1"/>
+            </p:cNvSpPr>
+            <p:nvPr/>
+          </p:nvSpPr>
+          <p:spPr bwMode="auto">
+            <a:xfrm>
+              <a:off x="3357563" y="4826000"/>
+              <a:ext cx="1238250" cy="144463"/>
+            </a:xfrm>
+            <a:prstGeom prst="rect">
+              <a:avLst/>
+            </a:prstGeom>
+            <a:grpFill/>
+            <a:ln>
+              <a:noFill/>
+            </a:ln>
+            <a:extLst>
+              <a:ext uri="{91240B29-F687-4F45-9708-019B960494DF}">
+                <a14:hiddenLine xmlns:a14="http://schemas.microsoft.com/office/drawing/2010/main" w="9525">
+                  <a:solidFill>
+                    <a:srgbClr val="000000"/>
+                  </a:solidFill>
+                  <a:miter lim="800000"/>
+                  <a:headEnd/>
+                  <a:tailEnd/>
+                </a14:hiddenLine>
+              </a:ext>
+            </a:extLst>
+          </p:spPr>
+          <p:txBody>
+            <a:bodyPr vert="horz" wrap="square" lIns="91440" tIns="45720" rIns="91440" bIns="45720" numCol="1" anchor="t" anchorCtr="0" compatLnSpc="1">
+              <a:prstTxWarp prst="textNoShape">
+                <a:avLst/>
+              </a:prstTxWarp>
+            </a:bodyPr>
+            <a:lstStyle/>
+            <a:p>
+              <a:endParaRPr lang="en-US"/>
+            </a:p>
+          </p:txBody>
+        </p:sp>
+        <p:sp>
+          <p:nvSpPr>
+            <p:cNvPr id="24" name="Rectangle 20">
+              <a:extLst>
+                <a:ext uri="{FF2B5EF4-FFF2-40B4-BE49-F238E27FC236}">
+                  <a16:creationId xmlns:a16="http://schemas.microsoft.com/office/drawing/2014/main" id="{D54EAE6C-4780-44D9-8EF0-7C033E8B553F}"/>
+                </a:ext>
+              </a:extLst>
+            </p:cNvPr>
+            <p:cNvSpPr>
+              <a:spLocks noChangeArrowheads="1"/>
+            </p:cNvSpPr>
+            <p:nvPr/>
+          </p:nvSpPr>
+          <p:spPr bwMode="auto">
+            <a:xfrm>
+              <a:off x="3648075" y="4535488"/>
+              <a:ext cx="947738" cy="146050"/>
+            </a:xfrm>
+            <a:prstGeom prst="rect">
+              <a:avLst/>
+            </a:prstGeom>
+            <a:grpFill/>
+            <a:ln>
+              <a:noFill/>
+            </a:ln>
+            <a:extLst>
+              <a:ext uri="{91240B29-F687-4F45-9708-019B960494DF}">
+                <a14:hiddenLine xmlns:a14="http://schemas.microsoft.com/office/drawing/2010/main" w="9525">
+                  <a:solidFill>
+                    <a:srgbClr val="000000"/>
+                  </a:solidFill>
+                  <a:miter lim="800000"/>
+                  <a:headEnd/>
+                  <a:tailEnd/>
+                </a14:hiddenLine>
+              </a:ext>
+            </a:extLst>
+          </p:spPr>
+          <p:txBody>
+            <a:bodyPr vert="horz" wrap="square" lIns="91440" tIns="45720" rIns="91440" bIns="45720" numCol="1" anchor="t" anchorCtr="0" compatLnSpc="1">
+              <a:prstTxWarp prst="textNoShape">
+                <a:avLst/>
+              </a:prstTxWarp>
+            </a:bodyPr>
+            <a:lstStyle/>
+            <a:p>
+              <a:endParaRPr lang="en-US"/>
+            </a:p>
+          </p:txBody>
+        </p:sp>
+        <p:sp>
+          <p:nvSpPr>
+            <p:cNvPr id="25" name="Rectangle 21">
+              <a:extLst>
+                <a:ext uri="{FF2B5EF4-FFF2-40B4-BE49-F238E27FC236}">
+                  <a16:creationId xmlns:a16="http://schemas.microsoft.com/office/drawing/2014/main" id="{A265370A-84F7-48ED-AC5C-9B97E8D19D3E}"/>
+                </a:ext>
+              </a:extLst>
+            </p:cNvPr>
+            <p:cNvSpPr>
+              <a:spLocks noChangeArrowheads="1"/>
+            </p:cNvSpPr>
+            <p:nvPr/>
+          </p:nvSpPr>
+          <p:spPr bwMode="auto">
+            <a:xfrm>
+              <a:off x="3648075" y="4318000"/>
+              <a:ext cx="947738" cy="144463"/>
+            </a:xfrm>
+            <a:prstGeom prst="rect">
+              <a:avLst/>
+            </a:prstGeom>
+            <a:grpFill/>
+            <a:ln>
+              <a:noFill/>
+            </a:ln>
+            <a:extLst>
+              <a:ext uri="{91240B29-F687-4F45-9708-019B960494DF}">
+                <a14:hiddenLine xmlns:a14="http://schemas.microsoft.com/office/drawing/2010/main" w="9525">
+                  <a:solidFill>
+                    <a:srgbClr val="000000"/>
+                  </a:solidFill>
+                  <a:miter lim="800000"/>
+                  <a:headEnd/>
+                  <a:tailEnd/>
+                </a14:hiddenLine>
+              </a:ext>
+            </a:extLst>
+          </p:spPr>
+          <p:txBody>
+            <a:bodyPr vert="horz" wrap="square" lIns="91440" tIns="45720" rIns="91440" bIns="45720" numCol="1" anchor="t" anchorCtr="0" compatLnSpc="1">
+              <a:prstTxWarp prst="textNoShape">
+                <a:avLst/>
+              </a:prstTxWarp>
+            </a:bodyPr>
+            <a:lstStyle/>
+            <a:p>
+              <a:endParaRPr lang="en-US"/>
+            </a:p>
+          </p:txBody>
+        </p:sp>
+        <p:sp>
+          <p:nvSpPr>
+            <p:cNvPr id="26" name="Rectangle 22">
+              <a:extLst>
+                <a:ext uri="{FF2B5EF4-FFF2-40B4-BE49-F238E27FC236}">
+                  <a16:creationId xmlns:a16="http://schemas.microsoft.com/office/drawing/2014/main" id="{C8DEE9E5-CD8D-4284-B7F4-E9270DE4CBB2}"/>
+                </a:ext>
+              </a:extLst>
+            </p:cNvPr>
+            <p:cNvSpPr>
+              <a:spLocks noChangeArrowheads="1"/>
+            </p:cNvSpPr>
+            <p:nvPr/>
+          </p:nvSpPr>
+          <p:spPr bwMode="auto">
+            <a:xfrm>
+              <a:off x="3648075" y="4027488"/>
+              <a:ext cx="947738" cy="146050"/>
+            </a:xfrm>
+            <a:prstGeom prst="rect">
+              <a:avLst/>
+            </a:prstGeom>
+            <a:grpFill/>
+            <a:ln>
+              <a:noFill/>
+            </a:ln>
+            <a:extLst>
+              <a:ext uri="{91240B29-F687-4F45-9708-019B960494DF}">
+                <a14:hiddenLine xmlns:a14="http://schemas.microsoft.com/office/drawing/2010/main" w="9525">
+                  <a:solidFill>
+                    <a:srgbClr val="000000"/>
+                  </a:solidFill>
+                  <a:miter lim="800000"/>
+                  <a:headEnd/>
+                  <a:tailEnd/>
+                </a14:hiddenLine>
+              </a:ext>
+            </a:extLst>
+          </p:spPr>
+          <p:txBody>
+            <a:bodyPr vert="horz" wrap="square" lIns="91440" tIns="45720" rIns="91440" bIns="45720" numCol="1" anchor="t" anchorCtr="0" compatLnSpc="1">
+              <a:prstTxWarp prst="textNoShape">
+                <a:avLst/>
+              </a:prstTxWarp>
+            </a:bodyPr>
+            <a:lstStyle/>
+            <a:p>
+              <a:endParaRPr lang="en-US"/>
+            </a:p>
+          </p:txBody>
+        </p:sp>
+        <p:sp>
+          <p:nvSpPr>
+            <p:cNvPr id="27" name="Rectangle 23">
+              <a:extLst>
+                <a:ext uri="{FF2B5EF4-FFF2-40B4-BE49-F238E27FC236}">
+                  <a16:creationId xmlns:a16="http://schemas.microsoft.com/office/drawing/2014/main" id="{C2CEA0E1-C78F-4CD0-8315-A69384BCB44F}"/>
+                </a:ext>
+              </a:extLst>
+            </p:cNvPr>
+            <p:cNvSpPr>
+              <a:spLocks noChangeArrowheads="1"/>
+            </p:cNvSpPr>
+            <p:nvPr/>
+          </p:nvSpPr>
+          <p:spPr bwMode="auto">
+            <a:xfrm>
+              <a:off x="3357563" y="3736975"/>
+              <a:ext cx="655638" cy="146050"/>
+            </a:xfrm>
+            <a:prstGeom prst="rect">
+              <a:avLst/>
+            </a:prstGeom>
+            <a:grpFill/>
+            <a:ln>
+              <a:noFill/>
+            </a:ln>
+            <a:extLst>
+              <a:ext uri="{91240B29-F687-4F45-9708-019B960494DF}">
+                <a14:hiddenLine xmlns:a14="http://schemas.microsoft.com/office/drawing/2010/main" w="9525">
+                  <a:solidFill>
+                    <a:srgbClr val="000000"/>
+                  </a:solidFill>
+                  <a:miter lim="800000"/>
+                  <a:headEnd/>
+                  <a:tailEnd/>
+                </a14:hiddenLine>
+              </a:ext>
+            </a:extLst>
+          </p:spPr>
+          <p:txBody>
+            <a:bodyPr vert="horz" wrap="square" lIns="91440" tIns="45720" rIns="91440" bIns="45720" numCol="1" anchor="t" anchorCtr="0" compatLnSpc="1">
+              <a:prstTxWarp prst="textNoShape">
+                <a:avLst/>
+              </a:prstTxWarp>
+            </a:bodyPr>
+            <a:lstStyle/>
+            <a:p>
+              <a:endParaRPr lang="en-US"/>
+            </a:p>
+          </p:txBody>
+        </p:sp>
+        <p:sp>
+          <p:nvSpPr>
+            <p:cNvPr id="28" name="Freeform 24">
+              <a:extLst>
+                <a:ext uri="{FF2B5EF4-FFF2-40B4-BE49-F238E27FC236}">
+                  <a16:creationId xmlns:a16="http://schemas.microsoft.com/office/drawing/2014/main" id="{7119B482-E6DD-40BE-A226-1B3859C39719}"/>
+                </a:ext>
+              </a:extLst>
+            </p:cNvPr>
+            <p:cNvSpPr>
+              <a:spLocks noEditPoints="1"/>
+            </p:cNvSpPr>
+            <p:nvPr/>
+          </p:nvSpPr>
+          <p:spPr bwMode="auto">
+            <a:xfrm>
+              <a:off x="2263775" y="3446463"/>
+              <a:ext cx="3424238" cy="3048000"/>
+            </a:xfrm>
+            <a:custGeom>
+              <a:avLst/>
+              <a:gdLst>
+                <a:gd name="T0" fmla="*/ 1303 w 1504"/>
+                <a:gd name="T1" fmla="*/ 736 h 1344"/>
+                <a:gd name="T2" fmla="*/ 1152 w 1504"/>
+                <a:gd name="T3" fmla="*/ 736 h 1344"/>
+                <a:gd name="T4" fmla="*/ 1152 w 1504"/>
+                <a:gd name="T5" fmla="*/ 0 h 1344"/>
+                <a:gd name="T6" fmla="*/ 352 w 1504"/>
+                <a:gd name="T7" fmla="*/ 0 h 1344"/>
+                <a:gd name="T8" fmla="*/ 352 w 1504"/>
+                <a:gd name="T9" fmla="*/ 736 h 1344"/>
+                <a:gd name="T10" fmla="*/ 202 w 1504"/>
+                <a:gd name="T11" fmla="*/ 736 h 1344"/>
+                <a:gd name="T12" fmla="*/ 0 w 1504"/>
+                <a:gd name="T13" fmla="*/ 938 h 1344"/>
+                <a:gd name="T14" fmla="*/ 0 w 1504"/>
+                <a:gd name="T15" fmla="*/ 1143 h 1344"/>
+                <a:gd name="T16" fmla="*/ 202 w 1504"/>
+                <a:gd name="T17" fmla="*/ 1344 h 1344"/>
+                <a:gd name="T18" fmla="*/ 320 w 1504"/>
+                <a:gd name="T19" fmla="*/ 1344 h 1344"/>
+                <a:gd name="T20" fmla="*/ 320 w 1504"/>
+                <a:gd name="T21" fmla="*/ 1280 h 1344"/>
+                <a:gd name="T22" fmla="*/ 160 w 1504"/>
+                <a:gd name="T23" fmla="*/ 1280 h 1344"/>
+                <a:gd name="T24" fmla="*/ 160 w 1504"/>
+                <a:gd name="T25" fmla="*/ 1216 h 1344"/>
+                <a:gd name="T26" fmla="*/ 1344 w 1504"/>
+                <a:gd name="T27" fmla="*/ 1216 h 1344"/>
+                <a:gd name="T28" fmla="*/ 1344 w 1504"/>
+                <a:gd name="T29" fmla="*/ 1280 h 1344"/>
+                <a:gd name="T30" fmla="*/ 1184 w 1504"/>
+                <a:gd name="T31" fmla="*/ 1280 h 1344"/>
+                <a:gd name="T32" fmla="*/ 1184 w 1504"/>
+                <a:gd name="T33" fmla="*/ 1344 h 1344"/>
+                <a:gd name="T34" fmla="*/ 1303 w 1504"/>
+                <a:gd name="T35" fmla="*/ 1344 h 1344"/>
+                <a:gd name="T36" fmla="*/ 1504 w 1504"/>
+                <a:gd name="T37" fmla="*/ 1143 h 1344"/>
+                <a:gd name="T38" fmla="*/ 1504 w 1504"/>
+                <a:gd name="T39" fmla="*/ 938 h 1344"/>
+                <a:gd name="T40" fmla="*/ 1303 w 1504"/>
+                <a:gd name="T41" fmla="*/ 736 h 1344"/>
+                <a:gd name="T42" fmla="*/ 192 w 1504"/>
+                <a:gd name="T43" fmla="*/ 960 h 1344"/>
+                <a:gd name="T44" fmla="*/ 128 w 1504"/>
+                <a:gd name="T45" fmla="*/ 896 h 1344"/>
+                <a:gd name="T46" fmla="*/ 192 w 1504"/>
+                <a:gd name="T47" fmla="*/ 832 h 1344"/>
+                <a:gd name="T48" fmla="*/ 256 w 1504"/>
+                <a:gd name="T49" fmla="*/ 896 h 1344"/>
+                <a:gd name="T50" fmla="*/ 192 w 1504"/>
+                <a:gd name="T51" fmla="*/ 960 h 1344"/>
+                <a:gd name="T52" fmla="*/ 416 w 1504"/>
+                <a:gd name="T53" fmla="*/ 64 h 1344"/>
+                <a:gd name="T54" fmla="*/ 1088 w 1504"/>
+                <a:gd name="T55" fmla="*/ 64 h 1344"/>
+                <a:gd name="T56" fmla="*/ 1088 w 1504"/>
+                <a:gd name="T57" fmla="*/ 736 h 1344"/>
+                <a:gd name="T58" fmla="*/ 416 w 1504"/>
+                <a:gd name="T59" fmla="*/ 736 h 1344"/>
+                <a:gd name="T60" fmla="*/ 416 w 1504"/>
+                <a:gd name="T61" fmla="*/ 64 h 1344"/>
+                <a:gd name="T62" fmla="*/ 1120 w 1504"/>
+                <a:gd name="T63" fmla="*/ 960 h 1344"/>
+                <a:gd name="T64" fmla="*/ 1056 w 1504"/>
+                <a:gd name="T65" fmla="*/ 896 h 1344"/>
+                <a:gd name="T66" fmla="*/ 1120 w 1504"/>
+                <a:gd name="T67" fmla="*/ 832 h 1344"/>
+                <a:gd name="T68" fmla="*/ 1184 w 1504"/>
+                <a:gd name="T69" fmla="*/ 896 h 1344"/>
+                <a:gd name="T70" fmla="*/ 1120 w 1504"/>
+                <a:gd name="T71" fmla="*/ 960 h 1344"/>
+                <a:gd name="T72" fmla="*/ 1312 w 1504"/>
+                <a:gd name="T73" fmla="*/ 960 h 1344"/>
+                <a:gd name="T74" fmla="*/ 1248 w 1504"/>
+                <a:gd name="T75" fmla="*/ 896 h 1344"/>
+                <a:gd name="T76" fmla="*/ 1312 w 1504"/>
+                <a:gd name="T77" fmla="*/ 832 h 1344"/>
+                <a:gd name="T78" fmla="*/ 1376 w 1504"/>
+                <a:gd name="T79" fmla="*/ 896 h 1344"/>
+                <a:gd name="T80" fmla="*/ 1312 w 1504"/>
+                <a:gd name="T81" fmla="*/ 960 h 1344"/>
+              </a:gdLst>
+              <a:ahLst/>
+              <a:cxnLst>
+                <a:cxn ang="0">
+                  <a:pos x="T0" y="T1"/>
+                </a:cxn>
+                <a:cxn ang="0">
+                  <a:pos x="T2" y="T3"/>
+                </a:cxn>
+                <a:cxn ang="0">
+                  <a:pos x="T4" y="T5"/>
+                </a:cxn>
+                <a:cxn ang="0">
+                  <a:pos x="T6" y="T7"/>
+                </a:cxn>
+                <a:cxn ang="0">
+                  <a:pos x="T8" y="T9"/>
+                </a:cxn>
+                <a:cxn ang="0">
+                  <a:pos x="T10" y="T11"/>
+                </a:cxn>
+                <a:cxn ang="0">
+                  <a:pos x="T12" y="T13"/>
+                </a:cxn>
+                <a:cxn ang="0">
+                  <a:pos x="T14" y="T15"/>
+                </a:cxn>
+                <a:cxn ang="0">
+                  <a:pos x="T16" y="T17"/>
+                </a:cxn>
+                <a:cxn ang="0">
+                  <a:pos x="T18" y="T19"/>
+                </a:cxn>
+                <a:cxn ang="0">
+                  <a:pos x="T20" y="T21"/>
+                </a:cxn>
+                <a:cxn ang="0">
+                  <a:pos x="T22" y="T23"/>
+                </a:cxn>
+                <a:cxn ang="0">
+                  <a:pos x="T24" y="T25"/>
+                </a:cxn>
+                <a:cxn ang="0">
+                  <a:pos x="T26" y="T27"/>
+                </a:cxn>
+                <a:cxn ang="0">
+                  <a:pos x="T28" y="T29"/>
+                </a:cxn>
+                <a:cxn ang="0">
+                  <a:pos x="T30" y="T31"/>
+                </a:cxn>
+                <a:cxn ang="0">
+                  <a:pos x="T32" y="T33"/>
+                </a:cxn>
+                <a:cxn ang="0">
+                  <a:pos x="T34" y="T35"/>
+                </a:cxn>
+                <a:cxn ang="0">
+                  <a:pos x="T36" y="T37"/>
+                </a:cxn>
+                <a:cxn ang="0">
+                  <a:pos x="T38" y="T39"/>
+                </a:cxn>
+                <a:cxn ang="0">
+                  <a:pos x="T40" y="T41"/>
+                </a:cxn>
+                <a:cxn ang="0">
+                  <a:pos x="T42" y="T43"/>
+                </a:cxn>
+                <a:cxn ang="0">
+                  <a:pos x="T44" y="T45"/>
+                </a:cxn>
+                <a:cxn ang="0">
+                  <a:pos x="T46" y="T47"/>
+                </a:cxn>
+                <a:cxn ang="0">
+                  <a:pos x="T48" y="T49"/>
+                </a:cxn>
+                <a:cxn ang="0">
+                  <a:pos x="T50" y="T51"/>
+                </a:cxn>
+                <a:cxn ang="0">
+                  <a:pos x="T52" y="T53"/>
+                </a:cxn>
+                <a:cxn ang="0">
+                  <a:pos x="T54" y="T55"/>
+                </a:cxn>
+                <a:cxn ang="0">
+                  <a:pos x="T56" y="T57"/>
+                </a:cxn>
+                <a:cxn ang="0">
+                  <a:pos x="T58" y="T59"/>
+                </a:cxn>
+                <a:cxn ang="0">
+                  <a:pos x="T60" y="T61"/>
+                </a:cxn>
+                <a:cxn ang="0">
+                  <a:pos x="T62" y="T63"/>
+                </a:cxn>
+                <a:cxn ang="0">
+                  <a:pos x="T64" y="T65"/>
+                </a:cxn>
+                <a:cxn ang="0">
+                  <a:pos x="T66" y="T67"/>
+                </a:cxn>
+                <a:cxn ang="0">
+                  <a:pos x="T68" y="T69"/>
+                </a:cxn>
+                <a:cxn ang="0">
+                  <a:pos x="T70" y="T71"/>
+                </a:cxn>
+                <a:cxn ang="0">
+                  <a:pos x="T72" y="T73"/>
+                </a:cxn>
+                <a:cxn ang="0">
+                  <a:pos x="T74" y="T75"/>
+                </a:cxn>
+                <a:cxn ang="0">
+                  <a:pos x="T76" y="T77"/>
+                </a:cxn>
+                <a:cxn ang="0">
+                  <a:pos x="T78" y="T79"/>
+                </a:cxn>
+                <a:cxn ang="0">
+                  <a:pos x="T80" y="T81"/>
+                </a:cxn>
+              </a:cxnLst>
+              <a:rect l="0" t="0" r="r" b="b"/>
+              <a:pathLst>
+                <a:path w="1504" h="1344">
+                  <a:moveTo>
+                    <a:pt x="1303" y="736"/>
+                  </a:moveTo>
+                  <a:cubicBezTo>
+                    <a:pt x="1152" y="736"/>
+                    <a:pt x="1152" y="736"/>
+                    <a:pt x="1152" y="736"/>
+                  </a:cubicBezTo>
+                  <a:cubicBezTo>
+                    <a:pt x="1152" y="0"/>
+                    <a:pt x="1152" y="0"/>
+                    <a:pt x="1152" y="0"/>
+                  </a:cubicBezTo>
+                  <a:cubicBezTo>
+                    <a:pt x="352" y="0"/>
+                    <a:pt x="352" y="0"/>
+                    <a:pt x="352" y="0"/>
+                  </a:cubicBezTo>
+                  <a:cubicBezTo>
+                    <a:pt x="352" y="736"/>
+                    <a:pt x="352" y="736"/>
+                    <a:pt x="352" y="736"/>
+                  </a:cubicBezTo>
+                  <a:cubicBezTo>
+                    <a:pt x="202" y="736"/>
+                    <a:pt x="202" y="736"/>
+                    <a:pt x="202" y="736"/>
+                  </a:cubicBezTo>
+                  <a:cubicBezTo>
+                    <a:pt x="91" y="736"/>
+                    <a:pt x="0" y="827"/>
+                    <a:pt x="0" y="938"/>
+                  </a:cubicBezTo>
+                  <a:cubicBezTo>
+                    <a:pt x="0" y="1143"/>
+                    <a:pt x="0" y="1143"/>
+                    <a:pt x="0" y="1143"/>
+                  </a:cubicBezTo>
+                  <a:cubicBezTo>
+                    <a:pt x="0" y="1253"/>
+                    <a:pt x="91" y="1344"/>
+                    <a:pt x="202" y="1344"/>
+                  </a:cubicBezTo>
+                  <a:cubicBezTo>
+                    <a:pt x="320" y="1344"/>
+                    <a:pt x="320" y="1344"/>
+                    <a:pt x="320" y="1344"/>
+                  </a:cubicBezTo>
+                  <a:cubicBezTo>
+                    <a:pt x="320" y="1280"/>
+                    <a:pt x="320" y="1280"/>
+                    <a:pt x="320" y="1280"/>
+                  </a:cubicBezTo>
+                  <a:cubicBezTo>
+                    <a:pt x="160" y="1280"/>
+                    <a:pt x="160" y="1280"/>
+                    <a:pt x="160" y="1280"/>
+                  </a:cubicBezTo>
+                  <a:cubicBezTo>
+                    <a:pt x="160" y="1216"/>
+                    <a:pt x="160" y="1216"/>
+                    <a:pt x="160" y="1216"/>
+                  </a:cubicBezTo>
+                  <a:cubicBezTo>
+                    <a:pt x="1344" y="1216"/>
+                    <a:pt x="1344" y="1216"/>
+                    <a:pt x="1344" y="1216"/>
+                  </a:cubicBezTo>
+                  <a:cubicBezTo>
+                    <a:pt x="1344" y="1280"/>
+                    <a:pt x="1344" y="1280"/>
+                    <a:pt x="1344" y="1280"/>
+                  </a:cubicBezTo>
+                  <a:cubicBezTo>
+                    <a:pt x="1184" y="1280"/>
+                    <a:pt x="1184" y="1280"/>
+                    <a:pt x="1184" y="1280"/>
+                  </a:cubicBezTo>
+                  <a:cubicBezTo>
+                    <a:pt x="1184" y="1344"/>
+                    <a:pt x="1184" y="1344"/>
+                    <a:pt x="1184" y="1344"/>
+                  </a:cubicBezTo>
+                  <a:cubicBezTo>
+                    <a:pt x="1303" y="1344"/>
+                    <a:pt x="1303" y="1344"/>
+                    <a:pt x="1303" y="1344"/>
+                  </a:cubicBezTo>
+                  <a:cubicBezTo>
+                    <a:pt x="1414" y="1344"/>
+                    <a:pt x="1504" y="1253"/>
+                    <a:pt x="1504" y="1143"/>
+                  </a:cubicBezTo>
+                  <a:cubicBezTo>
+                    <a:pt x="1504" y="938"/>
+                    <a:pt x="1504" y="938"/>
+                    <a:pt x="1504" y="938"/>
+                  </a:cubicBezTo>
+                  <a:cubicBezTo>
+                    <a:pt x="1504" y="827"/>
+                    <a:pt x="1414" y="736"/>
+                    <a:pt x="1303" y="736"/>
+                  </a:cubicBezTo>
+                  <a:close/>
+                  <a:moveTo>
+                    <a:pt x="192" y="960"/>
+                  </a:moveTo>
+                  <a:cubicBezTo>
+                    <a:pt x="157" y="960"/>
+                    <a:pt x="128" y="931"/>
+                    <a:pt x="128" y="896"/>
+                  </a:cubicBezTo>
+                  <a:cubicBezTo>
+                    <a:pt x="128" y="861"/>
+                    <a:pt x="157" y="832"/>
+                    <a:pt x="192" y="832"/>
+                  </a:cubicBezTo>
+                  <a:cubicBezTo>
+                    <a:pt x="228" y="832"/>
+                    <a:pt x="256" y="861"/>
+                    <a:pt x="256" y="896"/>
+                  </a:cubicBezTo>
+                  <a:cubicBezTo>
+                    <a:pt x="256" y="931"/>
+                    <a:pt x="228" y="960"/>
+                    <a:pt x="192" y="960"/>
+                  </a:cubicBezTo>
+                  <a:close/>
+                  <a:moveTo>
+                    <a:pt x="416" y="64"/>
+                  </a:moveTo>
+                  <a:cubicBezTo>
+                    <a:pt x="1088" y="64"/>
+                    <a:pt x="1088" y="64"/>
+                    <a:pt x="1088" y="64"/>
+                  </a:cubicBezTo>
+                  <a:cubicBezTo>
+                    <a:pt x="1088" y="736"/>
+                    <a:pt x="1088" y="736"/>
+                    <a:pt x="1088" y="736"/>
+                  </a:cubicBezTo>
+                  <a:cubicBezTo>
+                    <a:pt x="416" y="736"/>
+                    <a:pt x="416" y="736"/>
+                    <a:pt x="416" y="736"/>
+                  </a:cubicBezTo>
+                  <a:lnTo>
+                    <a:pt x="416" y="64"/>
+                  </a:lnTo>
+                  <a:close/>
+                  <a:moveTo>
+                    <a:pt x="1120" y="960"/>
+                  </a:moveTo>
+                  <a:cubicBezTo>
+                    <a:pt x="1085" y="960"/>
+                    <a:pt x="1056" y="931"/>
+                    <a:pt x="1056" y="896"/>
+                  </a:cubicBezTo>
+                  <a:cubicBezTo>
+                    <a:pt x="1056" y="861"/>
+                    <a:pt x="1085" y="832"/>
+                    <a:pt x="1120" y="832"/>
+                  </a:cubicBezTo>
+                  <a:cubicBezTo>
+                    <a:pt x="1156" y="832"/>
+                    <a:pt x="1184" y="861"/>
+                    <a:pt x="1184" y="896"/>
+                  </a:cubicBezTo>
+                  <a:cubicBezTo>
+                    <a:pt x="1184" y="931"/>
+                    <a:pt x="1156" y="960"/>
+                    <a:pt x="1120" y="960"/>
+                  </a:cubicBezTo>
+                  <a:close/>
+                  <a:moveTo>
+                    <a:pt x="1312" y="960"/>
+                  </a:moveTo>
+                  <a:cubicBezTo>
+                    <a:pt x="1277" y="960"/>
+                    <a:pt x="1248" y="931"/>
+                    <a:pt x="1248" y="896"/>
+                  </a:cubicBezTo>
+                  <a:cubicBezTo>
+                    <a:pt x="1248" y="861"/>
+                    <a:pt x="1277" y="832"/>
+                    <a:pt x="1312" y="832"/>
+                  </a:cubicBezTo>
+                  <a:cubicBezTo>
+                    <a:pt x="1348" y="832"/>
+                    <a:pt x="1376" y="861"/>
+                    <a:pt x="1376" y="896"/>
+                  </a:cubicBezTo>
+                  <a:cubicBezTo>
+                    <a:pt x="1376" y="931"/>
+                    <a:pt x="1348" y="960"/>
+                    <a:pt x="1312" y="960"/>
+                  </a:cubicBezTo>
+                  <a:close/>
+                </a:path>
+              </a:pathLst>
+            </a:custGeom>
+            <a:grpFill/>
+            <a:ln>
+              <a:noFill/>
+            </a:ln>
+            <a:extLst>
+              <a:ext uri="{91240B29-F687-4F45-9708-019B960494DF}">
+                <a14:hiddenLine xmlns:a14="http://schemas.microsoft.com/office/drawing/2010/main" w="9525">
+                  <a:solidFill>
+                    <a:srgbClr val="000000"/>
+                  </a:solidFill>
+                  <a:round/>
+                  <a:headEnd/>
+                  <a:tailEnd/>
+                </a14:hiddenLine>
+              </a:ext>
+            </a:extLst>
+          </p:spPr>
+          <p:txBody>
+            <a:bodyPr vert="horz" wrap="square" lIns="91440" tIns="45720" rIns="91440" bIns="45720" numCol="1" anchor="t" anchorCtr="0" compatLnSpc="1">
+              <a:prstTxWarp prst="textNoShape">
+                <a:avLst/>
+              </a:prstTxWarp>
+            </a:bodyPr>
+            <a:lstStyle/>
+            <a:p>
+              <a:endParaRPr lang="en-US"/>
+            </a:p>
+          </p:txBody>
+        </p:sp>
+        <p:sp>
+          <p:nvSpPr>
+            <p:cNvPr id="29" name="Freeform 25">
+              <a:extLst>
+                <a:ext uri="{FF2B5EF4-FFF2-40B4-BE49-F238E27FC236}">
+                  <a16:creationId xmlns:a16="http://schemas.microsoft.com/office/drawing/2014/main" id="{53C44BA9-CF2E-4389-A272-8E5DD62B3F4B}"/>
+                </a:ext>
+              </a:extLst>
+            </p:cNvPr>
+            <p:cNvSpPr>
+              <a:spLocks noEditPoints="1"/>
+            </p:cNvSpPr>
+            <p:nvPr/>
+          </p:nvSpPr>
+          <p:spPr bwMode="auto">
+            <a:xfrm>
+              <a:off x="3065463" y="6276975"/>
+              <a:ext cx="1820863" cy="581025"/>
+            </a:xfrm>
+            <a:custGeom>
+              <a:avLst/>
+              <a:gdLst>
+                <a:gd name="T0" fmla="*/ 0 w 1147"/>
+                <a:gd name="T1" fmla="*/ 366 h 366"/>
+                <a:gd name="T2" fmla="*/ 1147 w 1147"/>
+                <a:gd name="T3" fmla="*/ 366 h 366"/>
+                <a:gd name="T4" fmla="*/ 1147 w 1147"/>
+                <a:gd name="T5" fmla="*/ 0 h 366"/>
+                <a:gd name="T6" fmla="*/ 0 w 1147"/>
+                <a:gd name="T7" fmla="*/ 0 h 366"/>
+                <a:gd name="T8" fmla="*/ 0 w 1147"/>
+                <a:gd name="T9" fmla="*/ 366 h 366"/>
+                <a:gd name="T10" fmla="*/ 92 w 1147"/>
+                <a:gd name="T11" fmla="*/ 92 h 366"/>
+                <a:gd name="T12" fmla="*/ 1056 w 1147"/>
+                <a:gd name="T13" fmla="*/ 92 h 366"/>
+                <a:gd name="T14" fmla="*/ 1056 w 1147"/>
+                <a:gd name="T15" fmla="*/ 275 h 366"/>
+                <a:gd name="T16" fmla="*/ 92 w 1147"/>
+                <a:gd name="T17" fmla="*/ 275 h 366"/>
+                <a:gd name="T18" fmla="*/ 92 w 1147"/>
+                <a:gd name="T19" fmla="*/ 92 h 366"/>
+              </a:gdLst>
+              <a:ahLst/>
+              <a:cxnLst>
+                <a:cxn ang="0">
+                  <a:pos x="T0" y="T1"/>
+                </a:cxn>
+                <a:cxn ang="0">
+                  <a:pos x="T2" y="T3"/>
+                </a:cxn>
+                <a:cxn ang="0">
+                  <a:pos x="T4" y="T5"/>
+                </a:cxn>
+                <a:cxn ang="0">
+                  <a:pos x="T6" y="T7"/>
+                </a:cxn>
+                <a:cxn ang="0">
+                  <a:pos x="T8" y="T9"/>
+                </a:cxn>
+                <a:cxn ang="0">
+                  <a:pos x="T10" y="T11"/>
+                </a:cxn>
+                <a:cxn ang="0">
+                  <a:pos x="T12" y="T13"/>
+                </a:cxn>
+                <a:cxn ang="0">
+                  <a:pos x="T14" y="T15"/>
+                </a:cxn>
+                <a:cxn ang="0">
+                  <a:pos x="T16" y="T17"/>
+                </a:cxn>
+                <a:cxn ang="0">
+                  <a:pos x="T18" y="T19"/>
+                </a:cxn>
+              </a:cxnLst>
+              <a:rect l="0" t="0" r="r" b="b"/>
+              <a:pathLst>
+                <a:path w="1147" h="366">
+                  <a:moveTo>
+                    <a:pt x="0" y="366"/>
+                  </a:moveTo>
+                  <a:lnTo>
+                    <a:pt x="1147" y="366"/>
+                  </a:lnTo>
+                  <a:lnTo>
+                    <a:pt x="1147" y="0"/>
+                  </a:lnTo>
+                  <a:lnTo>
+                    <a:pt x="0" y="0"/>
+                  </a:lnTo>
+                  <a:lnTo>
+                    <a:pt x="0" y="366"/>
+                  </a:lnTo>
+                  <a:close/>
+                  <a:moveTo>
+                    <a:pt x="92" y="92"/>
+                  </a:moveTo>
+                  <a:lnTo>
+                    <a:pt x="1056" y="92"/>
+                  </a:lnTo>
+                  <a:lnTo>
+                    <a:pt x="1056" y="275"/>
+                  </a:lnTo>
+                  <a:lnTo>
+                    <a:pt x="92" y="275"/>
+                  </a:lnTo>
+                  <a:lnTo>
+                    <a:pt x="92" y="92"/>
+                  </a:lnTo>
+                  <a:close/>
+                </a:path>
+              </a:pathLst>
+            </a:custGeom>
+            <a:grpFill/>
+            <a:ln>
+              <a:noFill/>
+            </a:ln>
+            <a:extLst>
+              <a:ext uri="{91240B29-F687-4F45-9708-019B960494DF}">
+                <a14:hiddenLine xmlns:a14="http://schemas.microsoft.com/office/drawing/2010/main" w="9525">
+                  <a:solidFill>
+                    <a:srgbClr val="000000"/>
+                  </a:solidFill>
+                  <a:round/>
+                  <a:headEnd/>
+                  <a:tailEnd/>
+                </a14:hiddenLine>
+              </a:ext>
+            </a:extLst>
+          </p:spPr>
+          <p:txBody>
+            <a:bodyPr vert="horz" wrap="square" lIns="91440" tIns="45720" rIns="91440" bIns="45720" numCol="1" anchor="t" anchorCtr="0" compatLnSpc="1">
+              <a:prstTxWarp prst="textNoShape">
+                <a:avLst/>
+              </a:prstTxWarp>
+            </a:bodyPr>
+            <a:lstStyle/>
+            <a:p>
+              <a:endParaRPr lang="en-US"/>
+            </a:p>
+          </p:txBody>
+        </p:sp>
+      </p:grpSp>
+      <p:sp>
+        <p:nvSpPr>
           <p:cNvPr id="7" name="TextBox 7">
             <a:extLst>
               <a:ext uri="{FF2B5EF4-FFF2-40B4-BE49-F238E27FC236}">
@@ -29594,8 +32858,8 @@
         </p:blipFill>
         <p:spPr>
           <a:xfrm>
-            <a:off x="2946400" y="2637097"/>
-            <a:ext cx="8952089" cy="4081473"/>
+            <a:off x="3144982" y="2727635"/>
+            <a:ext cx="8753507" cy="3990935"/>
           </a:xfrm>
           <a:prstGeom prst="rect">
             <a:avLst/>
@@ -29625,7 +32889,7 @@
           <a:p>
             <a:fld id="{A4CA1C59-5788-4CA8-919D-639ED9581D45}" type="slidenum">
               <a:rPr lang="en-US" smtClean="0"/>
-              <a:t>6</a:t>
+              <a:t>7</a:t>
             </a:fld>
             <a:endParaRPr lang="en-US"/>
           </a:p>
@@ -29644,7 +32908,7 @@
 </p:sld>
 </file>
 
-<file path=ppt/slides/slide7.xml><?xml version="1.0" encoding="utf-8"?>
+<file path=ppt/slides/slide8.xml><?xml version="1.0" encoding="utf-8"?>
 <p:sld xmlns:a="http://schemas.openxmlformats.org/drawingml/2006/main" xmlns:r="http://schemas.openxmlformats.org/officeDocument/2006/relationships" xmlns:p="http://schemas.openxmlformats.org/presentationml/2006/main">
   <p:cSld>
     <p:bg>
@@ -29967,6 +33231,60 @@
           </a:p>
         </p:txBody>
       </p:sp>
+      <p:pic>
+        <p:nvPicPr>
+          <p:cNvPr id="4" name="図 3">
+            <a:extLst>
+              <a:ext uri="{FF2B5EF4-FFF2-40B4-BE49-F238E27FC236}">
+                <a16:creationId xmlns:a16="http://schemas.microsoft.com/office/drawing/2014/main" id="{FFC17613-DB94-40BC-B63B-5686C0EDA143}"/>
+              </a:ext>
+            </a:extLst>
+          </p:cNvPr>
+          <p:cNvPicPr>
+            <a:picLocks noChangeAspect="1"/>
+          </p:cNvPicPr>
+          <p:nvPr/>
+        </p:nvPicPr>
+        <p:blipFill>
+          <a:blip r:embed="rId4"/>
+          <a:stretch>
+            <a:fillRect/>
+          </a:stretch>
+        </p:blipFill>
+        <p:spPr>
+          <a:xfrm>
+            <a:off x="7775001" y="484968"/>
+            <a:ext cx="1808828" cy="1354848"/>
+          </a:xfrm>
+          <a:prstGeom prst="ellipse">
+            <a:avLst/>
+          </a:prstGeom>
+          <a:ln w="76200" cap="rnd">
+            <a:solidFill>
+              <a:schemeClr val="tx1"/>
+            </a:solidFill>
+          </a:ln>
+          <a:effectLst>
+            <a:outerShdw blurRad="381000" dist="292100" dir="5400000" sx="-80000" sy="-18000" rotWithShape="0">
+              <a:srgbClr val="FF0000">
+                <a:alpha val="22000"/>
+              </a:srgbClr>
+            </a:outerShdw>
+          </a:effectLst>
+          <a:scene3d>
+            <a:camera prst="orthographicFront"/>
+            <a:lightRig rig="contrasting" dir="t">
+              <a:rot lat="0" lon="0" rev="3000000"/>
+            </a:lightRig>
+          </a:scene3d>
+          <a:sp3d contourW="7620">
+            <a:bevelT w="95250" h="31750"/>
+            <a:contourClr>
+              <a:srgbClr val="333333"/>
+            </a:contourClr>
+          </a:sp3d>
+        </p:spPr>
+      </p:pic>
     </p:spTree>
     <p:extLst>
       <p:ext uri="{BB962C8B-B14F-4D97-AF65-F5344CB8AC3E}">
